--- a/AdDatabase/Lecture/Week9/MongoDB 2018 part 1.pptx
+++ b/AdDatabase/Lecture/Week9/MongoDB 2018 part 1.pptx
@@ -641,35 +641,35 @@
           <a:p>
             <a:pPr lvl="0"/>
             <a:r>
-              <a:rPr lang="en-IE" noProof="0" smtClean="0"/>
+              <a:rPr lang="en-IE" noProof="0"/>
               <a:t>Click to edit Master text styles</a:t>
             </a:r>
           </a:p>
           <a:p>
             <a:pPr lvl="1"/>
             <a:r>
-              <a:rPr lang="en-IE" noProof="0" smtClean="0"/>
+              <a:rPr lang="en-IE" noProof="0"/>
               <a:t>Second level</a:t>
             </a:r>
           </a:p>
           <a:p>
             <a:pPr lvl="2"/>
             <a:r>
-              <a:rPr lang="en-IE" noProof="0" smtClean="0"/>
+              <a:rPr lang="en-IE" noProof="0"/>
               <a:t>Third level</a:t>
             </a:r>
           </a:p>
           <a:p>
             <a:pPr lvl="3"/>
             <a:r>
-              <a:rPr lang="en-IE" noProof="0" smtClean="0"/>
+              <a:rPr lang="en-IE" noProof="0"/>
               <a:t>Fourth level</a:t>
             </a:r>
           </a:p>
           <a:p>
             <a:pPr lvl="4"/>
             <a:r>
-              <a:rPr lang="en-IE" noProof="0" smtClean="0"/>
+              <a:rPr lang="en-IE" noProof="0"/>
               <a:t>Fifth level</a:t>
             </a:r>
           </a:p>
@@ -1091,7 +1091,7 @@
                 <a:spcPct val="0"/>
               </a:spcBef>
             </a:pPr>
-            <a:endParaRPr lang="en-US" smtClean="0"/>
+            <a:endParaRPr lang="en-US"/>
           </a:p>
         </p:txBody>
       </p:sp>
@@ -1328,7 +1328,7 @@
           <a:lstStyle/>
           <a:p>
             <a:r>
-              <a:rPr lang="hu-HU" smtClean="0">
+              <a:rPr lang="hu-HU">
                 <a:latin typeface="Arial" pitchFamily="34" charset="0"/>
               </a:rPr>
               <a:t>http://docs.mongodb.org/manual/reference/method/db.collection.mapReduce/#db.collection.mapReduce</a:t>
@@ -1442,7 +1442,7 @@
                 <a:spcPct val="0"/>
               </a:spcBef>
             </a:pPr>
-            <a:endParaRPr lang="en-US" smtClean="0"/>
+            <a:endParaRPr lang="en-US"/>
           </a:p>
         </p:txBody>
       </p:sp>
@@ -1677,7 +1677,7 @@
               </a:spcBef>
             </a:pPr>
             <a:r>
-              <a:rPr lang="en-US" smtClean="0"/>
+              <a:rPr lang="en-US"/>
               <a:t>Quotes from a person</a:t>
             </a:r>
           </a:p>
@@ -1796,7 +1796,7 @@
                 <a:spcPct val="0"/>
               </a:spcBef>
             </a:pPr>
-            <a:endParaRPr lang="en-US" smtClean="0"/>
+            <a:endParaRPr lang="en-US"/>
           </a:p>
         </p:txBody>
       </p:sp>
@@ -1941,7 +1941,7 @@
                 <a:spcPct val="0"/>
               </a:spcBef>
             </a:pPr>
-            <a:endParaRPr lang="en-US" smtClean="0"/>
+            <a:endParaRPr lang="en-US"/>
           </a:p>
         </p:txBody>
       </p:sp>
@@ -2203,7 +2203,7 @@
                 <a:spcPct val="0"/>
               </a:spcBef>
             </a:pPr>
-            <a:endParaRPr lang="en-US" smtClean="0"/>
+            <a:endParaRPr lang="en-US"/>
           </a:p>
         </p:txBody>
       </p:sp>
@@ -2465,7 +2465,7 @@
                 <a:spcPct val="0"/>
               </a:spcBef>
             </a:pPr>
-            <a:endParaRPr lang="en-US" smtClean="0"/>
+            <a:endParaRPr lang="en-US"/>
           </a:p>
         </p:txBody>
       </p:sp>
@@ -2727,7 +2727,7 @@
                 <a:spcPct val="0"/>
               </a:spcBef>
             </a:pPr>
-            <a:endParaRPr lang="en-US" smtClean="0"/>
+            <a:endParaRPr lang="en-US"/>
           </a:p>
         </p:txBody>
       </p:sp>
@@ -2989,7 +2989,7 @@
                 <a:spcPct val="0"/>
               </a:spcBef>
             </a:pPr>
-            <a:endParaRPr lang="en-US" smtClean="0"/>
+            <a:endParaRPr lang="en-US"/>
           </a:p>
         </p:txBody>
       </p:sp>
@@ -3200,7 +3200,7 @@
           </a:lstStyle>
           <a:p>
             <a:r>
-              <a:rPr lang="en-US" dirty="0" smtClean="0"/>
+              <a:rPr lang="en-US" dirty="0"/>
               <a:t>Click to edit Master title style</a:t>
             </a:r>
             <a:endParaRPr lang="en-IE" dirty="0"/>
@@ -3234,7 +3234,7 @@
           </a:lstStyle>
           <a:p>
             <a:r>
-              <a:rPr lang="en-US" smtClean="0"/>
+              <a:rPr lang="en-US"/>
               <a:t>Click to edit Master subtitle style</a:t>
             </a:r>
             <a:endParaRPr lang="en-IE"/>
@@ -3264,10 +3264,10 @@
               <a:defRPr/>
             </a:pPr>
             <a:r>
-              <a:rPr lang="en-US" dirty="0" smtClean="0"/>
+              <a:rPr lang="en-US" dirty="0"/>
               <a:t>2012/2013 - DT228/4</a:t>
             </a:r>
-            <a:endParaRPr lang="en-IE" dirty="0" smtClean="0"/>
+            <a:endParaRPr lang="en-IE" dirty="0"/>
           </a:p>
           <a:p>
             <a:pPr>
@@ -3300,10 +3300,9 @@
               <a:defRPr/>
             </a:pPr>
             <a:r>
-              <a:rPr lang="en-IE" dirty="0" smtClean="0"/>
+              <a:rPr lang="en-IE" dirty="0"/>
               <a:t>DT228/4</a:t>
             </a:r>
-            <a:endParaRPr lang="en-IE" dirty="0"/>
           </a:p>
         </p:txBody>
       </p:sp>
@@ -3345,13 +3344,6 @@
   <p:clrMapOvr>
     <a:masterClrMapping/>
   </p:clrMapOvr>
-  <p:timing>
-    <p:tnLst>
-      <p:par>
-        <p:cTn id="1" dur="indefinite" restart="never" nodeType="tmRoot"/>
-      </p:par>
-    </p:tnLst>
-  </p:timing>
 </p:sldLayout>
 </file>
 
@@ -3388,7 +3380,7 @@
           <a:lstStyle/>
           <a:p>
             <a:r>
-              <a:rPr lang="en-US" smtClean="0"/>
+              <a:rPr lang="en-US"/>
               <a:t>Click to edit Master title style</a:t>
             </a:r>
             <a:endParaRPr lang="en-IE"/>
@@ -3412,35 +3404,35 @@
           <a:p>
             <a:pPr lvl="0"/>
             <a:r>
-              <a:rPr lang="en-US" smtClean="0"/>
+              <a:rPr lang="en-US"/>
               <a:t>Click to edit Master text styles</a:t>
             </a:r>
           </a:p>
           <a:p>
             <a:pPr lvl="1"/>
             <a:r>
-              <a:rPr lang="en-US" smtClean="0"/>
+              <a:rPr lang="en-US"/>
               <a:t>Second level</a:t>
             </a:r>
           </a:p>
           <a:p>
             <a:pPr lvl="2"/>
             <a:r>
-              <a:rPr lang="en-US" smtClean="0"/>
+              <a:rPr lang="en-US"/>
               <a:t>Third level</a:t>
             </a:r>
           </a:p>
           <a:p>
             <a:pPr lvl="3"/>
             <a:r>
-              <a:rPr lang="en-US" smtClean="0"/>
+              <a:rPr lang="en-US"/>
               <a:t>Fourth level</a:t>
             </a:r>
           </a:p>
           <a:p>
             <a:pPr lvl="4"/>
             <a:r>
-              <a:rPr lang="en-US" smtClean="0"/>
+              <a:rPr lang="en-US"/>
               <a:t>Fifth level</a:t>
             </a:r>
             <a:endParaRPr lang="en-IE"/>
@@ -3472,7 +3464,7 @@
               <a:defRPr/>
             </a:pPr>
             <a:r>
-              <a:rPr lang="en-US" smtClean="0"/>
+              <a:rPr lang="en-US"/>
               <a:t>August 2010</a:t>
             </a:r>
             <a:endParaRPr lang="en-IE"/>
@@ -3588,7 +3580,7 @@
           <a:lstStyle/>
           <a:p>
             <a:r>
-              <a:rPr lang="en-US" smtClean="0"/>
+              <a:rPr lang="en-US"/>
               <a:t>Click to edit Master title style</a:t>
             </a:r>
             <a:endParaRPr lang="en-IE"/>
@@ -3617,35 +3609,35 @@
           <a:p>
             <a:pPr lvl="0"/>
             <a:r>
-              <a:rPr lang="en-US" smtClean="0"/>
+              <a:rPr lang="en-US"/>
               <a:t>Click to edit Master text styles</a:t>
             </a:r>
           </a:p>
           <a:p>
             <a:pPr lvl="1"/>
             <a:r>
-              <a:rPr lang="en-US" smtClean="0"/>
+              <a:rPr lang="en-US"/>
               <a:t>Second level</a:t>
             </a:r>
           </a:p>
           <a:p>
             <a:pPr lvl="2"/>
             <a:r>
-              <a:rPr lang="en-US" smtClean="0"/>
+              <a:rPr lang="en-US"/>
               <a:t>Third level</a:t>
             </a:r>
           </a:p>
           <a:p>
             <a:pPr lvl="3"/>
             <a:r>
-              <a:rPr lang="en-US" smtClean="0"/>
+              <a:rPr lang="en-US"/>
               <a:t>Fourth level</a:t>
             </a:r>
           </a:p>
           <a:p>
             <a:pPr lvl="4"/>
             <a:r>
-              <a:rPr lang="en-US" smtClean="0"/>
+              <a:rPr lang="en-US"/>
               <a:t>Fifth level</a:t>
             </a:r>
             <a:endParaRPr lang="en-IE"/>
@@ -3677,7 +3669,7 @@
               <a:defRPr/>
             </a:pPr>
             <a:r>
-              <a:rPr lang="en-US" smtClean="0"/>
+              <a:rPr lang="en-US"/>
               <a:t>August 2010</a:t>
             </a:r>
             <a:endParaRPr lang="en-IE"/>
@@ -3797,7 +3789,7 @@
               <a:defRPr/>
             </a:pPr>
             <a:r>
-              <a:rPr lang="en-US" smtClean="0"/>
+              <a:rPr lang="en-US"/>
               <a:t>S McKeever</a:t>
             </a:r>
             <a:endParaRPr lang="en-US" dirty="0"/>
@@ -3829,7 +3821,7 @@
               <a:defRPr/>
             </a:pPr>
             <a:r>
-              <a:rPr lang="en-GB" smtClean="0"/>
+              <a:rPr lang="en-GB"/>
               <a:t>Advanced Databases</a:t>
             </a:r>
             <a:endParaRPr lang="en-US" dirty="0"/>
@@ -3892,10 +3884,9 @@
           <a:lstStyle/>
           <a:p>
             <a:r>
-              <a:rPr lang="en-US" smtClean="0"/>
+              <a:rPr lang="en-US"/>
               <a:t>Click to edit Master title style</a:t>
             </a:r>
-            <a:endParaRPr lang="en-US"/>
           </a:p>
         </p:txBody>
       </p:sp>
@@ -3921,38 +3912,37 @@
           <a:p>
             <a:pPr lvl="0"/>
             <a:r>
-              <a:rPr lang="en-US" smtClean="0"/>
+              <a:rPr lang="en-US"/>
               <a:t>Click to edit Master text styles</a:t>
             </a:r>
           </a:p>
           <a:p>
             <a:pPr lvl="1"/>
             <a:r>
-              <a:rPr lang="en-US" smtClean="0"/>
+              <a:rPr lang="en-US"/>
               <a:t>Second level</a:t>
             </a:r>
           </a:p>
           <a:p>
             <a:pPr lvl="2"/>
             <a:r>
-              <a:rPr lang="en-US" smtClean="0"/>
+              <a:rPr lang="en-US"/>
               <a:t>Third level</a:t>
             </a:r>
           </a:p>
           <a:p>
             <a:pPr lvl="3"/>
             <a:r>
-              <a:rPr lang="en-US" smtClean="0"/>
+              <a:rPr lang="en-US"/>
               <a:t>Fourth level</a:t>
             </a:r>
           </a:p>
           <a:p>
             <a:pPr lvl="4"/>
             <a:r>
-              <a:rPr lang="en-US" smtClean="0"/>
+              <a:rPr lang="en-US"/>
               <a:t>Fifth level</a:t>
             </a:r>
-            <a:endParaRPr lang="en-US"/>
           </a:p>
         </p:txBody>
       </p:sp>
@@ -4006,7 +3996,7 @@
               <a:defRPr/>
             </a:pPr>
             <a:r>
-              <a:rPr lang="en-US" smtClean="0"/>
+              <a:rPr lang="en-US"/>
               <a:t>S McKeever</a:t>
             </a:r>
             <a:endParaRPr lang="en-US" dirty="0"/>
@@ -4038,7 +4028,7 @@
               <a:defRPr/>
             </a:pPr>
             <a:r>
-              <a:rPr lang="en-GB" smtClean="0"/>
+              <a:rPr lang="en-GB"/>
               <a:t>Advanced Databases</a:t>
             </a:r>
             <a:endParaRPr lang="en-US" dirty="0"/>
@@ -4101,10 +4091,9 @@
           <a:lstStyle/>
           <a:p>
             <a:r>
-              <a:rPr lang="en-US" smtClean="0"/>
+              <a:rPr lang="en-US"/>
               <a:t>Click to edit Master title style</a:t>
             </a:r>
-            <a:endParaRPr lang="en-US"/>
           </a:p>
         </p:txBody>
       </p:sp>
@@ -4130,38 +4119,37 @@
           <a:p>
             <a:pPr lvl="0"/>
             <a:r>
-              <a:rPr lang="en-US" smtClean="0"/>
+              <a:rPr lang="en-US"/>
               <a:t>Click to edit Master text styles</a:t>
             </a:r>
           </a:p>
           <a:p>
             <a:pPr lvl="1"/>
             <a:r>
-              <a:rPr lang="en-US" smtClean="0"/>
+              <a:rPr lang="en-US"/>
               <a:t>Second level</a:t>
             </a:r>
           </a:p>
           <a:p>
             <a:pPr lvl="2"/>
             <a:r>
-              <a:rPr lang="en-US" smtClean="0"/>
+              <a:rPr lang="en-US"/>
               <a:t>Third level</a:t>
             </a:r>
           </a:p>
           <a:p>
             <a:pPr lvl="3"/>
             <a:r>
-              <a:rPr lang="en-US" smtClean="0"/>
+              <a:rPr lang="en-US"/>
               <a:t>Fourth level</a:t>
             </a:r>
           </a:p>
           <a:p>
             <a:pPr lvl="4"/>
             <a:r>
-              <a:rPr lang="en-US" smtClean="0"/>
+              <a:rPr lang="en-US"/>
               <a:t>Fifth level</a:t>
             </a:r>
-            <a:endParaRPr lang="en-US"/>
           </a:p>
         </p:txBody>
       </p:sp>
@@ -4215,7 +4203,7 @@
               <a:defRPr/>
             </a:pPr>
             <a:r>
-              <a:rPr lang="en-US" smtClean="0"/>
+              <a:rPr lang="en-US"/>
               <a:t>S McKeever</a:t>
             </a:r>
             <a:endParaRPr lang="en-US" dirty="0"/>
@@ -4247,7 +4235,7 @@
               <a:defRPr/>
             </a:pPr>
             <a:r>
-              <a:rPr lang="en-GB" smtClean="0"/>
+              <a:rPr lang="en-GB"/>
               <a:t>Advanced Databases</a:t>
             </a:r>
             <a:endParaRPr lang="en-US" dirty="0"/>
@@ -4310,10 +4298,9 @@
           <a:lstStyle/>
           <a:p>
             <a:r>
-              <a:rPr lang="en-US" smtClean="0"/>
+              <a:rPr lang="en-US"/>
               <a:t>Click to edit Master title style</a:t>
             </a:r>
-            <a:endParaRPr lang="en-US"/>
           </a:p>
         </p:txBody>
       </p:sp>
@@ -4339,38 +4326,37 @@
           <a:p>
             <a:pPr lvl="0"/>
             <a:r>
-              <a:rPr lang="en-US" smtClean="0"/>
+              <a:rPr lang="en-US"/>
               <a:t>Click to edit Master text styles</a:t>
             </a:r>
           </a:p>
           <a:p>
             <a:pPr lvl="1"/>
             <a:r>
-              <a:rPr lang="en-US" smtClean="0"/>
+              <a:rPr lang="en-US"/>
               <a:t>Second level</a:t>
             </a:r>
           </a:p>
           <a:p>
             <a:pPr lvl="2"/>
             <a:r>
-              <a:rPr lang="en-US" smtClean="0"/>
+              <a:rPr lang="en-US"/>
               <a:t>Third level</a:t>
             </a:r>
           </a:p>
           <a:p>
             <a:pPr lvl="3"/>
             <a:r>
-              <a:rPr lang="en-US" smtClean="0"/>
+              <a:rPr lang="en-US"/>
               <a:t>Fourth level</a:t>
             </a:r>
           </a:p>
           <a:p>
             <a:pPr lvl="4"/>
             <a:r>
-              <a:rPr lang="en-US" smtClean="0"/>
+              <a:rPr lang="en-US"/>
               <a:t>Fifth level</a:t>
             </a:r>
-            <a:endParaRPr lang="en-US"/>
           </a:p>
         </p:txBody>
       </p:sp>
@@ -4424,7 +4410,7 @@
               <a:defRPr/>
             </a:pPr>
             <a:r>
-              <a:rPr lang="en-US" smtClean="0"/>
+              <a:rPr lang="en-US"/>
               <a:t>S McKeever</a:t>
             </a:r>
             <a:endParaRPr lang="en-US" dirty="0"/>
@@ -4456,7 +4442,7 @@
               <a:defRPr/>
             </a:pPr>
             <a:r>
-              <a:rPr lang="en-GB" smtClean="0"/>
+              <a:rPr lang="en-GB"/>
               <a:t>Advanced Databases</a:t>
             </a:r>
             <a:endParaRPr lang="en-US" dirty="0"/>
@@ -4519,10 +4505,9 @@
           <a:lstStyle/>
           <a:p>
             <a:r>
-              <a:rPr lang="en-US" smtClean="0"/>
+              <a:rPr lang="en-US"/>
               <a:t>Click to edit Master title style</a:t>
             </a:r>
-            <a:endParaRPr lang="en-US"/>
           </a:p>
         </p:txBody>
       </p:sp>
@@ -4548,38 +4533,37 @@
           <a:p>
             <a:pPr lvl="0"/>
             <a:r>
-              <a:rPr lang="en-US" smtClean="0"/>
+              <a:rPr lang="en-US"/>
               <a:t>Click to edit Master text styles</a:t>
             </a:r>
           </a:p>
           <a:p>
             <a:pPr lvl="1"/>
             <a:r>
-              <a:rPr lang="en-US" smtClean="0"/>
+              <a:rPr lang="en-US"/>
               <a:t>Second level</a:t>
             </a:r>
           </a:p>
           <a:p>
             <a:pPr lvl="2"/>
             <a:r>
-              <a:rPr lang="en-US" smtClean="0"/>
+              <a:rPr lang="en-US"/>
               <a:t>Third level</a:t>
             </a:r>
           </a:p>
           <a:p>
             <a:pPr lvl="3"/>
             <a:r>
-              <a:rPr lang="en-US" smtClean="0"/>
+              <a:rPr lang="en-US"/>
               <a:t>Fourth level</a:t>
             </a:r>
           </a:p>
           <a:p>
             <a:pPr lvl="4"/>
             <a:r>
-              <a:rPr lang="en-US" smtClean="0"/>
+              <a:rPr lang="en-US"/>
               <a:t>Fifth level</a:t>
             </a:r>
-            <a:endParaRPr lang="en-US"/>
           </a:p>
         </p:txBody>
       </p:sp>
@@ -4746,10 +4730,9 @@
           </a:lstStyle>
           <a:p>
             <a:r>
-              <a:rPr lang="en-US" dirty="0" smtClean="0"/>
+              <a:rPr lang="en-US" dirty="0"/>
               <a:t>Click to edit Master title style</a:t>
             </a:r>
-            <a:endParaRPr lang="en-US" dirty="0"/>
           </a:p>
         </p:txBody>
       </p:sp>
@@ -4834,42 +4817,41 @@
           <a:p>
             <a:pPr lvl="0"/>
             <a:r>
-              <a:rPr lang="en-US" dirty="0" smtClean="0"/>
+              <a:rPr lang="en-US" dirty="0"/>
               <a:t>Click to edit Master text styles</a:t>
             </a:r>
           </a:p>
           <a:p>
             <a:pPr lvl="1"/>
             <a:r>
-              <a:rPr lang="en-US" dirty="0" smtClean="0"/>
+              <a:rPr lang="en-US" dirty="0"/>
               <a:t>Second level</a:t>
             </a:r>
           </a:p>
           <a:p>
             <a:pPr lvl="2"/>
             <a:r>
-              <a:rPr lang="en-US" dirty="0" smtClean="0"/>
+              <a:rPr lang="en-US" dirty="0"/>
               <a:t>Third level</a:t>
             </a:r>
           </a:p>
           <a:p>
             <a:pPr lvl="3"/>
             <a:r>
-              <a:rPr lang="en-US" dirty="0" smtClean="0"/>
+              <a:rPr lang="en-US" dirty="0"/>
               <a:t>Fourth level</a:t>
             </a:r>
           </a:p>
           <a:p>
             <a:pPr lvl="4"/>
             <a:r>
-              <a:rPr lang="en-US" dirty="0" err="1" smtClean="0"/>
+              <a:rPr lang="en-US" dirty="0" err="1"/>
               <a:t>Fift</a:t>
             </a:r>
             <a:r>
-              <a:rPr lang="en-US" dirty="0" smtClean="0"/>
+              <a:rPr lang="en-US" dirty="0"/>
               <a:t> level</a:t>
             </a:r>
-            <a:endParaRPr lang="en-US" dirty="0"/>
           </a:p>
         </p:txBody>
       </p:sp>
@@ -4923,7 +4905,7 @@
               <a:defRPr/>
             </a:pPr>
             <a:r>
-              <a:rPr lang="en-US" smtClean="0"/>
+              <a:rPr lang="en-US"/>
               <a:t>S McKeever</a:t>
             </a:r>
             <a:endParaRPr lang="en-US" dirty="0"/>
@@ -4955,7 +4937,7 @@
               <a:defRPr/>
             </a:pPr>
             <a:r>
-              <a:rPr lang="en-GB" smtClean="0"/>
+              <a:rPr lang="en-GB"/>
               <a:t>Advanced Databases</a:t>
             </a:r>
             <a:endParaRPr lang="en-US" dirty="0"/>
@@ -5018,10 +5000,9 @@
           <a:lstStyle/>
           <a:p>
             <a:r>
-              <a:rPr lang="en-US" smtClean="0"/>
+              <a:rPr lang="en-US"/>
               <a:t>Click to edit Master title style</a:t>
             </a:r>
-            <a:endParaRPr lang="en-US"/>
           </a:p>
         </p:txBody>
       </p:sp>
@@ -5078,38 +5059,37 @@
           <a:p>
             <a:pPr lvl="0"/>
             <a:r>
-              <a:rPr lang="en-US" dirty="0" smtClean="0"/>
+              <a:rPr lang="en-US" dirty="0"/>
               <a:t>Click to edit Master text styles</a:t>
             </a:r>
           </a:p>
           <a:p>
             <a:pPr lvl="1"/>
             <a:r>
-              <a:rPr lang="en-US" dirty="0" smtClean="0"/>
+              <a:rPr lang="en-US" dirty="0"/>
               <a:t>Second level</a:t>
             </a:r>
           </a:p>
           <a:p>
             <a:pPr lvl="2"/>
             <a:r>
-              <a:rPr lang="en-US" dirty="0" smtClean="0"/>
+              <a:rPr lang="en-US" dirty="0"/>
               <a:t>Third level</a:t>
             </a:r>
           </a:p>
           <a:p>
             <a:pPr lvl="3"/>
             <a:r>
-              <a:rPr lang="en-US" dirty="0" smtClean="0"/>
+              <a:rPr lang="en-US" dirty="0"/>
               <a:t>Fourth level</a:t>
             </a:r>
           </a:p>
           <a:p>
             <a:pPr lvl="4"/>
             <a:r>
-              <a:rPr lang="en-US" dirty="0" smtClean="0"/>
+              <a:rPr lang="en-US" dirty="0"/>
               <a:t>Fifth level</a:t>
             </a:r>
-            <a:endParaRPr lang="en-US" dirty="0"/>
           </a:p>
         </p:txBody>
       </p:sp>
@@ -5163,7 +5143,7 @@
               <a:defRPr/>
             </a:pPr>
             <a:r>
-              <a:rPr lang="en-US" smtClean="0"/>
+              <a:rPr lang="en-US"/>
               <a:t>S McKeever</a:t>
             </a:r>
             <a:endParaRPr lang="en-US" dirty="0"/>
@@ -5195,7 +5175,7 @@
               <a:defRPr/>
             </a:pPr>
             <a:r>
-              <a:rPr lang="en-GB" smtClean="0"/>
+              <a:rPr lang="en-GB"/>
               <a:t>Advanced Databases</a:t>
             </a:r>
             <a:endParaRPr lang="en-US" dirty="0"/>
@@ -5258,10 +5238,9 @@
           <a:lstStyle/>
           <a:p>
             <a:r>
-              <a:rPr lang="en-US" smtClean="0"/>
+              <a:rPr lang="en-US"/>
               <a:t>Click to edit Master title style</a:t>
             </a:r>
-            <a:endParaRPr lang="en-US"/>
           </a:p>
         </p:txBody>
       </p:sp>
@@ -5318,38 +5297,37 @@
           <a:p>
             <a:pPr lvl="0"/>
             <a:r>
-              <a:rPr lang="en-US" dirty="0" smtClean="0"/>
+              <a:rPr lang="en-US" dirty="0"/>
               <a:t>Click to edit Master text styles</a:t>
             </a:r>
           </a:p>
           <a:p>
             <a:pPr lvl="1"/>
             <a:r>
-              <a:rPr lang="en-US" dirty="0" smtClean="0"/>
+              <a:rPr lang="en-US" dirty="0"/>
               <a:t>Second level</a:t>
             </a:r>
           </a:p>
           <a:p>
             <a:pPr lvl="2"/>
             <a:r>
-              <a:rPr lang="en-US" dirty="0" smtClean="0"/>
+              <a:rPr lang="en-US" dirty="0"/>
               <a:t>Third level</a:t>
             </a:r>
           </a:p>
           <a:p>
             <a:pPr lvl="3"/>
             <a:r>
-              <a:rPr lang="en-US" dirty="0" smtClean="0"/>
+              <a:rPr lang="en-US" dirty="0"/>
               <a:t>Fourth level</a:t>
             </a:r>
           </a:p>
           <a:p>
             <a:pPr lvl="4"/>
             <a:r>
-              <a:rPr lang="en-US" dirty="0" smtClean="0"/>
+              <a:rPr lang="en-US" dirty="0"/>
               <a:t>Fifth level</a:t>
             </a:r>
-            <a:endParaRPr lang="en-US" dirty="0"/>
           </a:p>
         </p:txBody>
       </p:sp>
@@ -5403,7 +5381,7 @@
               <a:defRPr/>
             </a:pPr>
             <a:r>
-              <a:rPr lang="en-US" smtClean="0"/>
+              <a:rPr lang="en-US"/>
               <a:t>S McKeever</a:t>
             </a:r>
             <a:endParaRPr lang="en-US" dirty="0"/>
@@ -5435,7 +5413,7 @@
               <a:defRPr/>
             </a:pPr>
             <a:r>
-              <a:rPr lang="en-GB" smtClean="0"/>
+              <a:rPr lang="en-GB"/>
               <a:t>Advanced Databases</a:t>
             </a:r>
             <a:endParaRPr lang="en-US" dirty="0"/>
@@ -5498,10 +5476,9 @@
           <a:lstStyle/>
           <a:p>
             <a:r>
-              <a:rPr lang="en-US" smtClean="0"/>
+              <a:rPr lang="en-US"/>
               <a:t>Click to edit Master title style</a:t>
             </a:r>
-            <a:endParaRPr lang="en-US"/>
           </a:p>
         </p:txBody>
       </p:sp>
@@ -5558,38 +5535,37 @@
           <a:p>
             <a:pPr lvl="0"/>
             <a:r>
-              <a:rPr lang="en-US" dirty="0" smtClean="0"/>
+              <a:rPr lang="en-US" dirty="0"/>
               <a:t>Click to edit Master text styles</a:t>
             </a:r>
           </a:p>
           <a:p>
             <a:pPr lvl="1"/>
             <a:r>
-              <a:rPr lang="en-US" dirty="0" smtClean="0"/>
+              <a:rPr lang="en-US" dirty="0"/>
               <a:t>Second level</a:t>
             </a:r>
           </a:p>
           <a:p>
             <a:pPr lvl="2"/>
             <a:r>
-              <a:rPr lang="en-US" dirty="0" smtClean="0"/>
+              <a:rPr lang="en-US" dirty="0"/>
               <a:t>Third level</a:t>
             </a:r>
           </a:p>
           <a:p>
             <a:pPr lvl="3"/>
             <a:r>
-              <a:rPr lang="en-US" dirty="0" smtClean="0"/>
+              <a:rPr lang="en-US" dirty="0"/>
               <a:t>Fourth level</a:t>
             </a:r>
           </a:p>
           <a:p>
             <a:pPr lvl="4"/>
             <a:r>
-              <a:rPr lang="en-US" dirty="0" smtClean="0"/>
+              <a:rPr lang="en-US" dirty="0"/>
               <a:t>Fifth level</a:t>
             </a:r>
-            <a:endParaRPr lang="en-US" dirty="0"/>
           </a:p>
         </p:txBody>
       </p:sp>
@@ -5639,7 +5615,7 @@
           <a:lstStyle/>
           <a:p>
             <a:r>
-              <a:rPr lang="en-US" smtClean="0"/>
+              <a:rPr lang="en-US"/>
               <a:t>Click to edit Master title style</a:t>
             </a:r>
             <a:endParaRPr lang="en-IE"/>
@@ -5663,35 +5639,35 @@
           <a:p>
             <a:pPr lvl="0"/>
             <a:r>
-              <a:rPr lang="en-US" smtClean="0"/>
+              <a:rPr lang="en-US"/>
               <a:t>Click to edit Master text styles</a:t>
             </a:r>
           </a:p>
           <a:p>
             <a:pPr lvl="1"/>
             <a:r>
-              <a:rPr lang="en-US" smtClean="0"/>
+              <a:rPr lang="en-US"/>
               <a:t>Second level</a:t>
             </a:r>
           </a:p>
           <a:p>
             <a:pPr lvl="2"/>
             <a:r>
-              <a:rPr lang="en-US" smtClean="0"/>
+              <a:rPr lang="en-US"/>
               <a:t>Third level</a:t>
             </a:r>
           </a:p>
           <a:p>
             <a:pPr lvl="3"/>
             <a:r>
-              <a:rPr lang="en-US" smtClean="0"/>
+              <a:rPr lang="en-US"/>
               <a:t>Fourth level</a:t>
             </a:r>
           </a:p>
           <a:p>
             <a:pPr lvl="4"/>
             <a:r>
-              <a:rPr lang="en-US" smtClean="0"/>
+              <a:rPr lang="en-US"/>
               <a:t>Fifth level</a:t>
             </a:r>
             <a:endParaRPr lang="en-IE"/>
@@ -5723,7 +5699,7 @@
               <a:defRPr/>
             </a:pPr>
             <a:r>
-              <a:rPr lang="en-US" dirty="0" smtClean="0"/>
+              <a:rPr lang="en-US" dirty="0"/>
               <a:t>2012/2013 - DT228/4</a:t>
             </a:r>
             <a:endParaRPr lang="en-IE" dirty="0"/>
@@ -5755,10 +5731,9 @@
               <a:defRPr/>
             </a:pPr>
             <a:r>
-              <a:rPr lang="en-IE" dirty="0" smtClean="0"/>
+              <a:rPr lang="en-IE" dirty="0"/>
               <a:t>DT228/4</a:t>
             </a:r>
-            <a:endParaRPr lang="en-IE" dirty="0"/>
           </a:p>
         </p:txBody>
       </p:sp>
@@ -5802,13 +5777,6 @@
   <p:clrMapOvr>
     <a:masterClrMapping/>
   </p:clrMapOvr>
-  <p:timing>
-    <p:tnLst>
-      <p:par>
-        <p:cTn id="1" dur="indefinite" restart="never" nodeType="tmRoot"/>
-      </p:par>
-    </p:tnLst>
-  </p:timing>
 </p:sldLayout>
 </file>
 
@@ -5854,7 +5822,7 @@
               <a:defRPr/>
             </a:pPr>
             <a:r>
-              <a:rPr lang="en-US" smtClean="0"/>
+              <a:rPr lang="en-US"/>
               <a:t>S McKeever</a:t>
             </a:r>
             <a:endParaRPr lang="en-US" dirty="0"/>
@@ -5886,7 +5854,7 @@
               <a:defRPr/>
             </a:pPr>
             <a:r>
-              <a:rPr lang="en-GB" smtClean="0"/>
+              <a:rPr lang="en-GB"/>
               <a:t>Advanced Databases</a:t>
             </a:r>
             <a:endParaRPr lang="en-US" dirty="0"/>
@@ -5949,10 +5917,9 @@
           <a:lstStyle/>
           <a:p>
             <a:r>
-              <a:rPr lang="en-US" smtClean="0"/>
+              <a:rPr lang="en-US"/>
               <a:t>Click to edit Master title style</a:t>
             </a:r>
-            <a:endParaRPr lang="en-US"/>
           </a:p>
         </p:txBody>
       </p:sp>
@@ -6009,38 +5976,37 @@
           <a:p>
             <a:pPr lvl="0"/>
             <a:r>
-              <a:rPr lang="en-US" dirty="0" smtClean="0"/>
+              <a:rPr lang="en-US" dirty="0"/>
               <a:t>Click to edit Master text styles</a:t>
             </a:r>
           </a:p>
           <a:p>
             <a:pPr lvl="1"/>
             <a:r>
-              <a:rPr lang="en-US" dirty="0" smtClean="0"/>
+              <a:rPr lang="en-US" dirty="0"/>
               <a:t>Second level</a:t>
             </a:r>
           </a:p>
           <a:p>
             <a:pPr lvl="2"/>
             <a:r>
-              <a:rPr lang="en-US" dirty="0" smtClean="0"/>
+              <a:rPr lang="en-US" dirty="0"/>
               <a:t>Third level</a:t>
             </a:r>
           </a:p>
           <a:p>
             <a:pPr lvl="3"/>
             <a:r>
-              <a:rPr lang="en-US" dirty="0" smtClean="0"/>
+              <a:rPr lang="en-US" dirty="0"/>
               <a:t>Fourth level</a:t>
             </a:r>
           </a:p>
           <a:p>
             <a:pPr lvl="4"/>
             <a:r>
-              <a:rPr lang="en-US" dirty="0" smtClean="0"/>
+              <a:rPr lang="en-US" dirty="0"/>
               <a:t>Fifth level</a:t>
             </a:r>
-            <a:endParaRPr lang="en-US" dirty="0"/>
           </a:p>
         </p:txBody>
       </p:sp>
@@ -6094,7 +6060,7 @@
               <a:defRPr/>
             </a:pPr>
             <a:r>
-              <a:rPr lang="en-US" smtClean="0"/>
+              <a:rPr lang="en-US"/>
               <a:t>S McKeever</a:t>
             </a:r>
             <a:endParaRPr lang="en-US" dirty="0"/>
@@ -6126,7 +6092,7 @@
               <a:defRPr/>
             </a:pPr>
             <a:r>
-              <a:rPr lang="en-GB" smtClean="0"/>
+              <a:rPr lang="en-GB"/>
               <a:t>Advanced Databases</a:t>
             </a:r>
             <a:endParaRPr lang="en-US" dirty="0"/>
@@ -6189,10 +6155,9 @@
           <a:lstStyle/>
           <a:p>
             <a:r>
-              <a:rPr lang="en-US" smtClean="0"/>
+              <a:rPr lang="en-US"/>
               <a:t>Click to edit Master title style</a:t>
             </a:r>
-            <a:endParaRPr lang="en-US"/>
           </a:p>
         </p:txBody>
       </p:sp>
@@ -6249,38 +6214,37 @@
           <a:p>
             <a:pPr lvl="0"/>
             <a:r>
-              <a:rPr lang="en-US" dirty="0" smtClean="0"/>
+              <a:rPr lang="en-US" dirty="0"/>
               <a:t>Click to edit Master text styles</a:t>
             </a:r>
           </a:p>
           <a:p>
             <a:pPr lvl="1"/>
             <a:r>
-              <a:rPr lang="en-US" dirty="0" smtClean="0"/>
+              <a:rPr lang="en-US" dirty="0"/>
               <a:t>Second level</a:t>
             </a:r>
           </a:p>
           <a:p>
             <a:pPr lvl="2"/>
             <a:r>
-              <a:rPr lang="en-US" dirty="0" smtClean="0"/>
+              <a:rPr lang="en-US" dirty="0"/>
               <a:t>Third level</a:t>
             </a:r>
           </a:p>
           <a:p>
             <a:pPr lvl="3"/>
             <a:r>
-              <a:rPr lang="en-US" dirty="0" smtClean="0"/>
+              <a:rPr lang="en-US" dirty="0"/>
               <a:t>Fourth level</a:t>
             </a:r>
           </a:p>
           <a:p>
             <a:pPr lvl="4"/>
             <a:r>
-              <a:rPr lang="en-US" dirty="0" smtClean="0"/>
+              <a:rPr lang="en-US" dirty="0"/>
               <a:t>Fifth level</a:t>
             </a:r>
-            <a:endParaRPr lang="en-US" dirty="0"/>
           </a:p>
         </p:txBody>
       </p:sp>
@@ -6334,7 +6298,7 @@
               <a:defRPr/>
             </a:pPr>
             <a:r>
-              <a:rPr lang="en-US" smtClean="0"/>
+              <a:rPr lang="en-US"/>
               <a:t>S McKeever</a:t>
             </a:r>
             <a:endParaRPr lang="en-US" dirty="0"/>
@@ -6366,7 +6330,7 @@
               <a:defRPr/>
             </a:pPr>
             <a:r>
-              <a:rPr lang="en-GB" smtClean="0"/>
+              <a:rPr lang="en-GB"/>
               <a:t>Advanced Databases</a:t>
             </a:r>
             <a:endParaRPr lang="en-US" dirty="0"/>
@@ -6429,10 +6393,9 @@
           <a:lstStyle/>
           <a:p>
             <a:r>
-              <a:rPr lang="en-US" smtClean="0"/>
+              <a:rPr lang="en-US"/>
               <a:t>Click to edit Master title style</a:t>
             </a:r>
-            <a:endParaRPr lang="en-US"/>
           </a:p>
         </p:txBody>
       </p:sp>
@@ -6489,38 +6452,37 @@
           <a:p>
             <a:pPr lvl="0"/>
             <a:r>
-              <a:rPr lang="en-US" dirty="0" smtClean="0"/>
+              <a:rPr lang="en-US" dirty="0"/>
               <a:t>Click to edit Master text styles</a:t>
             </a:r>
           </a:p>
           <a:p>
             <a:pPr lvl="1"/>
             <a:r>
-              <a:rPr lang="en-US" dirty="0" smtClean="0"/>
+              <a:rPr lang="en-US" dirty="0"/>
               <a:t>Second level</a:t>
             </a:r>
           </a:p>
           <a:p>
             <a:pPr lvl="2"/>
             <a:r>
-              <a:rPr lang="en-US" dirty="0" smtClean="0"/>
+              <a:rPr lang="en-US" dirty="0"/>
               <a:t>Third level</a:t>
             </a:r>
           </a:p>
           <a:p>
             <a:pPr lvl="3"/>
             <a:r>
-              <a:rPr lang="en-US" dirty="0" smtClean="0"/>
+              <a:rPr lang="en-US" dirty="0"/>
               <a:t>Fourth level</a:t>
             </a:r>
           </a:p>
           <a:p>
             <a:pPr lvl="4"/>
             <a:r>
-              <a:rPr lang="en-US" dirty="0" smtClean="0"/>
+              <a:rPr lang="en-US" dirty="0"/>
               <a:t>Fifth level</a:t>
             </a:r>
-            <a:endParaRPr lang="en-US" dirty="0"/>
           </a:p>
         </p:txBody>
       </p:sp>
@@ -6574,7 +6536,7 @@
               <a:defRPr/>
             </a:pPr>
             <a:r>
-              <a:rPr lang="en-US" smtClean="0"/>
+              <a:rPr lang="en-US"/>
               <a:t>S McKeever</a:t>
             </a:r>
             <a:endParaRPr lang="en-US" dirty="0"/>
@@ -6606,7 +6568,7 @@
               <a:defRPr/>
             </a:pPr>
             <a:r>
-              <a:rPr lang="en-GB" smtClean="0"/>
+              <a:rPr lang="en-GB"/>
               <a:t>Advanced Databases</a:t>
             </a:r>
             <a:endParaRPr lang="en-US" dirty="0"/>
@@ -6669,10 +6631,9 @@
           <a:lstStyle/>
           <a:p>
             <a:r>
-              <a:rPr lang="en-US" smtClean="0"/>
+              <a:rPr lang="en-US"/>
               <a:t>Click to edit Master title style</a:t>
             </a:r>
-            <a:endParaRPr lang="en-US"/>
           </a:p>
         </p:txBody>
       </p:sp>
@@ -6729,38 +6690,37 @@
           <a:p>
             <a:pPr lvl="0"/>
             <a:r>
-              <a:rPr lang="en-US" dirty="0" smtClean="0"/>
+              <a:rPr lang="en-US" dirty="0"/>
               <a:t>Click to edit Master text styles</a:t>
             </a:r>
           </a:p>
           <a:p>
             <a:pPr lvl="1"/>
             <a:r>
-              <a:rPr lang="en-US" dirty="0" smtClean="0"/>
+              <a:rPr lang="en-US" dirty="0"/>
               <a:t>Second level</a:t>
             </a:r>
           </a:p>
           <a:p>
             <a:pPr lvl="2"/>
             <a:r>
-              <a:rPr lang="en-US" dirty="0" smtClean="0"/>
+              <a:rPr lang="en-US" dirty="0"/>
               <a:t>Third level</a:t>
             </a:r>
           </a:p>
           <a:p>
             <a:pPr lvl="3"/>
             <a:r>
-              <a:rPr lang="en-US" dirty="0" smtClean="0"/>
+              <a:rPr lang="en-US" dirty="0"/>
               <a:t>Fourth level</a:t>
             </a:r>
           </a:p>
           <a:p>
             <a:pPr lvl="4"/>
             <a:r>
-              <a:rPr lang="en-US" dirty="0" smtClean="0"/>
+              <a:rPr lang="en-US" dirty="0"/>
               <a:t>Fifth level</a:t>
             </a:r>
-            <a:endParaRPr lang="en-US" dirty="0"/>
           </a:p>
         </p:txBody>
       </p:sp>
@@ -6814,7 +6774,7 @@
               <a:defRPr/>
             </a:pPr>
             <a:r>
-              <a:rPr lang="en-US" smtClean="0"/>
+              <a:rPr lang="en-US"/>
               <a:t>S McKeever</a:t>
             </a:r>
             <a:endParaRPr lang="en-US" dirty="0"/>
@@ -6846,7 +6806,7 @@
               <a:defRPr/>
             </a:pPr>
             <a:r>
-              <a:rPr lang="en-GB" smtClean="0"/>
+              <a:rPr lang="en-GB"/>
               <a:t>Advanced Databases</a:t>
             </a:r>
             <a:endParaRPr lang="en-US" dirty="0"/>
@@ -6909,10 +6869,9 @@
           <a:lstStyle/>
           <a:p>
             <a:r>
-              <a:rPr lang="en-US" smtClean="0"/>
+              <a:rPr lang="en-US"/>
               <a:t>Click to edit Master title style</a:t>
             </a:r>
-            <a:endParaRPr lang="en-US"/>
           </a:p>
         </p:txBody>
       </p:sp>
@@ -6969,38 +6928,37 @@
           <a:p>
             <a:pPr lvl="0"/>
             <a:r>
-              <a:rPr lang="en-US" dirty="0" smtClean="0"/>
+              <a:rPr lang="en-US" dirty="0"/>
               <a:t>Click to edit Master text styles</a:t>
             </a:r>
           </a:p>
           <a:p>
             <a:pPr lvl="1"/>
             <a:r>
-              <a:rPr lang="en-US" dirty="0" smtClean="0"/>
+              <a:rPr lang="en-US" dirty="0"/>
               <a:t>Second level</a:t>
             </a:r>
           </a:p>
           <a:p>
             <a:pPr lvl="2"/>
             <a:r>
-              <a:rPr lang="en-US" dirty="0" smtClean="0"/>
+              <a:rPr lang="en-US" dirty="0"/>
               <a:t>Third level</a:t>
             </a:r>
           </a:p>
           <a:p>
             <a:pPr lvl="3"/>
             <a:r>
-              <a:rPr lang="en-US" dirty="0" smtClean="0"/>
+              <a:rPr lang="en-US" dirty="0"/>
               <a:t>Fourth level</a:t>
             </a:r>
           </a:p>
           <a:p>
             <a:pPr lvl="4"/>
             <a:r>
-              <a:rPr lang="en-US" dirty="0" smtClean="0"/>
+              <a:rPr lang="en-US" dirty="0"/>
               <a:t>Fifth level</a:t>
             </a:r>
-            <a:endParaRPr lang="en-US" dirty="0"/>
           </a:p>
         </p:txBody>
       </p:sp>
@@ -7054,7 +7012,7 @@
               <a:defRPr/>
             </a:pPr>
             <a:r>
-              <a:rPr lang="en-US" smtClean="0"/>
+              <a:rPr lang="en-US"/>
               <a:t>S McKeever</a:t>
             </a:r>
             <a:endParaRPr lang="en-US" dirty="0"/>
@@ -7086,7 +7044,7 @@
               <a:defRPr/>
             </a:pPr>
             <a:r>
-              <a:rPr lang="en-GB" smtClean="0"/>
+              <a:rPr lang="en-GB"/>
               <a:t>Advanced Databases</a:t>
             </a:r>
             <a:endParaRPr lang="en-US" dirty="0"/>
@@ -7149,10 +7107,9 @@
           <a:lstStyle/>
           <a:p>
             <a:r>
-              <a:rPr lang="en-US" smtClean="0"/>
+              <a:rPr lang="en-US"/>
               <a:t>Click to edit Master title style</a:t>
             </a:r>
-            <a:endParaRPr lang="en-US"/>
           </a:p>
         </p:txBody>
       </p:sp>
@@ -7209,38 +7166,37 @@
           <a:p>
             <a:pPr lvl="0"/>
             <a:r>
-              <a:rPr lang="en-US" dirty="0" smtClean="0"/>
+              <a:rPr lang="en-US" dirty="0"/>
               <a:t>Click to edit Master text styles</a:t>
             </a:r>
           </a:p>
           <a:p>
             <a:pPr lvl="1"/>
             <a:r>
-              <a:rPr lang="en-US" dirty="0" smtClean="0"/>
+              <a:rPr lang="en-US" dirty="0"/>
               <a:t>Second level</a:t>
             </a:r>
           </a:p>
           <a:p>
             <a:pPr lvl="2"/>
             <a:r>
-              <a:rPr lang="en-US" dirty="0" smtClean="0"/>
+              <a:rPr lang="en-US" dirty="0"/>
               <a:t>Third level</a:t>
             </a:r>
           </a:p>
           <a:p>
             <a:pPr lvl="3"/>
             <a:r>
-              <a:rPr lang="en-US" dirty="0" smtClean="0"/>
+              <a:rPr lang="en-US" dirty="0"/>
               <a:t>Fourth level</a:t>
             </a:r>
           </a:p>
           <a:p>
             <a:pPr lvl="4"/>
             <a:r>
-              <a:rPr lang="en-US" dirty="0" smtClean="0"/>
+              <a:rPr lang="en-US" dirty="0"/>
               <a:t>Fifth level</a:t>
             </a:r>
-            <a:endParaRPr lang="en-US" dirty="0"/>
           </a:p>
         </p:txBody>
       </p:sp>
@@ -7294,7 +7250,7 @@
               <a:defRPr/>
             </a:pPr>
             <a:r>
-              <a:rPr lang="en-US" smtClean="0"/>
+              <a:rPr lang="en-US"/>
               <a:t>S McKeever</a:t>
             </a:r>
             <a:endParaRPr lang="en-US" dirty="0"/>
@@ -7326,7 +7282,7 @@
               <a:defRPr/>
             </a:pPr>
             <a:r>
-              <a:rPr lang="en-GB" smtClean="0"/>
+              <a:rPr lang="en-GB"/>
               <a:t>Advanced Databases</a:t>
             </a:r>
             <a:endParaRPr lang="en-US" dirty="0"/>
@@ -7389,10 +7345,9 @@
           <a:lstStyle/>
           <a:p>
             <a:r>
-              <a:rPr lang="en-US" smtClean="0"/>
+              <a:rPr lang="en-US"/>
               <a:t>Click to edit Master title style</a:t>
             </a:r>
-            <a:endParaRPr lang="en-US"/>
           </a:p>
         </p:txBody>
       </p:sp>
@@ -7449,38 +7404,37 @@
           <a:p>
             <a:pPr lvl="0"/>
             <a:r>
-              <a:rPr lang="en-US" dirty="0" smtClean="0"/>
+              <a:rPr lang="en-US" dirty="0"/>
               <a:t>Click to edit Master text styles</a:t>
             </a:r>
           </a:p>
           <a:p>
             <a:pPr lvl="1"/>
             <a:r>
-              <a:rPr lang="en-US" dirty="0" smtClean="0"/>
+              <a:rPr lang="en-US" dirty="0"/>
               <a:t>Second level</a:t>
             </a:r>
           </a:p>
           <a:p>
             <a:pPr lvl="2"/>
             <a:r>
-              <a:rPr lang="en-US" dirty="0" smtClean="0"/>
+              <a:rPr lang="en-US" dirty="0"/>
               <a:t>Third level</a:t>
             </a:r>
           </a:p>
           <a:p>
             <a:pPr lvl="3"/>
             <a:r>
-              <a:rPr lang="en-US" dirty="0" smtClean="0"/>
+              <a:rPr lang="en-US" dirty="0"/>
               <a:t>Fourth level</a:t>
             </a:r>
           </a:p>
           <a:p>
             <a:pPr lvl="4"/>
             <a:r>
-              <a:rPr lang="en-US" dirty="0" smtClean="0"/>
+              <a:rPr lang="en-US" dirty="0"/>
               <a:t>Fifth level</a:t>
             </a:r>
-            <a:endParaRPr lang="en-US" dirty="0"/>
           </a:p>
         </p:txBody>
       </p:sp>
@@ -7534,7 +7488,7 @@
               <a:defRPr/>
             </a:pPr>
             <a:r>
-              <a:rPr lang="en-US" smtClean="0"/>
+              <a:rPr lang="en-US"/>
               <a:t>S McKeever</a:t>
             </a:r>
             <a:endParaRPr lang="en-US" dirty="0"/>
@@ -7566,7 +7520,7 @@
               <a:defRPr/>
             </a:pPr>
             <a:r>
-              <a:rPr lang="en-GB" smtClean="0"/>
+              <a:rPr lang="en-GB"/>
               <a:t>Advanced Databases</a:t>
             </a:r>
             <a:endParaRPr lang="en-US" dirty="0"/>
@@ -7629,10 +7583,9 @@
           <a:lstStyle/>
           <a:p>
             <a:r>
-              <a:rPr lang="en-US" smtClean="0"/>
+              <a:rPr lang="en-US"/>
               <a:t>Click to edit Master title style</a:t>
             </a:r>
-            <a:endParaRPr lang="en-US"/>
           </a:p>
         </p:txBody>
       </p:sp>
@@ -7689,38 +7642,37 @@
           <a:p>
             <a:pPr lvl="0"/>
             <a:r>
-              <a:rPr lang="en-US" dirty="0" smtClean="0"/>
+              <a:rPr lang="en-US" dirty="0"/>
               <a:t>Click to edit Master text styles</a:t>
             </a:r>
           </a:p>
           <a:p>
             <a:pPr lvl="1"/>
             <a:r>
-              <a:rPr lang="en-US" dirty="0" smtClean="0"/>
+              <a:rPr lang="en-US" dirty="0"/>
               <a:t>Second level</a:t>
             </a:r>
           </a:p>
           <a:p>
             <a:pPr lvl="2"/>
             <a:r>
-              <a:rPr lang="en-US" dirty="0" smtClean="0"/>
+              <a:rPr lang="en-US" dirty="0"/>
               <a:t>Third level</a:t>
             </a:r>
           </a:p>
           <a:p>
             <a:pPr lvl="3"/>
             <a:r>
-              <a:rPr lang="en-US" dirty="0" smtClean="0"/>
+              <a:rPr lang="en-US" dirty="0"/>
               <a:t>Fourth level</a:t>
             </a:r>
           </a:p>
           <a:p>
             <a:pPr lvl="4"/>
             <a:r>
-              <a:rPr lang="en-US" dirty="0" smtClean="0"/>
+              <a:rPr lang="en-US" dirty="0"/>
               <a:t>Fifth level</a:t>
             </a:r>
-            <a:endParaRPr lang="en-US" dirty="0"/>
           </a:p>
         </p:txBody>
       </p:sp>
@@ -7774,7 +7726,7 @@
               <a:defRPr/>
             </a:pPr>
             <a:r>
-              <a:rPr lang="en-US" smtClean="0"/>
+              <a:rPr lang="en-US"/>
               <a:t>S McKeever</a:t>
             </a:r>
             <a:endParaRPr lang="en-US" dirty="0"/>
@@ -7806,7 +7758,7 @@
               <a:defRPr/>
             </a:pPr>
             <a:r>
-              <a:rPr lang="en-GB" smtClean="0"/>
+              <a:rPr lang="en-GB"/>
               <a:t>Advanced Databases</a:t>
             </a:r>
             <a:endParaRPr lang="en-US" dirty="0"/>
@@ -7869,10 +7821,9 @@
           <a:lstStyle/>
           <a:p>
             <a:r>
-              <a:rPr lang="en-US" dirty="0" smtClean="0"/>
+              <a:rPr lang="en-US" dirty="0"/>
               <a:t>Click to edit Master title style</a:t>
             </a:r>
-            <a:endParaRPr lang="en-US" dirty="0"/>
           </a:p>
         </p:txBody>
       </p:sp>
@@ -7929,38 +7880,37 @@
           <a:p>
             <a:pPr lvl="0"/>
             <a:r>
-              <a:rPr lang="en-US" dirty="0" smtClean="0"/>
+              <a:rPr lang="en-US" dirty="0"/>
               <a:t>Click to edit Master text styles</a:t>
             </a:r>
           </a:p>
           <a:p>
             <a:pPr lvl="1"/>
             <a:r>
-              <a:rPr lang="en-US" dirty="0" smtClean="0"/>
+              <a:rPr lang="en-US" dirty="0"/>
               <a:t>Second level</a:t>
             </a:r>
           </a:p>
           <a:p>
             <a:pPr lvl="2"/>
             <a:r>
-              <a:rPr lang="en-US" dirty="0" smtClean="0"/>
+              <a:rPr lang="en-US" dirty="0"/>
               <a:t>Third level</a:t>
             </a:r>
           </a:p>
           <a:p>
             <a:pPr lvl="3"/>
             <a:r>
-              <a:rPr lang="en-US" dirty="0" smtClean="0"/>
+              <a:rPr lang="en-US" dirty="0"/>
               <a:t>Fourth level</a:t>
             </a:r>
           </a:p>
           <a:p>
             <a:pPr lvl="4"/>
             <a:r>
-              <a:rPr lang="en-US" dirty="0" smtClean="0"/>
+              <a:rPr lang="en-US" dirty="0"/>
               <a:t>Fifth level</a:t>
             </a:r>
-            <a:endParaRPr lang="en-US" dirty="0"/>
           </a:p>
         </p:txBody>
       </p:sp>
@@ -8014,7 +7964,7 @@
           </a:lstStyle>
           <a:p>
             <a:r>
-              <a:rPr lang="en-US" smtClean="0"/>
+              <a:rPr lang="en-US"/>
               <a:t>Click to edit Master title style</a:t>
             </a:r>
             <a:endParaRPr lang="en-IE"/>
@@ -8080,7 +8030,7 @@
           <a:p>
             <a:pPr lvl="0"/>
             <a:r>
-              <a:rPr lang="en-US" smtClean="0"/>
+              <a:rPr lang="en-US"/>
               <a:t>Click to edit Master text styles</a:t>
             </a:r>
           </a:p>
@@ -8111,7 +8061,7 @@
               <a:defRPr/>
             </a:pPr>
             <a:r>
-              <a:rPr lang="en-US" smtClean="0"/>
+              <a:rPr lang="en-US"/>
               <a:t>August 2010</a:t>
             </a:r>
             <a:endParaRPr lang="en-IE"/>
@@ -8222,7 +8172,7 @@
           <a:lstStyle/>
           <a:p>
             <a:r>
-              <a:rPr lang="en-US" smtClean="0"/>
+              <a:rPr lang="en-US"/>
               <a:t>Click to edit Master title style</a:t>
             </a:r>
             <a:endParaRPr lang="en-IE"/>
@@ -8279,35 +8229,35 @@
           <a:p>
             <a:pPr lvl="0"/>
             <a:r>
-              <a:rPr lang="en-US" smtClean="0"/>
+              <a:rPr lang="en-US"/>
               <a:t>Click to edit Master text styles</a:t>
             </a:r>
           </a:p>
           <a:p>
             <a:pPr lvl="1"/>
             <a:r>
-              <a:rPr lang="en-US" smtClean="0"/>
+              <a:rPr lang="en-US"/>
               <a:t>Second level</a:t>
             </a:r>
           </a:p>
           <a:p>
             <a:pPr lvl="2"/>
             <a:r>
-              <a:rPr lang="en-US" smtClean="0"/>
+              <a:rPr lang="en-US"/>
               <a:t>Third level</a:t>
             </a:r>
           </a:p>
           <a:p>
             <a:pPr lvl="3"/>
             <a:r>
-              <a:rPr lang="en-US" smtClean="0"/>
+              <a:rPr lang="en-US"/>
               <a:t>Fourth level</a:t>
             </a:r>
           </a:p>
           <a:p>
             <a:pPr lvl="4"/>
             <a:r>
-              <a:rPr lang="en-US" smtClean="0"/>
+              <a:rPr lang="en-US"/>
               <a:t>Fifth level</a:t>
             </a:r>
             <a:endParaRPr lang="en-IE"/>
@@ -8364,35 +8314,35 @@
           <a:p>
             <a:pPr lvl="0"/>
             <a:r>
-              <a:rPr lang="en-US" smtClean="0"/>
+              <a:rPr lang="en-US"/>
               <a:t>Click to edit Master text styles</a:t>
             </a:r>
           </a:p>
           <a:p>
             <a:pPr lvl="1"/>
             <a:r>
-              <a:rPr lang="en-US" smtClean="0"/>
+              <a:rPr lang="en-US"/>
               <a:t>Second level</a:t>
             </a:r>
           </a:p>
           <a:p>
             <a:pPr lvl="2"/>
             <a:r>
-              <a:rPr lang="en-US" smtClean="0"/>
+              <a:rPr lang="en-US"/>
               <a:t>Third level</a:t>
             </a:r>
           </a:p>
           <a:p>
             <a:pPr lvl="3"/>
             <a:r>
-              <a:rPr lang="en-US" smtClean="0"/>
+              <a:rPr lang="en-US"/>
               <a:t>Fourth level</a:t>
             </a:r>
           </a:p>
           <a:p>
             <a:pPr lvl="4"/>
             <a:r>
-              <a:rPr lang="en-US" smtClean="0"/>
+              <a:rPr lang="en-US"/>
               <a:t>Fifth level</a:t>
             </a:r>
             <a:endParaRPr lang="en-IE"/>
@@ -8424,7 +8374,7 @@
               <a:defRPr/>
             </a:pPr>
             <a:r>
-              <a:rPr lang="en-US" smtClean="0"/>
+              <a:rPr lang="en-US"/>
               <a:t>August 2010</a:t>
             </a:r>
             <a:endParaRPr lang="en-IE"/>
@@ -8544,7 +8494,7 @@
           </a:lstStyle>
           <a:p>
             <a:r>
-              <a:rPr lang="en-US" smtClean="0"/>
+              <a:rPr lang="en-US"/>
               <a:t>Click to edit Master title style</a:t>
             </a:r>
             <a:endParaRPr lang="en-IE"/>
@@ -8610,7 +8560,7 @@
           <a:p>
             <a:pPr lvl="0"/>
             <a:r>
-              <a:rPr lang="en-US" smtClean="0"/>
+              <a:rPr lang="en-US"/>
               <a:t>Click to edit Master text styles</a:t>
             </a:r>
           </a:p>
@@ -8666,35 +8616,35 @@
           <a:p>
             <a:pPr lvl="0"/>
             <a:r>
-              <a:rPr lang="en-US" smtClean="0"/>
+              <a:rPr lang="en-US"/>
               <a:t>Click to edit Master text styles</a:t>
             </a:r>
           </a:p>
           <a:p>
             <a:pPr lvl="1"/>
             <a:r>
-              <a:rPr lang="en-US" smtClean="0"/>
+              <a:rPr lang="en-US"/>
               <a:t>Second level</a:t>
             </a:r>
           </a:p>
           <a:p>
             <a:pPr lvl="2"/>
             <a:r>
-              <a:rPr lang="en-US" smtClean="0"/>
+              <a:rPr lang="en-US"/>
               <a:t>Third level</a:t>
             </a:r>
           </a:p>
           <a:p>
             <a:pPr lvl="3"/>
             <a:r>
-              <a:rPr lang="en-US" smtClean="0"/>
+              <a:rPr lang="en-US"/>
               <a:t>Fourth level</a:t>
             </a:r>
           </a:p>
           <a:p>
             <a:pPr lvl="4"/>
             <a:r>
-              <a:rPr lang="en-US" smtClean="0"/>
+              <a:rPr lang="en-US"/>
               <a:t>Fifth level</a:t>
             </a:r>
             <a:endParaRPr lang="en-IE"/>
@@ -8760,7 +8710,7 @@
           <a:p>
             <a:pPr lvl="0"/>
             <a:r>
-              <a:rPr lang="en-US" smtClean="0"/>
+              <a:rPr lang="en-US"/>
               <a:t>Click to edit Master text styles</a:t>
             </a:r>
           </a:p>
@@ -8816,35 +8766,35 @@
           <a:p>
             <a:pPr lvl="0"/>
             <a:r>
-              <a:rPr lang="en-US" smtClean="0"/>
+              <a:rPr lang="en-US"/>
               <a:t>Click to edit Master text styles</a:t>
             </a:r>
           </a:p>
           <a:p>
             <a:pPr lvl="1"/>
             <a:r>
-              <a:rPr lang="en-US" smtClean="0"/>
+              <a:rPr lang="en-US"/>
               <a:t>Second level</a:t>
             </a:r>
           </a:p>
           <a:p>
             <a:pPr lvl="2"/>
             <a:r>
-              <a:rPr lang="en-US" smtClean="0"/>
+              <a:rPr lang="en-US"/>
               <a:t>Third level</a:t>
             </a:r>
           </a:p>
           <a:p>
             <a:pPr lvl="3"/>
             <a:r>
-              <a:rPr lang="en-US" smtClean="0"/>
+              <a:rPr lang="en-US"/>
               <a:t>Fourth level</a:t>
             </a:r>
           </a:p>
           <a:p>
             <a:pPr lvl="4"/>
             <a:r>
-              <a:rPr lang="en-US" smtClean="0"/>
+              <a:rPr lang="en-US"/>
               <a:t>Fifth level</a:t>
             </a:r>
             <a:endParaRPr lang="en-IE"/>
@@ -8876,7 +8826,7 @@
               <a:defRPr/>
             </a:pPr>
             <a:r>
-              <a:rPr lang="en-US" smtClean="0"/>
+              <a:rPr lang="en-US"/>
               <a:t>August 2010</a:t>
             </a:r>
             <a:endParaRPr lang="en-IE"/>
@@ -8987,7 +8937,7 @@
           <a:lstStyle/>
           <a:p>
             <a:r>
-              <a:rPr lang="en-US" smtClean="0"/>
+              <a:rPr lang="en-US"/>
               <a:t>Click to edit Master title style</a:t>
             </a:r>
             <a:endParaRPr lang="en-IE"/>
@@ -9019,7 +8969,7 @@
               <a:defRPr/>
             </a:pPr>
             <a:r>
-              <a:rPr lang="en-US" smtClean="0"/>
+              <a:rPr lang="en-US"/>
               <a:t>August 2010</a:t>
             </a:r>
             <a:endParaRPr lang="en-IE"/>
@@ -9139,7 +9089,7 @@
               <a:defRPr/>
             </a:pPr>
             <a:r>
-              <a:rPr lang="en-US" smtClean="0"/>
+              <a:rPr lang="en-US"/>
               <a:t>August 2010</a:t>
             </a:r>
             <a:endParaRPr lang="en-IE"/>
@@ -9259,7 +9209,7 @@
           </a:lstStyle>
           <a:p>
             <a:r>
-              <a:rPr lang="en-US" smtClean="0"/>
+              <a:rPr lang="en-US"/>
               <a:t>Click to edit Master title style</a:t>
             </a:r>
             <a:endParaRPr lang="en-IE"/>
@@ -9316,35 +9266,35 @@
           <a:p>
             <a:pPr lvl="0"/>
             <a:r>
-              <a:rPr lang="en-US" smtClean="0"/>
+              <a:rPr lang="en-US"/>
               <a:t>Click to edit Master text styles</a:t>
             </a:r>
           </a:p>
           <a:p>
             <a:pPr lvl="1"/>
             <a:r>
-              <a:rPr lang="en-US" smtClean="0"/>
+              <a:rPr lang="en-US"/>
               <a:t>Second level</a:t>
             </a:r>
           </a:p>
           <a:p>
             <a:pPr lvl="2"/>
             <a:r>
-              <a:rPr lang="en-US" smtClean="0"/>
+              <a:rPr lang="en-US"/>
               <a:t>Third level</a:t>
             </a:r>
           </a:p>
           <a:p>
             <a:pPr lvl="3"/>
             <a:r>
-              <a:rPr lang="en-US" smtClean="0"/>
+              <a:rPr lang="en-US"/>
               <a:t>Fourth level</a:t>
             </a:r>
           </a:p>
           <a:p>
             <a:pPr lvl="4"/>
             <a:r>
-              <a:rPr lang="en-US" smtClean="0"/>
+              <a:rPr lang="en-US"/>
               <a:t>Fifth level</a:t>
             </a:r>
             <a:endParaRPr lang="en-IE"/>
@@ -9410,7 +9360,7 @@
           <a:p>
             <a:pPr lvl="0"/>
             <a:r>
-              <a:rPr lang="en-US" smtClean="0"/>
+              <a:rPr lang="en-US"/>
               <a:t>Click to edit Master text styles</a:t>
             </a:r>
           </a:p>
@@ -9441,7 +9391,7 @@
               <a:defRPr/>
             </a:pPr>
             <a:r>
-              <a:rPr lang="en-US" smtClean="0"/>
+              <a:rPr lang="en-US"/>
               <a:t>August 2010</a:t>
             </a:r>
             <a:endParaRPr lang="en-IE"/>
@@ -9561,7 +9511,7 @@
           </a:lstStyle>
           <a:p>
             <a:r>
-              <a:rPr lang="en-US" smtClean="0"/>
+              <a:rPr lang="en-US"/>
               <a:t>Click to edit Master title style</a:t>
             </a:r>
             <a:endParaRPr lang="en-IE"/>
@@ -9627,10 +9577,10 @@
           <a:p>
             <a:pPr lvl="0"/>
             <a:r>
-              <a:rPr lang="en-US" noProof="0" smtClean="0"/>
+              <a:rPr lang="en-US" noProof="0"/>
               <a:t>Click icon to add picture</a:t>
             </a:r>
-            <a:endParaRPr lang="en-IE" noProof="0" smtClean="0"/>
+            <a:endParaRPr lang="en-IE" noProof="0"/>
           </a:p>
         </p:txBody>
       </p:sp>
@@ -9693,7 +9643,7 @@
           <a:p>
             <a:pPr lvl="0"/>
             <a:r>
-              <a:rPr lang="en-US" smtClean="0"/>
+              <a:rPr lang="en-US"/>
               <a:t>Click to edit Master text styles</a:t>
             </a:r>
           </a:p>
@@ -9724,7 +9674,7 @@
               <a:defRPr/>
             </a:pPr>
             <a:r>
-              <a:rPr lang="en-US" smtClean="0"/>
+              <a:rPr lang="en-US"/>
               <a:t>August 2010</a:t>
             </a:r>
             <a:endParaRPr lang="en-IE"/>
@@ -9877,7 +9827,7 @@
               <a:buNone/>
               <a:tabLst/>
             </a:pPr>
-            <a:endParaRPr kumimoji="0" lang="en-IE" sz="1800" b="0" i="0" u="none" strike="noStrike" cap="none" normalizeH="0" baseline="0" smtClean="0">
+            <a:endParaRPr kumimoji="0" lang="en-IE" sz="1800" b="0" i="0" u="none" strike="noStrike" cap="none" normalizeH="0" baseline="0">
               <a:ln>
                 <a:noFill/>
               </a:ln>
@@ -9926,10 +9876,10 @@
           <a:p>
             <a:pPr lvl="0"/>
             <a:r>
-              <a:rPr lang="en-US" dirty="0" smtClean="0"/>
+              <a:rPr lang="en-US" dirty="0"/>
               <a:t>Click to edit Master title style</a:t>
             </a:r>
-            <a:endParaRPr lang="en-IE" dirty="0" smtClean="0"/>
+            <a:endParaRPr lang="en-IE" dirty="0"/>
           </a:p>
         </p:txBody>
       </p:sp>
@@ -9969,38 +9919,38 @@
           <a:p>
             <a:pPr lvl="0"/>
             <a:r>
-              <a:rPr lang="en-US" dirty="0" smtClean="0"/>
+              <a:rPr lang="en-US" dirty="0"/>
               <a:t>Click to edit Master text styles</a:t>
             </a:r>
           </a:p>
           <a:p>
             <a:pPr lvl="1"/>
             <a:r>
-              <a:rPr lang="en-US" dirty="0" smtClean="0"/>
+              <a:rPr lang="en-US" dirty="0"/>
               <a:t>Second level</a:t>
             </a:r>
           </a:p>
           <a:p>
             <a:pPr lvl="2"/>
             <a:r>
-              <a:rPr lang="en-US" dirty="0" smtClean="0"/>
+              <a:rPr lang="en-US" dirty="0"/>
               <a:t>Third level</a:t>
             </a:r>
           </a:p>
           <a:p>
             <a:pPr lvl="3"/>
             <a:r>
-              <a:rPr lang="en-US" dirty="0" smtClean="0"/>
+              <a:rPr lang="en-US" dirty="0"/>
               <a:t>Fourth level</a:t>
             </a:r>
           </a:p>
           <a:p>
             <a:pPr lvl="4"/>
             <a:r>
-              <a:rPr lang="en-US" dirty="0" smtClean="0"/>
+              <a:rPr lang="en-US" dirty="0"/>
               <a:t>Fifth level</a:t>
             </a:r>
-            <a:endParaRPr lang="en-IE" dirty="0" smtClean="0"/>
+            <a:endParaRPr lang="en-IE" dirty="0"/>
           </a:p>
         </p:txBody>
       </p:sp>
@@ -10049,10 +9999,10 @@
               <a:defRPr/>
             </a:pPr>
             <a:r>
-              <a:rPr lang="en-US" dirty="0" smtClean="0"/>
+              <a:rPr lang="en-US" dirty="0"/>
               <a:t>2012/2013 - DT228/4</a:t>
             </a:r>
-            <a:endParaRPr lang="en-IE" dirty="0" smtClean="0"/>
+            <a:endParaRPr lang="en-IE" dirty="0"/>
           </a:p>
           <a:p>
             <a:pPr>
@@ -10107,10 +10057,9 @@
               <a:defRPr/>
             </a:pPr>
             <a:r>
-              <a:rPr lang="en-IE" dirty="0" smtClean="0"/>
+              <a:rPr lang="en-IE" dirty="0"/>
               <a:t>DT228/4</a:t>
             </a:r>
-            <a:endParaRPr lang="en-IE" dirty="0"/>
           </a:p>
         </p:txBody>
       </p:sp>
@@ -10284,7 +10233,7 @@
               <a:buNone/>
               <a:tabLst/>
             </a:pPr>
-            <a:endParaRPr kumimoji="0" lang="it-IT" sz="1800" b="0" i="0" u="none" strike="noStrike" cap="none" normalizeH="0" baseline="0" smtClean="0">
+            <a:endParaRPr kumimoji="0" lang="it-IT" sz="1800" b="0" i="0" u="none" strike="noStrike" cap="none" normalizeH="0" baseline="0">
               <a:ln>
                 <a:noFill/>
               </a:ln>
@@ -10812,7 +10761,7 @@
               <a:buNone/>
               <a:tabLst/>
             </a:pPr>
-            <a:endParaRPr kumimoji="0" lang="en-US" sz="1800" b="0" i="0" u="none" strike="noStrike" cap="none" normalizeH="0" baseline="0" smtClean="0">
+            <a:endParaRPr kumimoji="0" lang="en-US" sz="1800" b="0" i="0" u="none" strike="noStrike" cap="none" normalizeH="0" baseline="0">
               <a:ln>
                 <a:noFill/>
               </a:ln>
@@ -10848,32 +10797,18 @@
           <a:lstStyle/>
           <a:p>
             <a:r>
-              <a:rPr lang="en-IE" sz="4000" dirty="0" smtClean="0"/>
+              <a:rPr lang="en-IE" sz="4000" dirty="0"/>
               <a:t>Advanced Databases</a:t>
             </a:r>
-            <a:r>
-              <a:rPr lang="en-IE" sz="3200" i="1" dirty="0" smtClean="0"/>
-              <a:t/>
-            </a:r>
             <a:br>
-              <a:rPr lang="en-IE" sz="3200" i="1" dirty="0" smtClean="0"/>
+              <a:rPr lang="en-IE" sz="3200" i="1" dirty="0"/>
             </a:br>
             <a:r>
-              <a:rPr lang="en-IE" sz="3500" i="1" dirty="0" smtClean="0"/>
+              <a:rPr lang="en-IE" sz="3500" i="1" dirty="0"/>
               <a:t>Lecture 12: MongoDB /1</a:t>
             </a:r>
-            <a:r>
-              <a:rPr lang="en-IE" sz="4000" i="1" dirty="0" smtClean="0">
-                <a:solidFill>
-                  <a:schemeClr val="accent3">
-                    <a:lumMod val="75000"/>
-                  </a:schemeClr>
-                </a:solidFill>
-              </a:rPr>
-              <a:t/>
-            </a:r>
             <a:br>
-              <a:rPr lang="en-IE" sz="4000" i="1" dirty="0" smtClean="0">
+              <a:rPr lang="en-IE" sz="4000" i="1" dirty="0">
                 <a:solidFill>
                   <a:schemeClr val="accent3">
                     <a:lumMod val="75000"/>
@@ -10942,31 +10877,31 @@
               <a:defRPr/>
             </a:pPr>
             <a:r>
-              <a:rPr lang="en-IE" sz="2000" kern="0" dirty="0" smtClean="0">
+              <a:rPr lang="en-IE" sz="2000" kern="0" dirty="0">
                 <a:latin typeface="+mn-lt"/>
               </a:rPr>
               <a:t>Dr. </a:t>
             </a:r>
             <a:r>
-              <a:rPr lang="en-IE" sz="2000" kern="0" dirty="0" err="1" smtClean="0">
+              <a:rPr lang="en-IE" sz="2000" kern="0" dirty="0" err="1">
                 <a:latin typeface="+mn-lt"/>
               </a:rPr>
               <a:t>Pierpaolo</a:t>
             </a:r>
             <a:r>
-              <a:rPr lang="en-IE" sz="2000" kern="0" dirty="0" smtClean="0">
+              <a:rPr lang="en-IE" sz="2000" kern="0" dirty="0">
                 <a:latin typeface="+mn-lt"/>
               </a:rPr>
               <a:t> </a:t>
             </a:r>
             <a:r>
-              <a:rPr lang="en-IE" sz="2000" kern="0" dirty="0" err="1" smtClean="0">
+              <a:rPr lang="en-IE" sz="2000" kern="0" dirty="0" err="1">
                 <a:latin typeface="+mn-lt"/>
               </a:rPr>
               <a:t>Dondio</a:t>
             </a:r>
             <a:r>
-              <a:rPr lang="en-IE" sz="2000" kern="0" dirty="0" smtClean="0">
+              <a:rPr lang="en-IE" sz="2000" kern="0" dirty="0">
                 <a:latin typeface="+mn-lt"/>
               </a:rPr>
               <a:t>,</a:t>
@@ -10990,7 +10925,7 @@
               <a:tabLst/>
               <a:defRPr/>
             </a:pPr>
-            <a:endParaRPr kumimoji="0" lang="en-IE" sz="2000" b="0" i="0" u="none" strike="noStrike" kern="0" cap="none" spc="0" normalizeH="0" baseline="0" noProof="0" dirty="0" smtClean="0">
+            <a:endParaRPr kumimoji="0" lang="en-IE" sz="2000" b="0" i="0" u="none" strike="noStrike" kern="0" cap="none" spc="0" normalizeH="0" baseline="0" noProof="0" dirty="0">
               <a:ln>
                 <a:noFill/>
               </a:ln>
@@ -11026,7 +10961,7 @@
               <a:defRPr/>
             </a:pPr>
             <a:r>
-              <a:rPr lang="en-US" dirty="0" smtClean="0"/>
+              <a:rPr lang="en-US" dirty="0"/>
               <a:t>2012/2013</a:t>
             </a:r>
             <a:endParaRPr lang="en-IE" dirty="0"/>
@@ -11099,13 +11034,6 @@
   <p:clrMapOvr>
     <a:masterClrMapping/>
   </p:clrMapOvr>
-  <p:timing>
-    <p:tnLst>
-      <p:par>
-        <p:cTn id="1" dur="indefinite" restart="never" nodeType="tmRoot"/>
-      </p:par>
-    </p:tnLst>
-  </p:timing>
 </p:sld>
 </file>
 
@@ -11142,10 +11070,9 @@
           <a:lstStyle/>
           <a:p>
             <a:r>
-              <a:rPr lang="en-IE" dirty="0" smtClean="0"/>
+              <a:rPr lang="en-IE" dirty="0"/>
               <a:t>The _id field</a:t>
             </a:r>
-            <a:endParaRPr lang="en-IE" dirty="0"/>
           </a:p>
         </p:txBody>
       </p:sp>
@@ -11172,27 +11099,17 @@
               <a:rPr lang="en-IE" sz="2400" dirty="0"/>
               <a:t> is a 12 bytes hexadecimal number which assures the uniqueness of every document. </a:t>
             </a:r>
-            <a:endParaRPr lang="en-IE" sz="2400" dirty="0" smtClean="0"/>
-          </a:p>
-          <a:p>
-            <a:r>
-              <a:rPr lang="en-IE" sz="2400" dirty="0" smtClean="0"/>
-              <a:t>You </a:t>
-            </a:r>
+          </a:p>
+          <a:p>
             <a:r>
               <a:rPr lang="en-IE" sz="2400" dirty="0"/>
-              <a:t>can provide _id while inserting the document. If you don’t provide then MongoDB provides a unique id for every document. </a:t>
-            </a:r>
-            <a:endParaRPr lang="en-IE" sz="2400" dirty="0" smtClean="0"/>
-          </a:p>
-          <a:p>
-            <a:r>
-              <a:rPr lang="en-IE" sz="2400" dirty="0" smtClean="0"/>
-              <a:t>These </a:t>
-            </a:r>
+              <a:t>You can provide _id while inserting the document. If you don’t provide then MongoDB provides a unique id for every document. </a:t>
+            </a:r>
+          </a:p>
+          <a:p>
             <a:r>
               <a:rPr lang="en-IE" sz="2400" dirty="0"/>
-              <a:t>12 bytes first 4 bytes for the current timestamp, next 3 bytes for machine id, next 2 bytes for process id of MongoDB server and remaining 3 bytes are simple incremental VALUE.</a:t>
+              <a:t>These 12 bytes first 4 bytes for the current timestamp, next 3 bytes for machine id, next 2 bytes for process id of MongoDB server and remaining 3 bytes are simple incremental VALUE.</a:t>
             </a:r>
           </a:p>
         </p:txBody>
@@ -11216,7 +11133,7 @@
               <a:defRPr/>
             </a:pPr>
             <a:r>
-              <a:rPr lang="en-US" smtClean="0"/>
+              <a:rPr lang="en-US"/>
               <a:t>2012/2013 - DT228/4</a:t>
             </a:r>
             <a:endParaRPr lang="en-IE" dirty="0"/>
@@ -11262,13 +11179,6 @@
   <p:clrMapOvr>
     <a:masterClrMapping/>
   </p:clrMapOvr>
-  <p:timing>
-    <p:tnLst>
-      <p:par>
-        <p:cTn id="1" dur="indefinite" restart="never" nodeType="tmRoot"/>
-      </p:par>
-    </p:tnLst>
-  </p:timing>
 </p:sld>
 </file>
 
@@ -11305,7 +11215,7 @@
           <a:lstStyle/>
           <a:p>
             <a:r>
-              <a:rPr lang="en-US" smtClean="0"/>
+              <a:rPr lang="en-US"/>
               <a:t>mongoDB vs. SQL</a:t>
             </a:r>
           </a:p>
@@ -11368,7 +11278,7 @@
                         <a:tabLst/>
                       </a:pPr>
                       <a:r>
-                        <a:rPr kumimoji="0" lang="en-US" sz="1800" b="1" i="0" u="none" strike="noStrike" cap="none" normalizeH="0" baseline="0" smtClean="0">
+                        <a:rPr kumimoji="0" lang="en-US" sz="1800" b="1" i="0" u="none" strike="noStrike" cap="none" normalizeH="0" baseline="0">
                           <a:ln>
                             <a:noFill/>
                           </a:ln>
@@ -11453,7 +11363,7 @@
                         <a:tabLst/>
                       </a:pPr>
                       <a:r>
-                        <a:rPr kumimoji="0" lang="en-US" sz="1800" b="1" i="0" u="none" strike="noStrike" cap="none" normalizeH="0" baseline="0" smtClean="0">
+                        <a:rPr kumimoji="0" lang="en-US" sz="1800" b="1" i="0" u="none" strike="noStrike" cap="none" normalizeH="0" baseline="0">
                           <a:ln>
                             <a:noFill/>
                           </a:ln>
@@ -11545,7 +11455,7 @@
                         <a:tabLst/>
                       </a:pPr>
                       <a:r>
-                        <a:rPr kumimoji="0" lang="en-US" sz="1800" b="0" i="0" u="none" strike="noStrike" cap="none" normalizeH="0" baseline="0" smtClean="0">
+                        <a:rPr kumimoji="0" lang="en-US" sz="1800" b="0" i="0" u="none" strike="noStrike" cap="none" normalizeH="0" baseline="0">
                           <a:ln>
                             <a:noFill/>
                           </a:ln>
@@ -11630,7 +11540,7 @@
                         <a:tabLst/>
                       </a:pPr>
                       <a:r>
-                        <a:rPr kumimoji="0" lang="en-US" sz="1800" b="0" i="0" u="none" strike="noStrike" cap="none" normalizeH="0" baseline="0" smtClean="0">
+                        <a:rPr kumimoji="0" lang="en-US" sz="1800" b="0" i="0" u="none" strike="noStrike" cap="none" normalizeH="0" baseline="0">
                           <a:ln>
                             <a:noFill/>
                           </a:ln>
@@ -11722,7 +11632,7 @@
                         <a:tabLst/>
                       </a:pPr>
                       <a:r>
-                        <a:rPr kumimoji="0" lang="en-US" sz="1800" b="0" i="0" u="none" strike="noStrike" cap="none" normalizeH="0" baseline="0" smtClean="0">
+                        <a:rPr kumimoji="0" lang="en-US" sz="1800" b="0" i="0" u="none" strike="noStrike" cap="none" normalizeH="0" baseline="0">
                           <a:ln>
                             <a:noFill/>
                           </a:ln>
@@ -11807,7 +11717,7 @@
                         <a:tabLst/>
                       </a:pPr>
                       <a:r>
-                        <a:rPr kumimoji="0" lang="en-US" sz="1800" b="0" i="0" u="none" strike="noStrike" cap="none" normalizeH="0" baseline="0" smtClean="0">
+                        <a:rPr kumimoji="0" lang="en-US" sz="1800" b="0" i="0" u="none" strike="noStrike" cap="none" normalizeH="0" baseline="0">
                           <a:ln>
                             <a:noFill/>
                           </a:ln>
@@ -11899,7 +11809,7 @@
                         <a:tabLst/>
                       </a:pPr>
                       <a:r>
-                        <a:rPr kumimoji="0" lang="en-US" sz="1800" b="0" i="0" u="none" strike="noStrike" cap="none" normalizeH="0" baseline="0" smtClean="0">
+                        <a:rPr kumimoji="0" lang="en-US" sz="1800" b="0" i="0" u="none" strike="noStrike" cap="none" normalizeH="0" baseline="0">
                           <a:ln>
                             <a:noFill/>
                           </a:ln>
@@ -11984,7 +11894,7 @@
                         <a:tabLst/>
                       </a:pPr>
                       <a:r>
-                        <a:rPr kumimoji="0" lang="en-US" sz="1800" b="0" i="0" u="none" strike="noStrike" cap="none" normalizeH="0" baseline="0" smtClean="0">
+                        <a:rPr kumimoji="0" lang="en-US" sz="1800" b="0" i="0" u="none" strike="noStrike" cap="none" normalizeH="0" baseline="0">
                           <a:ln>
                             <a:noFill/>
                           </a:ln>
@@ -12076,7 +11986,7 @@
                         <a:tabLst/>
                       </a:pPr>
                       <a:r>
-                        <a:rPr kumimoji="0" lang="en-US" sz="1800" b="0" i="0" u="none" strike="noStrike" cap="none" normalizeH="0" baseline="0" smtClean="0">
+                        <a:rPr kumimoji="0" lang="en-US" sz="1800" b="0" i="0" u="none" strike="noStrike" cap="none" normalizeH="0" baseline="0">
                           <a:ln>
                             <a:noFill/>
                           </a:ln>
@@ -12161,7 +12071,7 @@
                         <a:tabLst/>
                       </a:pPr>
                       <a:r>
-                        <a:rPr kumimoji="0" lang="en-US" sz="1800" b="0" i="0" u="none" strike="noStrike" cap="none" normalizeH="0" baseline="0" smtClean="0">
+                        <a:rPr kumimoji="0" lang="en-US" sz="1800" b="0" i="0" u="none" strike="noStrike" cap="none" normalizeH="0" baseline="0">
                           <a:ln>
                             <a:noFill/>
                           </a:ln>
@@ -12253,7 +12163,7 @@
                         <a:tabLst/>
                       </a:pPr>
                       <a:r>
-                        <a:rPr kumimoji="0" lang="en-US" sz="1800" b="0" i="0" u="none" strike="noStrike" cap="none" normalizeH="0" baseline="0" smtClean="0">
+                        <a:rPr kumimoji="0" lang="en-US" sz="1800" b="0" i="0" u="none" strike="noStrike" cap="none" normalizeH="0" baseline="0">
                           <a:ln>
                             <a:noFill/>
                           </a:ln>
@@ -12338,7 +12248,7 @@
                         <a:tabLst/>
                       </a:pPr>
                       <a:r>
-                        <a:rPr kumimoji="0" lang="en-US" sz="1800" b="0" i="0" u="none" strike="noStrike" cap="none" normalizeH="0" baseline="0" smtClean="0">
+                        <a:rPr kumimoji="0" lang="en-US" sz="1800" b="0" i="0" u="none" strike="noStrike" cap="none" normalizeH="0" baseline="0">
                           <a:ln>
                             <a:noFill/>
                           </a:ln>
@@ -12430,7 +12340,7 @@
                         <a:tabLst/>
                       </a:pPr>
                       <a:r>
-                        <a:rPr kumimoji="0" lang="en-US" sz="1800" b="0" i="0" u="none" strike="noStrike" cap="none" normalizeH="0" baseline="0" smtClean="0">
+                        <a:rPr kumimoji="0" lang="en-US" sz="1800" b="0" i="0" u="none" strike="noStrike" cap="none" normalizeH="0" baseline="0">
                           <a:ln>
                             <a:noFill/>
                           </a:ln>
@@ -12515,7 +12425,7 @@
                         <a:tabLst/>
                       </a:pPr>
                       <a:r>
-                        <a:rPr kumimoji="0" lang="en-US" sz="1800" b="0" i="0" u="none" strike="noStrike" cap="none" normalizeH="0" baseline="0" smtClean="0">
+                        <a:rPr kumimoji="0" lang="en-US" sz="1800" b="0" i="0" u="none" strike="noStrike" cap="none" normalizeH="0" baseline="0">
                           <a:ln>
                             <a:noFill/>
                           </a:ln>
@@ -12607,7 +12517,7 @@
                         <a:tabLst/>
                       </a:pPr>
                       <a:r>
-                        <a:rPr kumimoji="0" lang="en-US" sz="1800" b="0" i="0" u="none" strike="noStrike" cap="none" normalizeH="0" baseline="0" smtClean="0">
+                        <a:rPr kumimoji="0" lang="en-US" sz="1800" b="0" i="0" u="none" strike="noStrike" cap="none" normalizeH="0" baseline="0">
                           <a:ln>
                             <a:noFill/>
                           </a:ln>
@@ -12692,7 +12602,7 @@
                         <a:tabLst/>
                       </a:pPr>
                       <a:r>
-                        <a:rPr kumimoji="0" lang="en-US" sz="1800" b="0" i="0" u="none" strike="noStrike" cap="none" normalizeH="0" baseline="0" smtClean="0">
+                        <a:rPr kumimoji="0" lang="en-US" sz="1800" b="0" i="0" u="none" strike="noStrike" cap="none" normalizeH="0" baseline="0">
                           <a:ln>
                             <a:noFill/>
                           </a:ln>
@@ -12775,13 +12685,6 @@
   <p:clrMapOvr>
     <a:masterClrMapping/>
   </p:clrMapOvr>
-  <p:timing>
-    <p:tnLst>
-      <p:par>
-        <p:cTn id="1" dur="indefinite" restart="never" nodeType="tmRoot"/>
-      </p:par>
-    </p:tnLst>
-  </p:timing>
 </p:sld>
 </file>
 
@@ -12818,10 +12721,9 @@
           <a:lstStyle/>
           <a:p>
             <a:r>
-              <a:rPr lang="en-IE" dirty="0" smtClean="0"/>
+              <a:rPr lang="en-IE" dirty="0"/>
               <a:t>Data type</a:t>
             </a:r>
-            <a:endParaRPr lang="en-IE" dirty="0"/>
           </a:p>
         </p:txBody>
       </p:sp>
@@ -12932,13 +12834,8 @@
             </a:r>
             <a:r>
               <a:rPr lang="en-IE" sz="2000" dirty="0"/>
-              <a:t> − This datatype is used for embedded documents</a:t>
-            </a:r>
-            <a:r>
-              <a:rPr lang="en-IE" sz="2000" dirty="0" smtClean="0"/>
-              <a:t>.</a:t>
-            </a:r>
-            <a:endParaRPr lang="en-IE" sz="2000" dirty="0"/>
+              <a:t> − This datatype is used for embedded documents.</a:t>
+            </a:r>
           </a:p>
         </p:txBody>
       </p:sp>
@@ -12961,7 +12858,7 @@
               <a:defRPr/>
             </a:pPr>
             <a:r>
-              <a:rPr lang="en-US" smtClean="0"/>
+              <a:rPr lang="en-US"/>
               <a:t>2012/2013 - DT228/4</a:t>
             </a:r>
             <a:endParaRPr lang="en-IE" dirty="0"/>
@@ -13007,13 +12904,6 @@
   <p:clrMapOvr>
     <a:masterClrMapping/>
   </p:clrMapOvr>
-  <p:timing>
-    <p:tnLst>
-      <p:par>
-        <p:cTn id="1" dur="indefinite" restart="never" nodeType="tmRoot"/>
-      </p:par>
-    </p:tnLst>
-  </p:timing>
 </p:sld>
 </file>
 
@@ -13050,10 +12940,9 @@
           <a:lstStyle/>
           <a:p>
             <a:r>
-              <a:rPr lang="en-IE" dirty="0" smtClean="0"/>
+              <a:rPr lang="en-IE" dirty="0"/>
               <a:t>Data Type</a:t>
             </a:r>
-            <a:endParaRPr lang="en-IE" dirty="0"/>
           </a:p>
         </p:txBody>
       </p:sp>
@@ -13168,7 +13057,7 @@
               <a:defRPr/>
             </a:pPr>
             <a:r>
-              <a:rPr lang="en-US" smtClean="0"/>
+              <a:rPr lang="en-US"/>
               <a:t>2012/2013 - DT228/4</a:t>
             </a:r>
             <a:endParaRPr lang="en-IE" dirty="0"/>
@@ -13214,13 +13103,6 @@
   <p:clrMapOvr>
     <a:masterClrMapping/>
   </p:clrMapOvr>
-  <p:timing>
-    <p:tnLst>
-      <p:par>
-        <p:cTn id="1" dur="indefinite" restart="never" nodeType="tmRoot"/>
-      </p:par>
-    </p:tnLst>
-  </p:timing>
 </p:sld>
 </file>
 
@@ -13258,7 +13140,7 @@
           <a:p>
             <a:pPr eaLnBrk="1" hangingPunct="1"/>
             <a:r>
-              <a:rPr lang="en-US" smtClean="0">
+              <a:rPr lang="en-US">
                 <a:latin typeface="Arial" charset="0"/>
                 <a:cs typeface="Arial" charset="0"/>
               </a:rPr>
@@ -13739,13 +13621,6 @@
   <p:clrMapOvr>
     <a:masterClrMapping/>
   </p:clrMapOvr>
-  <p:timing>
-    <p:tnLst>
-      <p:par>
-        <p:cTn id="1" dur="indefinite" restart="never" nodeType="tmRoot"/>
-      </p:par>
-    </p:tnLst>
-  </p:timing>
 </p:sld>
 </file>
 
@@ -13783,7 +13658,7 @@
           <a:p>
             <a:pPr eaLnBrk="1" hangingPunct="1"/>
             <a:r>
-              <a:rPr lang="en-US" smtClean="0">
+              <a:rPr lang="en-US">
                 <a:latin typeface="Arial" charset="0"/>
                 <a:cs typeface="Arial" charset="0"/>
               </a:rPr>
@@ -14436,13 +14311,6 @@
   <p:clrMapOvr>
     <a:masterClrMapping/>
   </p:clrMapOvr>
-  <p:timing>
-    <p:tnLst>
-      <p:par>
-        <p:cTn id="1" dur="indefinite" restart="never" nodeType="tmRoot"/>
-      </p:par>
-    </p:tnLst>
-  </p:timing>
 </p:sld>
 </file>
 
@@ -14534,7 +14402,7 @@
           <a:p>
             <a:pPr eaLnBrk="1" hangingPunct="1"/>
             <a:r>
-              <a:rPr lang="en-US" smtClean="0">
+              <a:rPr lang="en-US">
                 <a:latin typeface="Arial" charset="0"/>
                 <a:cs typeface="Arial" charset="0"/>
               </a:rPr>
@@ -14708,13 +14576,6 @@
   <p:clrMapOvr>
     <a:masterClrMapping/>
   </p:clrMapOvr>
-  <p:timing>
-    <p:tnLst>
-      <p:par>
-        <p:cTn id="1" dur="indefinite" restart="never" nodeType="tmRoot"/>
-      </p:par>
-    </p:tnLst>
-  </p:timing>
 </p:sld>
 </file>
 
@@ -14752,7 +14613,7 @@
           <a:p>
             <a:pPr eaLnBrk="1" hangingPunct="1"/>
             <a:r>
-              <a:rPr lang="en-US" smtClean="0">
+              <a:rPr lang="en-US">
                 <a:latin typeface="Arial" charset="0"/>
                 <a:cs typeface="Arial" charset="0"/>
               </a:rPr>
@@ -15033,13 +14894,6 @@
   <p:clrMapOvr>
     <a:masterClrMapping/>
   </p:clrMapOvr>
-  <p:timing>
-    <p:tnLst>
-      <p:par>
-        <p:cTn id="1" dur="indefinite" restart="never" nodeType="tmRoot"/>
-      </p:par>
-    </p:tnLst>
-  </p:timing>
 </p:sld>
 </file>
 
@@ -15076,10 +14930,9 @@
           <a:lstStyle/>
           <a:p>
             <a:r>
-              <a:rPr lang="en-IE" dirty="0" smtClean="0"/>
+              <a:rPr lang="en-IE" dirty="0"/>
               <a:t>Logical tests</a:t>
             </a:r>
-            <a:endParaRPr lang="en-IE" dirty="0"/>
           </a:p>
         </p:txBody>
       </p:sp>
@@ -15102,7 +14955,7 @@
               <a:defRPr/>
             </a:pPr>
             <a:r>
-              <a:rPr lang="en-US" smtClean="0"/>
+              <a:rPr lang="en-US"/>
               <a:t>2012/2013 - DT228/4</a:t>
             </a:r>
             <a:endParaRPr lang="en-IE" dirty="0"/>
@@ -16749,13 +16602,6 @@
   <p:clrMapOvr>
     <a:masterClrMapping/>
   </p:clrMapOvr>
-  <p:timing>
-    <p:tnLst>
-      <p:par>
-        <p:cTn id="1" dur="indefinite" restart="never" nodeType="tmRoot"/>
-      </p:par>
-    </p:tnLst>
-  </p:timing>
 </p:sld>
 </file>
 
@@ -16800,7 +16646,7 @@
               <a:defRPr/>
             </a:pPr>
             <a:r>
-              <a:rPr lang="en-US" dirty="0" smtClean="0">
+              <a:rPr lang="en-US" dirty="0">
                 <a:solidFill>
                   <a:schemeClr val="tx1">
                     <a:lumMod val="85000"/>
@@ -16810,14 +16656,6 @@
               </a:rPr>
               <a:t>Querying </a:t>
             </a:r>
-            <a:endParaRPr lang="en-US" dirty="0">
-              <a:solidFill>
-                <a:schemeClr val="tx1">
-                  <a:lumMod val="85000"/>
-                  <a:lumOff val="15000"/>
-                </a:schemeClr>
-              </a:solidFill>
-            </a:endParaRPr>
           </a:p>
         </p:txBody>
       </p:sp>
@@ -16852,7 +16690,7 @@
               <a:defRPr/>
             </a:pPr>
             <a:r>
-              <a:rPr lang="en-US" sz="2400" dirty="0" smtClean="0">
+              <a:rPr lang="en-US" sz="2400" dirty="0">
                 <a:solidFill>
                   <a:schemeClr val="tx1">
                     <a:lumMod val="75000"/>
@@ -16876,7 +16714,7 @@
               <a:defRPr/>
             </a:pPr>
             <a:r>
-              <a:rPr lang="en-US" sz="2400" dirty="0" smtClean="0">
+              <a:rPr lang="en-US" sz="2400" dirty="0">
                 <a:solidFill>
                   <a:schemeClr val="tx1">
                     <a:lumMod val="75000"/>
@@ -16901,7 +16739,7 @@
               <a:defRPr/>
             </a:pPr>
             <a:r>
-              <a:rPr lang="en-US" sz="2400" dirty="0" smtClean="0">
+              <a:rPr lang="en-US" sz="2400" dirty="0">
                 <a:solidFill>
                   <a:schemeClr val="tx1">
                     <a:lumMod val="75000"/>
@@ -16926,7 +16764,7 @@
               <a:defRPr/>
             </a:pPr>
             <a:r>
-              <a:rPr lang="en-US" sz="2400" dirty="0" smtClean="0">
+              <a:rPr lang="en-US" sz="2400" dirty="0">
                 <a:solidFill>
                   <a:schemeClr val="tx1">
                     <a:lumMod val="75000"/>
@@ -16951,7 +16789,7 @@
               <a:defRPr/>
             </a:pPr>
             <a:r>
-              <a:rPr lang="en-US" sz="2400" dirty="0" smtClean="0">
+              <a:rPr lang="en-US" sz="2400" dirty="0">
                 <a:solidFill>
                   <a:schemeClr val="tx1">
                     <a:lumMod val="75000"/>
@@ -16975,7 +16813,7 @@
               <a:buNone/>
               <a:defRPr/>
             </a:pPr>
-            <a:endParaRPr lang="en-US" sz="2400" dirty="0" smtClean="0">
+            <a:endParaRPr lang="en-US" sz="2400" dirty="0">
               <a:solidFill>
                 <a:schemeClr val="tx1">
                   <a:lumMod val="75000"/>
@@ -16998,7 +16836,7 @@
               <a:defRPr/>
             </a:pPr>
             <a:r>
-              <a:rPr lang="en-US" sz="2400" dirty="0" smtClean="0">
+              <a:rPr lang="en-US" sz="2400" dirty="0">
                 <a:solidFill>
                   <a:schemeClr val="tx1">
                     <a:lumMod val="75000"/>
@@ -17023,7 +16861,7 @@
               <a:defRPr/>
             </a:pPr>
             <a:r>
-              <a:rPr lang="en-US" sz="2400" dirty="0" smtClean="0">
+              <a:rPr lang="en-US" sz="2400" dirty="0">
                 <a:solidFill>
                   <a:schemeClr val="tx1">
                     <a:lumMod val="75000"/>
@@ -17035,7 +16873,7 @@
               <a:t>FROM &lt;table&gt;</a:t>
             </a:r>
             <a:br>
-              <a:rPr lang="en-US" sz="2400" dirty="0" smtClean="0">
+              <a:rPr lang="en-US" sz="2400" dirty="0">
                 <a:solidFill>
                   <a:schemeClr val="tx1">
                     <a:lumMod val="75000"/>
@@ -17046,7 +16884,7 @@
               </a:rPr>
             </a:br>
             <a:r>
-              <a:rPr lang="en-US" sz="2400" dirty="0" smtClean="0">
+              <a:rPr lang="en-US" sz="2400" dirty="0">
                 <a:solidFill>
                   <a:schemeClr val="tx1">
                     <a:lumMod val="75000"/>
@@ -17067,7 +16905,7 @@
               <a:buNone/>
               <a:defRPr/>
             </a:pPr>
-            <a:endParaRPr lang="en-US" sz="2400" dirty="0" smtClean="0">
+            <a:endParaRPr lang="en-US" sz="2400" dirty="0">
               <a:solidFill>
                 <a:schemeClr val="tx1">
                   <a:lumMod val="75000"/>
@@ -17086,7 +16924,7 @@
               <a:defRPr/>
             </a:pPr>
             <a:r>
-              <a:rPr lang="en-US" sz="2400" dirty="0" smtClean="0">
+              <a:rPr lang="en-US" sz="2400" dirty="0">
                 <a:solidFill>
                   <a:schemeClr val="tx1">
                     <a:lumMod val="75000"/>
@@ -17107,7 +16945,7 @@
               <a:defRPr/>
             </a:pPr>
             <a:r>
-              <a:rPr lang="en-US" sz="2400" dirty="0" smtClean="0">
+              <a:rPr lang="en-US" sz="2400" dirty="0">
                 <a:solidFill>
                   <a:schemeClr val="tx1">
                     <a:lumMod val="75000"/>
@@ -17127,7 +16965,7 @@
               <a:buNone/>
               <a:defRPr/>
             </a:pPr>
-            <a:endParaRPr lang="en-US" sz="2400" dirty="0" smtClean="0">
+            <a:endParaRPr lang="en-US" sz="2400" dirty="0">
               <a:solidFill>
                 <a:schemeClr val="tx1">
                   <a:lumMod val="75000"/>
@@ -17148,13 +16986,6 @@
   <p:clrMapOvr>
     <a:masterClrMapping/>
   </p:clrMapOvr>
-  <p:timing>
-    <p:tnLst>
-      <p:par>
-        <p:cTn id="1" dur="indefinite" restart="never" nodeType="tmRoot"/>
-      </p:par>
-    </p:tnLst>
-  </p:timing>
 </p:sld>
 </file>
 
@@ -17191,10 +17022,9 @@
           <a:lstStyle/>
           <a:p>
             <a:r>
-              <a:rPr lang="en-IE" dirty="0" smtClean="0"/>
+              <a:rPr lang="en-IE" dirty="0"/>
               <a:t>Some Info</a:t>
             </a:r>
-            <a:endParaRPr lang="en-IE" dirty="0"/>
           </a:p>
         </p:txBody>
       </p:sp>
@@ -17214,73 +17044,72 @@
           <a:lstStyle/>
           <a:p>
             <a:r>
-              <a:rPr lang="en-IE" dirty="0" smtClean="0"/>
+              <a:rPr lang="en-IE" dirty="0"/>
               <a:t>Lab1-5 demo results will be uploaded before Wednesday</a:t>
             </a:r>
           </a:p>
           <a:p>
             <a:r>
-              <a:rPr lang="en-IE" dirty="0" smtClean="0"/>
+              <a:rPr lang="en-IE" dirty="0"/>
               <a:t>Second Demo</a:t>
             </a:r>
           </a:p>
           <a:p>
             <a:pPr lvl="1"/>
             <a:r>
-              <a:rPr lang="en-IE" dirty="0" smtClean="0"/>
+              <a:rPr lang="en-IE" dirty="0"/>
               <a:t>ETL lab</a:t>
             </a:r>
           </a:p>
           <a:p>
             <a:pPr lvl="1"/>
             <a:r>
-              <a:rPr lang="en-IE" dirty="0" smtClean="0"/>
+              <a:rPr lang="en-IE" dirty="0"/>
               <a:t>Graph DB lab</a:t>
             </a:r>
           </a:p>
           <a:p>
             <a:pPr lvl="1"/>
             <a:r>
-              <a:rPr lang="en-IE" dirty="0" smtClean="0"/>
+              <a:rPr lang="en-IE" dirty="0"/>
               <a:t>MongoDB lab(s)</a:t>
             </a:r>
           </a:p>
           <a:p>
             <a:r>
-              <a:rPr lang="en-IE" dirty="0" smtClean="0"/>
+              <a:rPr lang="en-IE" dirty="0"/>
               <a:t>Deadline:</a:t>
             </a:r>
           </a:p>
           <a:p>
             <a:pPr lvl="1"/>
             <a:r>
-              <a:rPr lang="en-IE" dirty="0" smtClean="0"/>
+              <a:rPr lang="en-IE" dirty="0"/>
               <a:t>Sunday 9</a:t>
             </a:r>
             <a:r>
-              <a:rPr lang="en-IE" baseline="30000" dirty="0" smtClean="0"/>
+              <a:rPr lang="en-IE" baseline="30000" dirty="0"/>
               <a:t>th</a:t>
             </a:r>
             <a:r>
-              <a:rPr lang="en-IE" dirty="0" smtClean="0"/>
+              <a:rPr lang="en-IE" dirty="0"/>
               <a:t> December, Demo starting Monday 10</a:t>
             </a:r>
             <a:r>
-              <a:rPr lang="en-IE" baseline="30000" dirty="0" smtClean="0"/>
+              <a:rPr lang="en-IE" baseline="30000" dirty="0"/>
               <a:t>th</a:t>
             </a:r>
             <a:r>
-              <a:rPr lang="en-IE" dirty="0" smtClean="0"/>
+              <a:rPr lang="en-IE" dirty="0"/>
               <a:t> December</a:t>
             </a:r>
           </a:p>
           <a:p>
             <a:pPr lvl="1"/>
             <a:r>
-              <a:rPr lang="en-IE" dirty="0" smtClean="0"/>
+              <a:rPr lang="en-IE" dirty="0"/>
               <a:t>Other time slots during the week and the following</a:t>
             </a:r>
-            <a:endParaRPr lang="en-IE" dirty="0"/>
           </a:p>
         </p:txBody>
       </p:sp>
@@ -17323,13 +17152,6 @@
   <p:clrMapOvr>
     <a:masterClrMapping/>
   </p:clrMapOvr>
-  <p:timing>
-    <p:tnLst>
-      <p:par>
-        <p:cTn id="1" dur="indefinite" restart="never" nodeType="tmRoot"/>
-      </p:par>
-    </p:tnLst>
-  </p:timing>
 </p:sld>
 </file>
 
@@ -17367,7 +17189,7 @@
           <a:p>
             <a:pPr eaLnBrk="1" hangingPunct="1"/>
             <a:r>
-              <a:rPr lang="en-US" smtClean="0">
+              <a:rPr lang="en-US">
                 <a:latin typeface="Arial" charset="0"/>
                 <a:cs typeface="Arial" charset="0"/>
               </a:rPr>
@@ -18020,13 +17842,6 @@
   <p:clrMapOvr>
     <a:masterClrMapping/>
   </p:clrMapOvr>
-  <p:timing>
-    <p:tnLst>
-      <p:par>
-        <p:cTn id="1" dur="indefinite" restart="never" nodeType="tmRoot"/>
-      </p:par>
-    </p:tnLst>
-  </p:timing>
 </p:sld>
 </file>
 
@@ -18064,7 +17879,7 @@
           <a:p>
             <a:pPr eaLnBrk="1" hangingPunct="1"/>
             <a:r>
-              <a:rPr lang="en-US" smtClean="0">
+              <a:rPr lang="en-US">
                 <a:latin typeface="Arial" charset="0"/>
                 <a:cs typeface="Arial" charset="0"/>
               </a:rPr>
@@ -18717,13 +18532,6 @@
   <p:clrMapOvr>
     <a:masterClrMapping/>
   </p:clrMapOvr>
-  <p:timing>
-    <p:tnLst>
-      <p:par>
-        <p:cTn id="1" dur="indefinite" restart="never" nodeType="tmRoot"/>
-      </p:par>
-    </p:tnLst>
-  </p:timing>
 </p:sld>
 </file>
 
@@ -18765,7 +18573,7 @@
           <a:lstStyle/>
           <a:p>
             <a:r>
-              <a:rPr lang="en-US" smtClean="0"/>
+              <a:rPr lang="en-US"/>
               <a:t>Schema Design</a:t>
             </a:r>
           </a:p>
@@ -18815,13 +18623,6 @@
   <p:clrMapOvr>
     <a:masterClrMapping/>
   </p:clrMapOvr>
-  <p:timing>
-    <p:tnLst>
-      <p:par>
-        <p:cTn id="1" dur="indefinite" restart="never" nodeType="tmRoot"/>
-      </p:par>
-    </p:tnLst>
-  </p:timing>
 </p:sld>
 </file>
 
@@ -19118,7 +18919,7 @@
                         </a:tabLst>
                       </a:pPr>
                       <a:r>
-                        <a:rPr kumimoji="0" lang="en-US" sz="2600" b="0" i="0" u="none" strike="noStrike" cap="none" normalizeH="0" baseline="0" dirty="0" smtClean="0">
+                        <a:rPr kumimoji="0" lang="en-US" sz="2600" b="0" i="0" u="none" strike="noStrike" cap="none" normalizeH="0" baseline="0" dirty="0">
                           <a:ln>
                             <a:noFill/>
                           </a:ln>
@@ -19412,7 +19213,7 @@
                           <a:tab pos="914400" algn="l"/>
                         </a:tabLst>
                       </a:pPr>
-                      <a:endParaRPr kumimoji="0" lang="en-US" sz="2600" b="0" i="0" u="none" strike="noStrike" cap="none" normalizeH="0" baseline="0" dirty="0" smtClean="0">
+                      <a:endParaRPr kumimoji="0" lang="en-US" sz="2600" b="0" i="0" u="none" strike="noStrike" cap="none" normalizeH="0" baseline="0" dirty="0">
                         <a:ln>
                           <a:noFill/>
                         </a:ln>
@@ -19705,7 +19506,7 @@
                         </a:tabLst>
                       </a:pPr>
                       <a:r>
-                        <a:rPr kumimoji="0" lang="en-US" sz="2600" b="0" i="0" u="none" strike="noStrike" cap="none" normalizeH="0" baseline="0" smtClean="0">
+                        <a:rPr kumimoji="0" lang="en-US" sz="2600" b="0" i="0" u="none" strike="noStrike" cap="none" normalizeH="0" baseline="0">
                           <a:ln>
                             <a:noFill/>
                           </a:ln>
@@ -20007,7 +19808,7 @@
                         </a:tabLst>
                       </a:pPr>
                       <a:r>
-                        <a:rPr kumimoji="0" lang="en-US" sz="2600" b="0" i="0" u="none" strike="noStrike" cap="none" normalizeH="0" baseline="0" dirty="0" smtClean="0">
+                        <a:rPr kumimoji="0" lang="en-US" sz="2600" b="0" i="0" u="none" strike="noStrike" cap="none" normalizeH="0" baseline="0" dirty="0">
                           <a:ln>
                             <a:noFill/>
                           </a:ln>
@@ -20302,7 +20103,7 @@
                         </a:tabLst>
                       </a:pPr>
                       <a:r>
-                        <a:rPr kumimoji="0" lang="en-US" sz="2600" b="0" i="0" u="none" strike="noStrike" cap="none" normalizeH="0" baseline="0" smtClean="0">
+                        <a:rPr kumimoji="0" lang="en-US" sz="2600" b="0" i="0" u="none" strike="noStrike" cap="none" normalizeH="0" baseline="0">
                           <a:ln>
                             <a:noFill/>
                           </a:ln>
@@ -20597,7 +20398,7 @@
                         </a:tabLst>
                       </a:pPr>
                       <a:r>
-                        <a:rPr kumimoji="0" lang="en-US" sz="2600" b="0" i="0" u="none" strike="noStrike" cap="none" normalizeH="0" baseline="0" dirty="0" smtClean="0">
+                        <a:rPr kumimoji="0" lang="en-US" sz="2600" b="0" i="0" u="none" strike="noStrike" cap="none" normalizeH="0" baseline="0" dirty="0">
                           <a:ln>
                             <a:noFill/>
                           </a:ln>
@@ -20899,7 +20700,7 @@
                         </a:tabLst>
                       </a:pPr>
                       <a:r>
-                        <a:rPr kumimoji="0" lang="en-US" sz="2600" b="0" i="0" u="none" strike="noStrike" cap="none" normalizeH="0" baseline="0" dirty="0" smtClean="0">
+                        <a:rPr kumimoji="0" lang="en-US" sz="2600" b="0" i="0" u="none" strike="noStrike" cap="none" normalizeH="0" baseline="0" dirty="0">
                           <a:ln>
                             <a:noFill/>
                           </a:ln>
@@ -21194,7 +20995,7 @@
                         </a:tabLst>
                       </a:pPr>
                       <a:r>
-                        <a:rPr kumimoji="0" lang="en-US" sz="2600" b="0" i="0" u="none" strike="noStrike" cap="none" normalizeH="0" baseline="0" smtClean="0">
+                        <a:rPr kumimoji="0" lang="en-US" sz="2600" b="0" i="0" u="none" strike="noStrike" cap="none" normalizeH="0" baseline="0">
                           <a:ln>
                             <a:noFill/>
                           </a:ln>
@@ -21489,7 +21290,7 @@
                         </a:tabLst>
                       </a:pPr>
                       <a:r>
-                        <a:rPr kumimoji="0" lang="en-US" sz="2600" b="0" i="0" u="none" strike="noStrike" cap="none" normalizeH="0" baseline="0" smtClean="0">
+                        <a:rPr kumimoji="0" lang="en-US" sz="2600" b="0" i="0" u="none" strike="noStrike" cap="none" normalizeH="0" baseline="0">
                           <a:ln>
                             <a:noFill/>
                           </a:ln>
@@ -21791,7 +21592,7 @@
                         </a:tabLst>
                       </a:pPr>
                       <a:r>
-                        <a:rPr kumimoji="0" lang="en-US" sz="2600" b="0" i="0" u="none" strike="noStrike" cap="none" normalizeH="0" baseline="0" dirty="0" smtClean="0">
+                        <a:rPr kumimoji="0" lang="en-US" sz="2600" b="0" i="0" u="none" strike="noStrike" cap="none" normalizeH="0" baseline="0" dirty="0">
                           <a:ln>
                             <a:noFill/>
                           </a:ln>
@@ -22086,7 +21887,7 @@
                         </a:tabLst>
                       </a:pPr>
                       <a:r>
-                        <a:rPr kumimoji="0" lang="en-US" sz="2600" b="0" i="0" u="none" strike="noStrike" cap="none" normalizeH="0" baseline="0" smtClean="0">
+                        <a:rPr kumimoji="0" lang="en-US" sz="2600" b="0" i="0" u="none" strike="noStrike" cap="none" normalizeH="0" baseline="0">
                           <a:ln>
                             <a:noFill/>
                           </a:ln>
@@ -22381,7 +22182,7 @@
                         </a:tabLst>
                       </a:pPr>
                       <a:r>
-                        <a:rPr kumimoji="0" lang="en-US" sz="2600" b="0" i="0" u="none" strike="noStrike" cap="none" normalizeH="0" baseline="0" smtClean="0">
+                        <a:rPr kumimoji="0" lang="en-US" sz="2600" b="0" i="0" u="none" strike="noStrike" cap="none" normalizeH="0" baseline="0">
                           <a:ln>
                             <a:noFill/>
                           </a:ln>
@@ -22683,7 +22484,7 @@
                         </a:tabLst>
                       </a:pPr>
                       <a:r>
-                        <a:rPr kumimoji="0" lang="en-US" sz="2600" b="0" i="0" u="none" strike="noStrike" cap="none" normalizeH="0" baseline="0" dirty="0" smtClean="0">
+                        <a:rPr kumimoji="0" lang="en-US" sz="2600" b="0" i="0" u="none" strike="noStrike" cap="none" normalizeH="0" baseline="0" dirty="0">
                           <a:ln>
                             <a:noFill/>
                           </a:ln>
@@ -22978,7 +22779,7 @@
                         </a:tabLst>
                       </a:pPr>
                       <a:r>
-                        <a:rPr kumimoji="0" lang="en-US" sz="2600" b="0" i="0" u="none" strike="noStrike" cap="none" normalizeH="0" baseline="0" smtClean="0">
+                        <a:rPr kumimoji="0" lang="en-US" sz="2600" b="0" i="0" u="none" strike="noStrike" cap="none" normalizeH="0" baseline="0">
                           <a:ln>
                             <a:noFill/>
                           </a:ln>
@@ -23273,7 +23074,7 @@
                         </a:tabLst>
                       </a:pPr>
                       <a:r>
-                        <a:rPr kumimoji="0" lang="en-US" sz="2600" b="0" i="0" u="none" strike="noStrike" cap="none" normalizeH="0" baseline="0" smtClean="0">
+                        <a:rPr kumimoji="0" lang="en-US" sz="2600" b="0" i="0" u="none" strike="noStrike" cap="none" normalizeH="0" baseline="0">
                           <a:ln>
                             <a:noFill/>
                           </a:ln>
@@ -23575,7 +23376,7 @@
                         </a:tabLst>
                       </a:pPr>
                       <a:r>
-                        <a:rPr kumimoji="0" lang="en-US" sz="2600" b="0" i="0" u="none" strike="noStrike" cap="none" normalizeH="0" baseline="0" smtClean="0">
+                        <a:rPr kumimoji="0" lang="en-US" sz="2600" b="0" i="0" u="none" strike="noStrike" cap="none" normalizeH="0" baseline="0">
                           <a:ln>
                             <a:noFill/>
                           </a:ln>
@@ -23870,7 +23671,7 @@
                         </a:tabLst>
                       </a:pPr>
                       <a:r>
-                        <a:rPr kumimoji="0" lang="en-US" sz="2600" b="0" i="0" u="none" strike="noStrike" cap="none" normalizeH="0" baseline="0" smtClean="0">
+                        <a:rPr kumimoji="0" lang="en-US" sz="2600" b="0" i="0" u="none" strike="noStrike" cap="none" normalizeH="0" baseline="0">
                           <a:ln>
                             <a:noFill/>
                           </a:ln>
@@ -24165,7 +23966,7 @@
                         </a:tabLst>
                       </a:pPr>
                       <a:r>
-                        <a:rPr kumimoji="0" lang="en-US" sz="2600" b="0" i="0" u="none" strike="noStrike" cap="none" normalizeH="0" baseline="0" smtClean="0">
+                        <a:rPr kumimoji="0" lang="en-US" sz="2600" b="0" i="0" u="none" strike="noStrike" cap="none" normalizeH="0" baseline="0">
                           <a:ln>
                             <a:noFill/>
                           </a:ln>
@@ -24467,7 +24268,7 @@
                         </a:tabLst>
                       </a:pPr>
                       <a:r>
-                        <a:rPr kumimoji="0" lang="en-US" sz="2600" b="0" i="0" u="none" strike="noStrike" cap="none" normalizeH="0" baseline="0" dirty="0" smtClean="0">
+                        <a:rPr kumimoji="0" lang="en-US" sz="2600" b="0" i="0" u="none" strike="noStrike" cap="none" normalizeH="0" baseline="0" dirty="0">
                           <a:ln>
                             <a:noFill/>
                           </a:ln>
@@ -24762,7 +24563,7 @@
                         </a:tabLst>
                       </a:pPr>
                       <a:r>
-                        <a:rPr kumimoji="0" lang="en-US" sz="2600" b="0" i="0" u="none" strike="noStrike" cap="none" normalizeH="0" baseline="0" smtClean="0">
+                        <a:rPr kumimoji="0" lang="en-US" sz="2600" b="0" i="0" u="none" strike="noStrike" cap="none" normalizeH="0" baseline="0">
                           <a:ln>
                             <a:noFill/>
                           </a:ln>
@@ -25057,7 +24858,7 @@
                         </a:tabLst>
                       </a:pPr>
                       <a:r>
-                        <a:rPr kumimoji="0" lang="en-US" sz="2600" b="0" i="0" u="none" strike="noStrike" cap="none" normalizeH="0" baseline="0" dirty="0" smtClean="0">
+                        <a:rPr kumimoji="0" lang="en-US" sz="2600" b="0" i="0" u="none" strike="noStrike" cap="none" normalizeH="0" baseline="0" dirty="0">
                           <a:ln>
                             <a:noFill/>
                           </a:ln>
@@ -25154,15 +24955,15 @@
           <a:lstStyle/>
           <a:p>
             <a:r>
-              <a:rPr lang="en-US" sz="3000" b="1" dirty="0" smtClean="0"/>
+              <a:rPr lang="en-US" sz="3000" b="1" dirty="0"/>
               <a:t>SQL </a:t>
             </a:r>
             <a:r>
-              <a:rPr lang="en-US" sz="3000" b="1" dirty="0" err="1" smtClean="0"/>
+              <a:rPr lang="en-US" sz="3000" b="1" dirty="0" err="1"/>
               <a:t>vs</a:t>
             </a:r>
             <a:r>
-              <a:rPr lang="en-US" sz="3000" b="1" dirty="0" smtClean="0"/>
+              <a:rPr lang="en-US" sz="3000" b="1" dirty="0"/>
               <a:t> Mongo Concepts</a:t>
             </a:r>
             <a:endParaRPr lang="en-IE" sz="3000" dirty="0"/>
@@ -25179,13 +24980,6 @@
   <p:clrMapOvr>
     <a:masterClrMapping/>
   </p:clrMapOvr>
-  <p:timing>
-    <p:tnLst>
-      <p:par>
-        <p:cTn id="1" dur="indefinite" restart="never" nodeType="tmRoot"/>
-      </p:par>
-    </p:tnLst>
-  </p:timing>
 </p:sld>
 </file>
 
@@ -25227,7 +25021,7 @@
           <a:lstStyle/>
           <a:p>
             <a:r>
-              <a:rPr lang="en-US" b="1" dirty="0" smtClean="0"/>
+              <a:rPr lang="en-US" b="1" dirty="0"/>
               <a:t>Mongo is basically schema-free </a:t>
             </a:r>
           </a:p>
@@ -25259,7 +25053,7 @@
               <a:defRPr/>
             </a:pPr>
             <a:r>
-              <a:rPr lang="en-US" sz="2400" dirty="0" smtClean="0"/>
+              <a:rPr lang="en-US" sz="2400" dirty="0"/>
               <a:t>The purpose of schema in SQL is for meeting the requirements of tables and SQL implementation</a:t>
             </a:r>
           </a:p>
@@ -25272,7 +25066,7 @@
               <a:buChar char=""/>
               <a:defRPr/>
             </a:pPr>
-            <a:endParaRPr lang="en-US" sz="2400" dirty="0" smtClean="0"/>
+            <a:endParaRPr lang="en-US" sz="2400" dirty="0"/>
           </a:p>
           <a:p>
             <a:pPr fontAlgn="auto">
@@ -25309,11 +25103,7 @@
             </a:r>
             <a:r>
               <a:rPr lang="en-US" sz="2400" dirty="0"/>
-              <a:t>” in C, or a “class” in Java. A table is then an array (or list) of such data </a:t>
-            </a:r>
-            <a:r>
-              <a:rPr lang="en-US" sz="2400" dirty="0" smtClean="0"/>
-              <a:t>structures</a:t>
+              <a:t>” in C, or a “class” in Java. A table is then an array (or list) of such data structures</a:t>
             </a:r>
           </a:p>
           <a:p>
@@ -25337,18 +25127,17 @@
               <a:defRPr/>
             </a:pPr>
             <a:r>
-              <a:rPr lang="en-US" sz="2400" dirty="0" smtClean="0"/>
+              <a:rPr lang="en-US" sz="2400" dirty="0"/>
               <a:t>So we what we design in </a:t>
             </a:r>
             <a:r>
-              <a:rPr lang="en-US" sz="2400" dirty="0" err="1" smtClean="0"/>
+              <a:rPr lang="en-US" sz="2400" dirty="0" err="1"/>
               <a:t>mongoDB</a:t>
             </a:r>
             <a:r>
-              <a:rPr lang="en-US" sz="2400" dirty="0" smtClean="0"/>
+              <a:rPr lang="en-US" sz="2400" dirty="0"/>
               <a:t> is basically same way how we design a compound data type binding in JSON </a:t>
             </a:r>
-            <a:endParaRPr lang="en-US" sz="2400" dirty="0"/>
           </a:p>
         </p:txBody>
       </p:sp>
@@ -25362,13 +25151,6 @@
   <p:clrMapOvr>
     <a:masterClrMapping/>
   </p:clrMapOvr>
-  <p:timing>
-    <p:tnLst>
-      <p:par>
-        <p:cTn id="1" dur="indefinite" restart="never" nodeType="tmRoot"/>
-      </p:par>
-    </p:tnLst>
-  </p:timing>
 </p:sld>
 </file>
 
@@ -25405,7 +25187,7 @@
           <a:lstStyle/>
           <a:p>
             <a:r>
-              <a:rPr lang="en-US" smtClean="0"/>
+              <a:rPr lang="en-US"/>
               <a:t>There are some patterns</a:t>
             </a:r>
           </a:p>
@@ -25427,38 +25209,38 @@
           <a:lstStyle/>
           <a:p>
             <a:r>
-              <a:rPr lang="en-US" dirty="0" smtClean="0"/>
+              <a:rPr lang="en-US" dirty="0"/>
               <a:t>Embedding  </a:t>
             </a:r>
             <a:r>
-              <a:rPr lang="en-US" sz="2400" dirty="0" smtClean="0"/>
+              <a:rPr lang="en-US" sz="2400" dirty="0"/>
               <a:t>Embed the document into the other document</a:t>
             </a:r>
           </a:p>
           <a:p>
             <a:pPr lvl="1"/>
             <a:r>
-              <a:rPr lang="en-US" dirty="0" smtClean="0"/>
+              <a:rPr lang="en-US" dirty="0"/>
               <a:t>Similar to </a:t>
             </a:r>
             <a:r>
-              <a:rPr lang="en-US" dirty="0" err="1" smtClean="0"/>
+              <a:rPr lang="en-US" dirty="0" err="1"/>
               <a:t>denormalized</a:t>
             </a:r>
             <a:r>
-              <a:rPr lang="en-US" dirty="0" smtClean="0"/>
+              <a:rPr lang="en-US" dirty="0"/>
               <a:t> joins</a:t>
             </a:r>
           </a:p>
           <a:p>
-            <a:endParaRPr lang="en-US" dirty="0" smtClean="0"/>
-          </a:p>
-          <a:p>
-            <a:endParaRPr lang="en-US" dirty="0" smtClean="0"/>
-          </a:p>
-          <a:p>
-            <a:r>
-              <a:rPr lang="en-US" dirty="0" smtClean="0"/>
+            <a:endParaRPr lang="en-US" dirty="0"/>
+          </a:p>
+          <a:p>
+            <a:endParaRPr lang="en-US" dirty="0"/>
+          </a:p>
+          <a:p>
+            <a:r>
+              <a:rPr lang="en-US" dirty="0"/>
               <a:t>Linking (also known as reference)</a:t>
             </a:r>
           </a:p>
@@ -25481,7 +25263,7 @@
             <a:endParaRPr lang="en-US" dirty="0"/>
           </a:p>
           <a:p>
-            <a:endParaRPr lang="en-US" dirty="0" smtClean="0"/>
+            <a:endParaRPr lang="en-US" dirty="0"/>
           </a:p>
         </p:txBody>
       </p:sp>
@@ -25495,13 +25277,6 @@
   <p:clrMapOvr>
     <a:masterClrMapping/>
   </p:clrMapOvr>
-  <p:timing>
-    <p:tnLst>
-      <p:par>
-        <p:cTn id="1" dur="indefinite" restart="never" nodeType="tmRoot"/>
-      </p:par>
-    </p:tnLst>
-  </p:timing>
 </p:sld>
 </file>
 
@@ -25543,7 +25318,7 @@
           <a:lstStyle/>
           <a:p>
             <a:r>
-              <a:rPr lang="en-US" dirty="0" smtClean="0"/>
+              <a:rPr lang="en-US" dirty="0"/>
               <a:t>One to One relationship - embedding</a:t>
             </a:r>
           </a:p>
@@ -25586,22 +25361,13 @@
               </a:spcBef>
             </a:pPr>
             <a:r>
-              <a:rPr lang="en-US" sz="1600" b="1" dirty="0" smtClean="0">
-                <a:latin typeface="Lucida Grande"/>
-                <a:ea typeface="Lucida Grande"/>
-                <a:cs typeface="Lucida Grande"/>
-                <a:sym typeface="Lucida Grande"/>
-              </a:rPr>
-              <a:t>zip </a:t>
-            </a:r>
-            <a:r>
               <a:rPr lang="en-US" sz="1600" b="1" dirty="0">
                 <a:latin typeface="Lucida Grande"/>
                 <a:ea typeface="Lucida Grande"/>
                 <a:cs typeface="Lucida Grande"/>
                 <a:sym typeface="Lucida Grande"/>
               </a:rPr>
-              <a:t>= {</a:t>
+              <a:t>zip = {</a:t>
             </a:r>
             <a:endParaRPr lang="en-US" b="1" dirty="0">
               <a:latin typeface="Lucida Grande"/>
@@ -26169,25 +25935,7 @@
                 <a:cs typeface="Lucida Grande"/>
                 <a:sym typeface="Lucida Grande"/>
               </a:rPr>
-              <a:t>c</a:t>
-            </a:r>
-            <a:r>
-              <a:rPr lang="en-US" sz="1600" b="1" dirty="0" err="1" smtClean="0">
-                <a:latin typeface="Lucida Grande"/>
-                <a:ea typeface="Lucida Grande"/>
-                <a:cs typeface="Lucida Grande"/>
-                <a:sym typeface="Lucida Grande"/>
-              </a:rPr>
-              <a:t>ouncil_person</a:t>
-            </a:r>
-            <a:r>
-              <a:rPr lang="en-US" sz="1600" b="1" dirty="0" smtClean="0">
-                <a:latin typeface="Lucida Grande"/>
-                <a:ea typeface="Lucida Grande"/>
-                <a:cs typeface="Lucida Grande"/>
-                <a:sym typeface="Lucida Grande"/>
-              </a:rPr>
-              <a:t> </a:t>
+              <a:t>council_person</a:t>
             </a:r>
             <a:r>
               <a:rPr lang="en-US" sz="1600" b="1" dirty="0">
@@ -26196,7 +25944,7 @@
                 <a:cs typeface="Lucida Grande"/>
                 <a:sym typeface="Lucida Grande"/>
               </a:rPr>
-              <a:t>= {</a:t>
+              <a:t> = {</a:t>
             </a:r>
             <a:endParaRPr lang="en-US" b="1" dirty="0">
               <a:latin typeface="Lucida Grande"/>
@@ -26395,13 +26143,6 @@
   <p:clrMapOvr>
     <a:masterClrMapping/>
   </p:clrMapOvr>
-  <p:timing>
-    <p:tnLst>
-      <p:par>
-        <p:cTn id="1" dur="indefinite" restart="never" nodeType="tmRoot"/>
-      </p:par>
-    </p:tnLst>
-  </p:timing>
 </p:sld>
 </file>
 
@@ -26443,7 +26184,7 @@
           <a:lstStyle/>
           <a:p>
             <a:r>
-              <a:rPr lang="en-US" dirty="0" smtClean="0"/>
+              <a:rPr lang="en-US" dirty="0"/>
               <a:t>One to many relationship - embedding</a:t>
             </a:r>
           </a:p>
@@ -26855,25 +26596,7 @@
                 <a:cs typeface="Lucida Grande"/>
                 <a:sym typeface="Lucida Grande"/>
               </a:rPr>
-              <a:t>        location: "</a:t>
-            </a:r>
-            <a:r>
-              <a:rPr lang="en-US" b="1" dirty="0" smtClean="0">
-                <a:latin typeface="Lucida Grande"/>
-                <a:ea typeface="Lucida Grande"/>
-                <a:cs typeface="Lucida Grande"/>
-                <a:sym typeface="Lucida Grande"/>
-              </a:rPr>
-              <a:t>CA” </a:t>
-            </a:r>
-            <a:r>
-              <a:rPr lang="en-US" b="1" dirty="0">
-                <a:latin typeface="Lucida Grande"/>
-                <a:ea typeface="Lucida Grande"/>
-                <a:cs typeface="Lucida Grande"/>
-                <a:sym typeface="Lucida Grande"/>
-              </a:rPr>
-              <a:t>}</a:t>
+              <a:t>        location: "CA” }</a:t>
             </a:r>
             <a:endParaRPr lang="en-US" b="1" dirty="0">
               <a:latin typeface="Lucida Grande"/>
@@ -26919,13 +26642,6 @@
   <p:clrMapOvr>
     <a:masterClrMapping/>
   </p:clrMapOvr>
-  <p:timing>
-    <p:tnLst>
-      <p:par>
-        <p:cTn id="1" dur="indefinite" restart="never" nodeType="tmRoot"/>
-      </p:par>
-    </p:tnLst>
-  </p:timing>
 </p:sld>
 </file>
 
@@ -26962,7 +26678,7 @@
           <a:lstStyle/>
           <a:p>
             <a:r>
-              <a:rPr lang="en-US" smtClean="0"/>
+              <a:rPr lang="en-US"/>
               <a:t>One to many relationship – Linking</a:t>
             </a:r>
           </a:p>
@@ -27129,16 +26845,7 @@
                 <a:cs typeface="Lucida Grande"/>
                 <a:sym typeface="Lucida Grande"/>
               </a:rPr>
-              <a:t>    location: "CA</a:t>
-            </a:r>
-            <a:r>
-              <a:rPr lang="en-US" b="1" dirty="0" smtClean="0">
-                <a:latin typeface="Lucida Grande"/>
-                <a:ea typeface="Lucida Grande"/>
-                <a:cs typeface="Lucida Grande"/>
-                <a:sym typeface="Lucida Grande"/>
-              </a:rPr>
-              <a:t>"}</a:t>
+              <a:t>    location: "CA"}</a:t>
             </a:r>
             <a:endParaRPr lang="en-US" b="1" dirty="0">
               <a:latin typeface="Lucida Grande"/>
@@ -27442,7 +27149,7 @@
               <a:t>oreilly</a:t>
             </a:r>
             <a:r>
-              <a:rPr lang="en-US" b="1" dirty="0" smtClean="0">
+              <a:rPr lang="en-US" b="1" dirty="0">
                 <a:solidFill>
                   <a:srgbClr val="FF0000"/>
                 </a:solidFill>
@@ -27454,7 +27161,7 @@
               <a:t>"</a:t>
             </a:r>
             <a:r>
-              <a:rPr lang="en-US" b="1" dirty="0" smtClean="0">
+              <a:rPr lang="en-US" b="1" dirty="0">
                 <a:latin typeface="Lucida Grande"/>
                 <a:ea typeface="Lucida Grande"/>
                 <a:cs typeface="Lucida Grande"/>
@@ -27529,13 +27236,6 @@
   <p:clrMapOvr>
     <a:masterClrMapping/>
   </p:clrMapOvr>
-  <p:timing>
-    <p:tnLst>
-      <p:par>
-        <p:cTn id="1" dur="indefinite" restart="never" nodeType="tmRoot"/>
-      </p:par>
-    </p:tnLst>
-  </p:timing>
 </p:sld>
 </file>
 
@@ -27572,7 +27272,7 @@
           <a:lstStyle/>
           <a:p>
             <a:r>
-              <a:rPr lang="en-US" smtClean="0"/>
+              <a:rPr lang="en-US"/>
               <a:t>Linking vs. Embedding</a:t>
             </a:r>
           </a:p>
@@ -27594,30 +27294,30 @@
           <a:lstStyle/>
           <a:p>
             <a:r>
-              <a:rPr lang="en-US" sz="2400" dirty="0" smtClean="0"/>
+              <a:rPr lang="en-US" sz="2400" dirty="0"/>
               <a:t>Embedding is a bit like pre-joining data</a:t>
             </a:r>
           </a:p>
           <a:p>
             <a:r>
-              <a:rPr lang="en-US" sz="2400" dirty="0" smtClean="0"/>
+              <a:rPr lang="en-US" sz="2400" dirty="0"/>
               <a:t>Document level operations are easy for the server to handle</a:t>
             </a:r>
           </a:p>
           <a:p>
             <a:r>
-              <a:rPr lang="en-US" sz="2400" dirty="0" smtClean="0"/>
+              <a:rPr lang="en-US" sz="2400" dirty="0"/>
               <a:t>Embed when the “many” objects always appear with (viewed in the context of) their parents.</a:t>
             </a:r>
           </a:p>
           <a:p>
             <a:r>
-              <a:rPr lang="en-US" sz="2400" dirty="0" smtClean="0"/>
+              <a:rPr lang="en-US" sz="2400" dirty="0"/>
               <a:t>Linking when you need more flexibility, less redundancy</a:t>
             </a:r>
           </a:p>
           <a:p>
-            <a:endParaRPr lang="en-US" dirty="0" smtClean="0"/>
+            <a:endParaRPr lang="en-US" dirty="0"/>
           </a:p>
         </p:txBody>
       </p:sp>
@@ -27631,13 +27331,6 @@
   <p:clrMapOvr>
     <a:masterClrMapping/>
   </p:clrMapOvr>
-  <p:timing>
-    <p:tnLst>
-      <p:par>
-        <p:cTn id="1" dur="indefinite" restart="never" nodeType="tmRoot"/>
-      </p:par>
-    </p:tnLst>
-  </p:timing>
 </p:sld>
 </file>
 
@@ -27675,7 +27368,7 @@
           <a:p>
             <a:pPr eaLnBrk="1" hangingPunct="1"/>
             <a:r>
-              <a:rPr lang="en-US" smtClean="0">
+              <a:rPr lang="en-US">
                 <a:latin typeface="Arial" charset="0"/>
                 <a:cs typeface="Arial" charset="0"/>
               </a:rPr>
@@ -27860,7 +27553,7 @@
               </a:lnSpc>
             </a:pPr>
             <a:r>
-              <a:rPr lang="en-US" sz="2000" smtClean="0">
+              <a:rPr lang="en-US" sz="2000">
                 <a:latin typeface="Arial" charset="0"/>
                 <a:cs typeface="Arial" charset="0"/>
               </a:rPr>
@@ -27874,7 +27567,7 @@
               </a:lnSpc>
             </a:pPr>
             <a:r>
-              <a:rPr lang="en-US" sz="2000" smtClean="0">
+              <a:rPr lang="en-US" sz="2000">
                 <a:latin typeface="Arial" charset="0"/>
                 <a:cs typeface="Arial" charset="0"/>
               </a:rPr>
@@ -27888,7 +27581,7 @@
               </a:lnSpc>
             </a:pPr>
             <a:r>
-              <a:rPr lang="en-US" sz="2000" smtClean="0">
+              <a:rPr lang="en-US" sz="2000">
                 <a:latin typeface="Arial" charset="0"/>
                 <a:cs typeface="Arial" charset="0"/>
               </a:rPr>
@@ -27902,14 +27595,14 @@
               </a:lnSpc>
             </a:pPr>
             <a:r>
-              <a:rPr lang="en-US" sz="2000" smtClean="0">
+              <a:rPr lang="en-US" sz="2000">
                 <a:latin typeface="Arial" charset="0"/>
                 <a:cs typeface="Arial" charset="0"/>
               </a:rPr>
               <a:t>Organized in Group of Documents </a:t>
             </a:r>
             <a:r>
-              <a:rPr lang="en-US" sz="2000" smtClean="0">
+              <a:rPr lang="en-US" sz="2000">
                 <a:latin typeface="Arial" charset="0"/>
                 <a:cs typeface="Arial" charset="0"/>
                 <a:sym typeface="Wingdings" pitchFamily="2" charset="2"/>
@@ -27917,7 +27610,7 @@
               <a:t></a:t>
             </a:r>
             <a:r>
-              <a:rPr lang="en-US" sz="2000" smtClean="0">
+              <a:rPr lang="en-US" sz="2000">
                 <a:latin typeface="Arial" charset="0"/>
                 <a:cs typeface="Arial" charset="0"/>
               </a:rPr>
@@ -27931,7 +27624,7 @@
               </a:lnSpc>
             </a:pPr>
             <a:r>
-              <a:rPr lang="en-US" sz="1600" smtClean="0">
+              <a:rPr lang="en-US" sz="1600">
                 <a:latin typeface="Arial" charset="0"/>
                 <a:cs typeface="Arial" charset="0"/>
               </a:rPr>
@@ -27945,7 +27638,7 @@
               </a:lnSpc>
             </a:pPr>
             <a:r>
-              <a:rPr lang="en-US" sz="2000" smtClean="0">
+              <a:rPr lang="en-US" sz="2000">
                 <a:latin typeface="Arial" charset="0"/>
                 <a:cs typeface="Arial" charset="0"/>
               </a:rPr>
@@ -27959,7 +27652,7 @@
               </a:lnSpc>
             </a:pPr>
             <a:r>
-              <a:rPr lang="en-US" sz="2000" smtClean="0">
+              <a:rPr lang="en-US" sz="2000">
                 <a:latin typeface="Arial" charset="0"/>
                 <a:cs typeface="Arial" charset="0"/>
               </a:rPr>
@@ -27973,7 +27666,7 @@
               </a:lnSpc>
             </a:pPr>
             <a:r>
-              <a:rPr lang="en-US" sz="2000" smtClean="0">
+              <a:rPr lang="en-US" sz="2000">
                 <a:latin typeface="Arial" charset="0"/>
                 <a:cs typeface="Arial" charset="0"/>
               </a:rPr>
@@ -27987,7 +27680,7 @@
               </a:lnSpc>
             </a:pPr>
             <a:r>
-              <a:rPr lang="en-US" sz="2000" smtClean="0">
+              <a:rPr lang="en-US" sz="2000">
                 <a:latin typeface="Arial" charset="0"/>
                 <a:cs typeface="Arial" charset="0"/>
               </a:rPr>
@@ -27995,25 +27688,25 @@
             </a:r>
           </a:p>
           <a:p>
-            <a:endParaRPr lang="en-US" smtClean="0">
+            <a:endParaRPr lang="en-US">
               <a:latin typeface="Arial" charset="0"/>
               <a:cs typeface="Arial" charset="0"/>
             </a:endParaRPr>
           </a:p>
           <a:p>
-            <a:endParaRPr lang="en-US" smtClean="0">
+            <a:endParaRPr lang="en-US">
               <a:latin typeface="Arial" charset="0"/>
               <a:cs typeface="Arial" charset="0"/>
             </a:endParaRPr>
           </a:p>
           <a:p>
-            <a:endParaRPr lang="en-US" smtClean="0">
+            <a:endParaRPr lang="en-US">
               <a:latin typeface="Arial" charset="0"/>
               <a:cs typeface="Arial" charset="0"/>
             </a:endParaRPr>
           </a:p>
           <a:p>
-            <a:endParaRPr lang="en-US" smtClean="0">
+            <a:endParaRPr lang="en-US">
               <a:latin typeface="Arial" charset="0"/>
               <a:cs typeface="Arial" charset="0"/>
             </a:endParaRPr>
@@ -28030,13 +27723,6 @@
   <p:clrMapOvr>
     <a:masterClrMapping/>
   </p:clrMapOvr>
-  <p:timing>
-    <p:tnLst>
-      <p:par>
-        <p:cTn id="1" dur="indefinite" restart="never" nodeType="tmRoot"/>
-      </p:par>
-    </p:tnLst>
-  </p:timing>
 </p:sld>
 </file>
 
@@ -28073,14 +27759,14 @@
           <a:lstStyle/>
           <a:p>
             <a:r>
-              <a:rPr lang="en-US" smtClean="0">
+              <a:rPr lang="en-US">
                 <a:ea typeface="PT Sans"/>
                 <a:cs typeface="PT Sans"/>
                 <a:sym typeface="PT Sans"/>
               </a:rPr>
               <a:t>Modeling Checkouts</a:t>
             </a:r>
-            <a:endParaRPr lang="en-US" smtClean="0">
+            <a:endParaRPr lang="en-US">
               <a:ea typeface="ヒラギノ角ゴ ProN W3"/>
               <a:cs typeface="ヒラギノ角ゴ ProN W3"/>
               <a:sym typeface="PT Sans"/>
@@ -28117,22 +27803,13 @@
               <a:defRPr/>
             </a:pPr>
             <a:r>
-              <a:rPr lang="en-US" b="1" dirty="0" smtClean="0">
-                <a:latin typeface="Lucida Grande" charset="0"/>
-                <a:ea typeface="Lucida Grande" charset="0"/>
-                <a:cs typeface="Lucida Grande" charset="0"/>
-                <a:sym typeface="Lucida Grande" charset="0"/>
-              </a:rPr>
-              <a:t>student </a:t>
-            </a:r>
-            <a:r>
               <a:rPr lang="en-US" b="1" dirty="0">
                 <a:latin typeface="Lucida Grande" charset="0"/>
                 <a:ea typeface="Lucida Grande" charset="0"/>
                 <a:cs typeface="Lucida Grande" charset="0"/>
                 <a:sym typeface="Lucida Grande" charset="0"/>
               </a:rPr>
-              <a:t>= {</a:t>
+              <a:t>student = {</a:t>
             </a:r>
             <a:endParaRPr lang="en-US" b="1" dirty="0">
               <a:latin typeface="Lucida Grande" charset="0"/>
@@ -28639,13 +28316,6 @@
     <a:masterClrMapping/>
   </p:clrMapOvr>
   <p:transition spd="slow"/>
-  <p:timing>
-    <p:tnLst>
-      <p:par>
-        <p:cTn id="1" dur="indefinite" restart="never" nodeType="tmRoot"/>
-      </p:par>
-    </p:tnLst>
-  </p:timing>
 </p:sld>
 </file>
 
@@ -28682,14 +28352,14 @@
           <a:lstStyle/>
           <a:p>
             <a:r>
-              <a:rPr lang="en-US" smtClean="0">
+              <a:rPr lang="en-US">
                 <a:ea typeface="PT Sans"/>
                 <a:cs typeface="PT Sans"/>
                 <a:sym typeface="PT Sans"/>
               </a:rPr>
               <a:t>Modeling Checkouts</a:t>
             </a:r>
-            <a:endParaRPr lang="en-US" smtClean="0">
+            <a:endParaRPr lang="en-US">
               <a:ea typeface="ヒラギノ角ゴ ProN W3"/>
               <a:cs typeface="ヒラギノ角ゴ ProN W3"/>
               <a:sym typeface="PT Sans"/>
@@ -28717,7 +28387,7 @@
               <a:buNone/>
             </a:pPr>
             <a:r>
-              <a:rPr lang="en-US" sz="1700" b="1" dirty="0" smtClean="0">
+              <a:rPr lang="en-US" sz="1700" b="1" dirty="0">
                 <a:latin typeface="Lucida Grande"/>
                 <a:ea typeface="Lucida Grande"/>
                 <a:cs typeface="Lucida Grande"/>
@@ -28725,7 +28395,7 @@
               </a:rPr>
               <a:t>student = {</a:t>
             </a:r>
-            <a:endParaRPr lang="en-US" sz="1700" b="1" dirty="0" smtClean="0">
+            <a:endParaRPr lang="en-US" sz="1700" b="1" dirty="0">
               <a:latin typeface="Lucida Grande"/>
               <a:ea typeface="ヒラギノ角ゴ ProN W6"/>
               <a:cs typeface="ヒラギノ角ゴ ProN W6"/>
@@ -28741,7 +28411,7 @@
               <a:buNone/>
             </a:pPr>
             <a:r>
-              <a:rPr lang="en-US" sz="1700" b="1" dirty="0" smtClean="0">
+              <a:rPr lang="en-US" sz="1700" b="1" dirty="0">
                 <a:latin typeface="Lucida Grande"/>
                 <a:ea typeface="Lucida Grande"/>
                 <a:cs typeface="Lucida Grande"/>
@@ -28750,7 +28420,7 @@
               <a:t>    _id: "</a:t>
             </a:r>
             <a:r>
-              <a:rPr lang="en-US" sz="1700" b="1" dirty="0" err="1" smtClean="0">
+              <a:rPr lang="en-US" sz="1700" b="1" dirty="0" err="1">
                 <a:latin typeface="Lucida Grande"/>
                 <a:ea typeface="Lucida Grande"/>
                 <a:cs typeface="Lucida Grande"/>
@@ -28759,7 +28429,7 @@
               <a:t>joe</a:t>
             </a:r>
             <a:r>
-              <a:rPr lang="en-US" sz="1700" b="1" dirty="0" smtClean="0">
+              <a:rPr lang="en-US" sz="1700" b="1" dirty="0">
                 <a:latin typeface="Lucida Grande"/>
                 <a:ea typeface="Lucida Grande"/>
                 <a:cs typeface="Lucida Grande"/>
@@ -28767,7 +28437,7 @@
               </a:rPr>
               <a:t>"</a:t>
             </a:r>
-            <a:endParaRPr lang="en-US" sz="1700" b="1" dirty="0" smtClean="0">
+            <a:endParaRPr lang="en-US" sz="1700" b="1" dirty="0">
               <a:latin typeface="Lucida Grande"/>
               <a:ea typeface="ヒラギノ角ゴ ProN W6"/>
               <a:cs typeface="ヒラギノ角ゴ ProN W6"/>
@@ -28783,7 +28453,7 @@
               <a:buNone/>
             </a:pPr>
             <a:r>
-              <a:rPr lang="en-US" sz="1700" b="1" dirty="0" smtClean="0">
+              <a:rPr lang="en-US" sz="1700" b="1" dirty="0">
                 <a:latin typeface="Lucida Grande"/>
                 <a:ea typeface="Lucida Grande"/>
                 <a:cs typeface="Lucida Grande"/>
@@ -28792,7 +28462,7 @@
               <a:t>    name: "Joe </a:t>
             </a:r>
             <a:r>
-              <a:rPr lang="en-US" sz="1700" b="1" dirty="0" err="1" smtClean="0">
+              <a:rPr lang="en-US" sz="1700" b="1" dirty="0" err="1">
                 <a:latin typeface="Lucida Grande"/>
                 <a:ea typeface="Lucida Grande"/>
                 <a:cs typeface="Lucida Grande"/>
@@ -28801,7 +28471,7 @@
               <a:t>Bookreader</a:t>
             </a:r>
             <a:r>
-              <a:rPr lang="en-US" sz="1700" b="1" dirty="0" smtClean="0">
+              <a:rPr lang="en-US" sz="1700" b="1" dirty="0">
                 <a:latin typeface="Lucida Grande"/>
                 <a:ea typeface="Lucida Grande"/>
                 <a:cs typeface="Lucida Grande"/>
@@ -28809,7 +28479,7 @@
               </a:rPr>
               <a:t>",</a:t>
             </a:r>
-            <a:endParaRPr lang="en-US" sz="1700" b="1" dirty="0" smtClean="0">
+            <a:endParaRPr lang="en-US" sz="1700" b="1" dirty="0">
               <a:latin typeface="Lucida Grande"/>
               <a:ea typeface="ヒラギノ角ゴ ProN W6"/>
               <a:cs typeface="ヒラギノ角ゴ ProN W6"/>
@@ -28825,7 +28495,7 @@
               <a:buNone/>
             </a:pPr>
             <a:r>
-              <a:rPr lang="en-US" sz="1700" b="1" dirty="0" smtClean="0">
+              <a:rPr lang="en-US" sz="1700" b="1" dirty="0">
                 <a:latin typeface="Lucida Grande"/>
                 <a:ea typeface="Lucida Grande"/>
                 <a:cs typeface="Lucida Grande"/>
@@ -28834,7 +28504,7 @@
               <a:t>    </a:t>
             </a:r>
             <a:r>
-              <a:rPr lang="en-US" sz="1700" b="1" dirty="0" err="1" smtClean="0">
+              <a:rPr lang="en-US" sz="1700" b="1" dirty="0" err="1">
                 <a:latin typeface="Lucida Grande"/>
                 <a:ea typeface="Lucida Grande"/>
                 <a:cs typeface="Lucida Grande"/>
@@ -28843,7 +28513,7 @@
               <a:t>join_date</a:t>
             </a:r>
             <a:r>
-              <a:rPr lang="en-US" sz="1700" b="1" dirty="0" smtClean="0">
+              <a:rPr lang="en-US" sz="1700" b="1" dirty="0">
                 <a:latin typeface="Lucida Grande"/>
                 <a:ea typeface="Lucida Grande"/>
                 <a:cs typeface="Lucida Grande"/>
@@ -28852,7 +28522,7 @@
               <a:t>: </a:t>
             </a:r>
             <a:r>
-              <a:rPr lang="en-US" sz="1700" b="1" dirty="0" err="1" smtClean="0">
+              <a:rPr lang="en-US" sz="1700" b="1" dirty="0" err="1">
                 <a:latin typeface="Lucida Grande"/>
                 <a:ea typeface="Lucida Grande"/>
                 <a:cs typeface="Lucida Grande"/>
@@ -28861,7 +28531,7 @@
               <a:t>ISODate</a:t>
             </a:r>
             <a:r>
-              <a:rPr lang="en-US" sz="1700" b="1" dirty="0" smtClean="0">
+              <a:rPr lang="en-US" sz="1700" b="1" dirty="0">
                 <a:latin typeface="Lucida Grande"/>
                 <a:ea typeface="Lucida Grande"/>
                 <a:cs typeface="Lucida Grande"/>
@@ -28869,7 +28539,7 @@
               </a:rPr>
               <a:t>("2011-10-15"),</a:t>
             </a:r>
-            <a:endParaRPr lang="en-US" sz="1700" b="1" dirty="0" smtClean="0">
+            <a:endParaRPr lang="en-US" sz="1700" b="1" dirty="0">
               <a:latin typeface="Lucida Grande"/>
               <a:ea typeface="ヒラギノ角ゴ ProN W6"/>
               <a:cs typeface="ヒラギノ角ゴ ProN W6"/>
@@ -28885,7 +28555,7 @@
               <a:buNone/>
             </a:pPr>
             <a:r>
-              <a:rPr lang="en-US" sz="1700" b="1" dirty="0" smtClean="0">
+              <a:rPr lang="en-US" sz="1700" b="1" dirty="0">
                 <a:latin typeface="Lucida Grande"/>
                 <a:ea typeface="Lucida Grande"/>
                 <a:cs typeface="Lucida Grande"/>
@@ -28893,7 +28563,7 @@
               </a:rPr>
               <a:t>    address: { ... },</a:t>
             </a:r>
-            <a:endParaRPr lang="en-US" sz="1700" b="1" dirty="0" smtClean="0">
+            <a:endParaRPr lang="en-US" sz="1700" b="1" dirty="0">
               <a:latin typeface="Lucida Grande"/>
               <a:ea typeface="ヒラギノ角ゴ ProN W6"/>
               <a:cs typeface="ヒラギノ角ゴ ProN W6"/>
@@ -28909,7 +28579,7 @@
               <a:buNone/>
             </a:pPr>
             <a:r>
-              <a:rPr lang="en-US" sz="1700" b="1" dirty="0" smtClean="0">
+              <a:rPr lang="en-US" sz="1700" b="1" dirty="0">
                 <a:latin typeface="Lucida Grande"/>
                 <a:ea typeface="Lucida Grande"/>
                 <a:cs typeface="Lucida Grande"/>
@@ -28918,7 +28588,7 @@
               <a:t>    </a:t>
             </a:r>
             <a:r>
-              <a:rPr lang="en-US" sz="1700" b="1" dirty="0" err="1" smtClean="0">
+              <a:rPr lang="en-US" sz="1700" b="1" dirty="0" err="1">
                 <a:latin typeface="Lucida Grande"/>
                 <a:ea typeface="Lucida Grande"/>
                 <a:cs typeface="Lucida Grande"/>
@@ -28927,7 +28597,7 @@
               <a:t>checked_out</a:t>
             </a:r>
             <a:r>
-              <a:rPr lang="en-US" sz="1700" b="1" dirty="0" smtClean="0">
+              <a:rPr lang="en-US" sz="1700" b="1" dirty="0">
                 <a:latin typeface="Lucida Grande"/>
                 <a:ea typeface="Lucida Grande"/>
                 <a:cs typeface="Lucida Grande"/>
@@ -28935,7 +28605,7 @@
               </a:rPr>
               <a:t>: [</a:t>
             </a:r>
-            <a:endParaRPr lang="en-US" sz="1700" b="1" dirty="0" smtClean="0">
+            <a:endParaRPr lang="en-US" sz="1700" b="1" dirty="0">
               <a:latin typeface="Lucida Grande"/>
               <a:ea typeface="ヒラギノ角ゴ ProN W6"/>
               <a:cs typeface="ヒラギノ角ゴ ProN W6"/>
@@ -28951,7 +28621,7 @@
               <a:buNone/>
             </a:pPr>
             <a:r>
-              <a:rPr lang="en-US" sz="1700" b="1" dirty="0" smtClean="0">
+              <a:rPr lang="en-US" sz="1700" b="1" dirty="0">
                 <a:latin typeface="Lucida Grande"/>
                 <a:ea typeface="Lucida Grande"/>
                 <a:cs typeface="Lucida Grande"/>
@@ -28960,7 +28630,7 @@
               <a:t>         { _id: "123456789", </a:t>
             </a:r>
             <a:r>
-              <a:rPr lang="en-US" sz="1700" b="1" dirty="0" err="1" smtClean="0">
+              <a:rPr lang="en-US" sz="1700" b="1" dirty="0" err="1">
                 <a:latin typeface="Lucida Grande"/>
                 <a:ea typeface="Lucida Grande"/>
                 <a:cs typeface="Lucida Grande"/>
@@ -28969,7 +28639,7 @@
               <a:t>checked_out</a:t>
             </a:r>
             <a:r>
-              <a:rPr lang="en-US" sz="1700" b="1" dirty="0" smtClean="0">
+              <a:rPr lang="en-US" sz="1700" b="1" dirty="0">
                 <a:latin typeface="Lucida Grande"/>
                 <a:ea typeface="Lucida Grande"/>
                 <a:cs typeface="Lucida Grande"/>
@@ -28977,7 +28647,7 @@
               </a:rPr>
               <a:t>: "2012-10-15" },</a:t>
             </a:r>
-            <a:endParaRPr lang="en-US" sz="1700" b="1" dirty="0" smtClean="0">
+            <a:endParaRPr lang="en-US" sz="1700" b="1" dirty="0">
               <a:latin typeface="Lucida Grande"/>
               <a:ea typeface="ヒラギノ角ゴ ProN W6"/>
               <a:cs typeface="ヒラギノ角ゴ ProN W6"/>
@@ -28993,7 +28663,7 @@
               <a:buNone/>
             </a:pPr>
             <a:r>
-              <a:rPr lang="en-US" sz="1700" b="1" dirty="0" smtClean="0">
+              <a:rPr lang="en-US" sz="1700" b="1" dirty="0">
                 <a:latin typeface="Lucida Grande"/>
                 <a:ea typeface="Lucida Grande"/>
                 <a:cs typeface="Lucida Grande"/>
@@ -29002,7 +28672,7 @@
               <a:t>         { _id: "987654321", </a:t>
             </a:r>
             <a:r>
-              <a:rPr lang="en-US" sz="1700" b="1" dirty="0" err="1" smtClean="0">
+              <a:rPr lang="en-US" sz="1700" b="1" dirty="0" err="1">
                 <a:latin typeface="Lucida Grande"/>
                 <a:ea typeface="Lucida Grande"/>
                 <a:cs typeface="Lucida Grande"/>
@@ -29011,7 +28681,7 @@
               <a:t>checked_out</a:t>
             </a:r>
             <a:r>
-              <a:rPr lang="en-US" sz="1700" b="1" dirty="0" smtClean="0">
+              <a:rPr lang="en-US" sz="1700" b="1" dirty="0">
                 <a:latin typeface="Lucida Grande"/>
                 <a:ea typeface="Lucida Grande"/>
                 <a:cs typeface="Lucida Grande"/>
@@ -29019,7 +28689,7 @@
               </a:rPr>
               <a:t>: "2012-09-12" },</a:t>
             </a:r>
-            <a:endParaRPr lang="en-US" sz="1700" b="1" dirty="0" smtClean="0">
+            <a:endParaRPr lang="en-US" sz="1700" b="1" dirty="0">
               <a:latin typeface="Lucida Grande"/>
               <a:ea typeface="ヒラギノ角ゴ ProN W6"/>
               <a:cs typeface="ヒラギノ角ゴ ProN W6"/>
@@ -29035,7 +28705,7 @@
               <a:buNone/>
             </a:pPr>
             <a:r>
-              <a:rPr lang="en-US" sz="1700" b="1" dirty="0" smtClean="0">
+              <a:rPr lang="en-US" sz="1700" b="1" dirty="0">
                 <a:latin typeface="Lucida Grande"/>
                 <a:ea typeface="Lucida Grande"/>
                 <a:cs typeface="Lucida Grande"/>
@@ -29043,7 +28713,7 @@
               </a:rPr>
               <a:t>         ...</a:t>
             </a:r>
-            <a:endParaRPr lang="en-US" sz="1700" b="1" dirty="0" smtClean="0">
+            <a:endParaRPr lang="en-US" sz="1700" b="1" dirty="0">
               <a:latin typeface="Lucida Grande"/>
               <a:ea typeface="ヒラギノ角ゴ ProN W6"/>
               <a:cs typeface="ヒラギノ角ゴ ProN W6"/>
@@ -29059,7 +28729,7 @@
               <a:buNone/>
             </a:pPr>
             <a:r>
-              <a:rPr lang="en-US" sz="1700" b="1" dirty="0" smtClean="0">
+              <a:rPr lang="en-US" sz="1700" b="1" dirty="0">
                 <a:latin typeface="Lucida Grande"/>
                 <a:ea typeface="Lucida Grande"/>
                 <a:cs typeface="Lucida Grande"/>
@@ -29067,7 +28737,7 @@
               </a:rPr>
               <a:t>    ]</a:t>
             </a:r>
-            <a:endParaRPr lang="en-US" sz="1700" b="1" dirty="0" smtClean="0">
+            <a:endParaRPr lang="en-US" sz="1700" b="1" dirty="0">
               <a:latin typeface="Lucida Grande"/>
               <a:ea typeface="ヒラギノ角ゴ ProN W6"/>
               <a:cs typeface="ヒラギノ角ゴ ProN W6"/>
@@ -29083,7 +28753,7 @@
               <a:buNone/>
             </a:pPr>
             <a:r>
-              <a:rPr lang="en-US" sz="1700" b="1" dirty="0" smtClean="0">
+              <a:rPr lang="en-US" sz="1700" b="1" dirty="0">
                 <a:latin typeface="Lucida Grande"/>
                 <a:ea typeface="Lucida Grande"/>
                 <a:cs typeface="Lucida Grande"/>
@@ -29091,7 +28761,7 @@
               </a:rPr>
               <a:t>}</a:t>
             </a:r>
-            <a:endParaRPr lang="en-US" sz="1700" b="1" dirty="0" smtClean="0">
+            <a:endParaRPr lang="en-US" sz="1700" b="1" dirty="0">
               <a:latin typeface="Lucida Grande"/>
               <a:ea typeface="ヒラギノ角ゴ ProN W6"/>
               <a:cs typeface="ヒラギノ角ゴ ProN W6"/>
@@ -29143,13 +28813,6 @@
     <a:masterClrMapping/>
   </p:clrMapOvr>
   <p:transition spd="slow"/>
-  <p:timing>
-    <p:tnLst>
-      <p:par>
-        <p:cTn id="1" dur="indefinite" restart="never" nodeType="tmRoot"/>
-      </p:par>
-    </p:tnLst>
-  </p:timing>
 </p:sld>
 </file>
 
@@ -29186,10 +28849,9 @@
           <a:lstStyle/>
           <a:p>
             <a:r>
-              <a:rPr lang="en-IE" dirty="0" smtClean="0"/>
+              <a:rPr lang="en-IE" dirty="0"/>
               <a:t>Model Tree Structure</a:t>
             </a:r>
-            <a:endParaRPr lang="en-IE" dirty="0"/>
           </a:p>
         </p:txBody>
       </p:sp>
@@ -29283,11 +28945,7 @@
             </a:r>
             <a:r>
               <a:rPr lang="en-IE" sz="1700" dirty="0"/>
-              <a:t> } </a:t>
-            </a:r>
-            <a:r>
-              <a:rPr lang="en-IE" sz="1700" dirty="0" smtClean="0"/>
-              <a:t>)</a:t>
+              <a:t> } )</a:t>
             </a:r>
           </a:p>
           <a:p>
@@ -29308,11 +28966,7 @@
             </a:r>
             <a:r>
               <a:rPr lang="en-IE" sz="1700" dirty="0"/>
-              <a:t>" } ).</a:t>
-            </a:r>
-            <a:r>
-              <a:rPr lang="en-IE" sz="1700" dirty="0" smtClean="0"/>
-              <a:t>parent</a:t>
+              <a:t>" } ).parent</a:t>
             </a:r>
           </a:p>
           <a:p>
@@ -29322,11 +28976,7 @@
             </a:r>
             <a:r>
               <a:rPr lang="en-IE" sz="1700" dirty="0"/>
-              <a:t>( { parent: 1 } </a:t>
-            </a:r>
-            <a:r>
-              <a:rPr lang="en-IE" sz="1700" dirty="0" smtClean="0"/>
-              <a:t>)</a:t>
+              <a:t>( { parent: 1 } )</a:t>
             </a:r>
           </a:p>
           <a:p>
@@ -29338,7 +28988,6 @@
               <a:rPr lang="en-IE" sz="1700" dirty="0"/>
               <a:t>( { parent: "Databases" } )</a:t>
             </a:r>
-            <a:endParaRPr lang="en-IE" sz="1700" dirty="0" smtClean="0"/>
           </a:p>
           <a:p>
             <a:endParaRPr lang="en-IE" sz="1700" dirty="0"/>
@@ -29364,7 +29013,7 @@
               <a:defRPr/>
             </a:pPr>
             <a:r>
-              <a:rPr lang="en-US" smtClean="0"/>
+              <a:rPr lang="en-US"/>
               <a:t>2012/2013 - DT228/4</a:t>
             </a:r>
             <a:endParaRPr lang="en-IE" dirty="0"/>
@@ -29440,13 +29089,6 @@
   <p:clrMapOvr>
     <a:masterClrMapping/>
   </p:clrMapOvr>
-  <p:timing>
-    <p:tnLst>
-      <p:par>
-        <p:cTn id="1" dur="indefinite" restart="never" nodeType="tmRoot"/>
-      </p:par>
-    </p:tnLst>
-  </p:timing>
 </p:sld>
 </file>
 
@@ -29483,10 +29125,9 @@
           <a:lstStyle/>
           <a:p>
             <a:r>
-              <a:rPr lang="en-IE" dirty="0" smtClean="0"/>
+              <a:rPr lang="en-IE" dirty="0"/>
               <a:t>Another Example</a:t>
             </a:r>
-            <a:endParaRPr lang="en-IE" dirty="0"/>
           </a:p>
         </p:txBody>
       </p:sp>
@@ -29509,7 +29150,7 @@
               <a:defRPr/>
             </a:pPr>
             <a:r>
-              <a:rPr lang="en-US" smtClean="0"/>
+              <a:rPr lang="en-US"/>
               <a:t>2012/2013 - DT228/4</a:t>
             </a:r>
             <a:endParaRPr lang="en-IE" dirty="0"/>
@@ -29723,13 +29364,6 @@
   <p:clrMapOvr>
     <a:masterClrMapping/>
   </p:clrMapOvr>
-  <p:timing>
-    <p:tnLst>
-      <p:par>
-        <p:cTn id="1" dur="indefinite" restart="never" nodeType="tmRoot"/>
-      </p:par>
-    </p:tnLst>
-  </p:timing>
 </p:sld>
 </file>
 
@@ -29766,10 +29400,9 @@
           <a:lstStyle/>
           <a:p>
             <a:r>
-              <a:rPr lang="en-IE" dirty="0" smtClean="0"/>
+              <a:rPr lang="en-IE" dirty="0"/>
               <a:t>MongoDB Document</a:t>
             </a:r>
-            <a:endParaRPr lang="en-IE" dirty="0"/>
           </a:p>
         </p:txBody>
       </p:sp>
@@ -30052,7 +29685,7 @@
               <a:defRPr/>
             </a:pPr>
             <a:r>
-              <a:rPr lang="en-US" smtClean="0"/>
+              <a:rPr lang="en-US"/>
               <a:t>2012/2013 - DT228/4</a:t>
             </a:r>
             <a:endParaRPr lang="en-IE" dirty="0"/>
@@ -30098,13 +29731,6 @@
   <p:clrMapOvr>
     <a:masterClrMapping/>
   </p:clrMapOvr>
-  <p:timing>
-    <p:tnLst>
-      <p:par>
-        <p:cTn id="1" dur="indefinite" restart="never" nodeType="tmRoot"/>
-      </p:par>
-    </p:tnLst>
-  </p:timing>
 </p:sld>
 </file>
 
@@ -30142,13 +29768,8 @@
           <a:p>
             <a:r>
               <a:rPr lang="en-IE" dirty="0"/>
-              <a:t>Some considerations while designing Schema in </a:t>
-            </a:r>
-            <a:r>
-              <a:rPr lang="en-IE" dirty="0" smtClean="0"/>
-              <a:t>MongoDB</a:t>
-            </a:r>
-            <a:endParaRPr lang="en-IE" dirty="0"/>
+              <a:t>Some considerations while designing Schema in MongoDB</a:t>
+            </a:r>
           </a:p>
         </p:txBody>
       </p:sp>
@@ -30168,12 +29789,8 @@
           <a:lstStyle/>
           <a:p>
             <a:r>
-              <a:rPr lang="en-IE" sz="2400" dirty="0" smtClean="0"/>
-              <a:t>Design </a:t>
-            </a:r>
-            <a:r>
               <a:rPr lang="en-IE" sz="2400" dirty="0"/>
-              <a:t>your schema according to user requirements.</a:t>
+              <a:t>Design your schema according to user requirements.</a:t>
             </a:r>
           </a:p>
           <a:p>
@@ -30230,7 +29847,7 @@
               <a:defRPr/>
             </a:pPr>
             <a:r>
-              <a:rPr lang="en-US" smtClean="0"/>
+              <a:rPr lang="en-US"/>
               <a:t>2012/2013 - DT228/4</a:t>
             </a:r>
             <a:endParaRPr lang="en-IE" dirty="0"/>
@@ -30276,13 +29893,6 @@
   <p:clrMapOvr>
     <a:masterClrMapping/>
   </p:clrMapOvr>
-  <p:timing>
-    <p:tnLst>
-      <p:par>
-        <p:cTn id="1" dur="indefinite" restart="never" nodeType="tmRoot"/>
-      </p:par>
-    </p:tnLst>
-  </p:timing>
 </p:sld>
 </file>
 
@@ -30331,8 +29941,8 @@
               </a:spcAft>
               <a:defRPr/>
             </a:pPr>
-            <a:r>
-              <a:rPr lang="en-US" dirty="0" smtClean="0">
+            <a:br>
+              <a:rPr lang="en-US" dirty="0">
                 <a:solidFill>
                   <a:schemeClr val="tx1">
                     <a:lumMod val="85000"/>
@@ -30340,10 +29950,9 @@
                   </a:schemeClr>
                 </a:solidFill>
               </a:rPr>
-              <a:t/>
-            </a:r>
-            <a:br>
-              <a:rPr lang="en-US" dirty="0" smtClean="0">
+            </a:br>
+            <a:r>
+              <a:rPr lang="en-US" dirty="0">
                 <a:solidFill>
                   <a:schemeClr val="tx1">
                     <a:lumMod val="85000"/>
@@ -30351,20 +29960,10 @@
                   </a:schemeClr>
                 </a:solidFill>
               </a:rPr>
-            </a:br>
-            <a:r>
-              <a:rPr lang="en-US" dirty="0" smtClean="0">
-                <a:solidFill>
-                  <a:schemeClr val="tx1">
-                    <a:lumMod val="85000"/>
-                    <a:lumOff val="15000"/>
-                  </a:schemeClr>
-                </a:solidFill>
-              </a:rPr>
               <a:t>Index in </a:t>
             </a:r>
             <a:r>
-              <a:rPr lang="en-US" dirty="0" err="1" smtClean="0">
+              <a:rPr lang="en-US" dirty="0" err="1">
                 <a:solidFill>
                   <a:schemeClr val="tx1">
                     <a:lumMod val="85000"/>
@@ -30395,13 +29994,6 @@
   <p:clrMapOvr>
     <a:masterClrMapping/>
   </p:clrMapOvr>
-  <p:timing>
-    <p:tnLst>
-      <p:par>
-        <p:cTn id="1" dur="indefinite" restart="never" nodeType="tmRoot"/>
-      </p:par>
-    </p:tnLst>
-  </p:timing>
 </p:sld>
 </file>
 
@@ -30438,7 +30030,7 @@
           <a:lstStyle/>
           <a:p>
             <a:r>
-              <a:rPr lang="en-US" dirty="0" smtClean="0">
+              <a:rPr lang="en-US" dirty="0">
                 <a:solidFill>
                   <a:schemeClr val="tx1"/>
                 </a:solidFill>
@@ -30464,18 +30056,18 @@
           <a:lstStyle/>
           <a:p>
             <a:r>
-              <a:rPr lang="en-US" b="1" smtClean="0"/>
+              <a:rPr lang="en-US" b="1"/>
               <a:t>What does database normally do when we query?</a:t>
             </a:r>
           </a:p>
           <a:p>
             <a:pPr lvl="1"/>
             <a:r>
-              <a:rPr lang="en-US" sz="1800" b="1" smtClean="0"/>
+              <a:rPr lang="en-US" sz="1800" b="1"/>
               <a:t>MongoDB must scan </a:t>
             </a:r>
             <a:r>
-              <a:rPr lang="en-US" sz="1800" b="1" smtClean="0">
+              <a:rPr lang="en-US" sz="1800" b="1">
                 <a:solidFill>
                   <a:srgbClr val="FF0000"/>
                 </a:solidFill>
@@ -30483,18 +30075,18 @@
               <a:t>every</a:t>
             </a:r>
             <a:r>
-              <a:rPr lang="en-US" sz="1800" b="1" smtClean="0"/>
+              <a:rPr lang="en-US" sz="1800" b="1"/>
               <a:t> document.</a:t>
             </a:r>
           </a:p>
           <a:p>
             <a:pPr lvl="1"/>
             <a:r>
-              <a:rPr lang="en-US" sz="1800" b="1" smtClean="0"/>
+              <a:rPr lang="en-US" sz="1800" b="1"/>
               <a:t>Inefficient because process </a:t>
             </a:r>
             <a:r>
-              <a:rPr lang="en-US" sz="1800" b="1" smtClean="0">
+              <a:rPr lang="en-US" sz="1800" b="1">
                 <a:solidFill>
                   <a:srgbClr val="FF0000"/>
                 </a:solidFill>
@@ -30502,12 +30094,12 @@
               <a:t>large volume</a:t>
             </a:r>
             <a:r>
-              <a:rPr lang="en-US" sz="1800" b="1" smtClean="0"/>
+              <a:rPr lang="en-US" sz="1800" b="1"/>
               <a:t> of data</a:t>
             </a:r>
           </a:p>
           <a:p>
-            <a:endParaRPr lang="en-US" sz="1600" smtClean="0"/>
+            <a:endParaRPr lang="en-US" sz="1600"/>
           </a:p>
         </p:txBody>
       </p:sp>
@@ -30718,13 +30310,6 @@
   <p:clrMapOvr>
     <a:masterClrMapping/>
   </p:clrMapOvr>
-  <p:timing>
-    <p:tnLst>
-      <p:par>
-        <p:cTn id="1" dur="indefinite" restart="never" nodeType="tmRoot"/>
-      </p:par>
-    </p:tnLst>
-  </p:timing>
 </p:sld>
 </file>
 
@@ -30761,7 +30346,7 @@
           <a:lstStyle/>
           <a:p>
             <a:r>
-              <a:rPr lang="en-US" smtClean="0"/>
+              <a:rPr lang="en-US"/>
               <a:t>Definition of Index</a:t>
             </a:r>
           </a:p>
@@ -30798,7 +30383,7 @@
               <a:defRPr/>
             </a:pPr>
             <a:r>
-              <a:rPr lang="en-US" b="1" dirty="0" smtClean="0">
+              <a:rPr lang="en-US" b="1" dirty="0">
                 <a:solidFill>
                   <a:schemeClr val="tx1">
                     <a:lumMod val="75000"/>
@@ -30819,7 +30404,7 @@
               <a:defRPr/>
             </a:pPr>
             <a:r>
-              <a:rPr lang="en-US" sz="1800" b="1" dirty="0" smtClean="0">
+              <a:rPr lang="en-US" sz="1800" b="1" dirty="0">
                 <a:solidFill>
                   <a:schemeClr val="tx1">
                     <a:lumMod val="75000"/>
@@ -30830,7 +30415,7 @@
               <a:t>Indexes are special data structures that store a small portion of the </a:t>
             </a:r>
             <a:r>
-              <a:rPr lang="en-US" sz="1800" b="1" dirty="0" smtClean="0">
+              <a:rPr lang="en-US" sz="1800" b="1" dirty="0">
                 <a:solidFill>
                   <a:srgbClr val="FF0000"/>
                 </a:solidFill>
@@ -30838,7 +30423,7 @@
               <a:t>collection</a:t>
             </a:r>
             <a:r>
-              <a:rPr lang="en-US" sz="1800" b="1" dirty="0" smtClean="0">
+              <a:rPr lang="en-US" sz="1800" b="1" dirty="0">
                 <a:solidFill>
                   <a:schemeClr val="tx1">
                     <a:lumMod val="75000"/>
@@ -30858,7 +30443,7 @@
               <a:buChar char=""/>
               <a:defRPr/>
             </a:pPr>
-            <a:endParaRPr lang="en-US" sz="1600" dirty="0" smtClean="0">
+            <a:endParaRPr lang="en-US" sz="1600" dirty="0">
               <a:solidFill>
                 <a:schemeClr val="tx1">
                   <a:lumMod val="75000"/>
@@ -31032,13 +30617,6 @@
   <p:clrMapOvr>
     <a:masterClrMapping/>
   </p:clrMapOvr>
-  <p:timing>
-    <p:tnLst>
-      <p:par>
-        <p:cTn id="1" dur="indefinite" restart="never" nodeType="tmRoot"/>
-      </p:par>
-    </p:tnLst>
-  </p:timing>
 </p:sld>
 </file>
 
@@ -31075,7 +30653,7 @@
           <a:lstStyle/>
           <a:p>
             <a:r>
-              <a:rPr lang="en-US" smtClean="0"/>
+              <a:rPr lang="en-US"/>
               <a:t>Index in MongoDB</a:t>
             </a:r>
           </a:p>
@@ -31112,7 +30690,7 @@
               <a:defRPr/>
             </a:pPr>
             <a:r>
-              <a:rPr lang="en-US" sz="2200" b="1" dirty="0" smtClean="0">
+              <a:rPr lang="en-US" sz="2200" b="1" dirty="0">
                 <a:solidFill>
                   <a:schemeClr val="tx1">
                     <a:lumMod val="75000"/>
@@ -31133,7 +30711,7 @@
               <a:defRPr/>
             </a:pPr>
             <a:r>
-              <a:rPr lang="en-US" sz="2200" dirty="0" err="1" smtClean="0">
+              <a:rPr lang="en-US" sz="2200" dirty="0" err="1">
                 <a:solidFill>
                   <a:schemeClr val="tx1">
                     <a:lumMod val="75000"/>
@@ -31144,7 +30722,7 @@
               <a:t>db.users</a:t>
             </a:r>
             <a:r>
-              <a:rPr lang="en-US" sz="2200" dirty="0" smtClean="0">
+              <a:rPr lang="en-US" sz="2200" dirty="0">
                 <a:solidFill>
                   <a:schemeClr val="tx1">
                     <a:lumMod val="75000"/>
@@ -31163,7 +30741,7 @@
               <a:t>createIndex</a:t>
             </a:r>
             <a:r>
-              <a:rPr lang="en-US" sz="2200" dirty="0" smtClean="0">
+              <a:rPr lang="en-US" sz="2200" dirty="0">
                 <a:solidFill>
                   <a:schemeClr val="tx1">
                     <a:lumMod val="75000"/>
@@ -31171,49 +30749,8 @@
                   </a:schemeClr>
                 </a:solidFill>
               </a:rPr>
-              <a:t>( </a:t>
-            </a:r>
-            <a:r>
-              <a:rPr lang="en-US" sz="2200" dirty="0">
-                <a:solidFill>
-                  <a:schemeClr val="tx1">
-                    <a:lumMod val="75000"/>
-                    <a:lumOff val="25000"/>
-                  </a:schemeClr>
-                </a:solidFill>
-              </a:rPr>
-              <a:t>{ </a:t>
-            </a:r>
-            <a:r>
-              <a:rPr lang="en-US" sz="2200" dirty="0" smtClean="0">
-                <a:solidFill>
-                  <a:schemeClr val="tx1">
-                    <a:lumMod val="75000"/>
-                    <a:lumOff val="25000"/>
-                  </a:schemeClr>
-                </a:solidFill>
-              </a:rPr>
-              <a:t>score: </a:t>
-            </a:r>
-            <a:r>
-              <a:rPr lang="en-US" sz="2200" dirty="0">
-                <a:solidFill>
-                  <a:schemeClr val="tx1">
-                    <a:lumMod val="75000"/>
-                    <a:lumOff val="25000"/>
-                  </a:schemeClr>
-                </a:solidFill>
-              </a:rPr>
-              <a:t>1 } ) </a:t>
-            </a:r>
-            <a:endParaRPr lang="en-US" sz="2200" dirty="0" smtClean="0">
-              <a:solidFill>
-                <a:schemeClr val="tx1">
-                  <a:lumMod val="75000"/>
-                  <a:lumOff val="25000"/>
-                </a:schemeClr>
-              </a:solidFill>
-            </a:endParaRPr>
+              <a:t>( { score: 1 } ) </a:t>
+            </a:r>
           </a:p>
           <a:p>
             <a:pPr fontAlgn="auto">
@@ -31225,7 +30762,7 @@
               <a:defRPr/>
             </a:pPr>
             <a:r>
-              <a:rPr lang="en-US" sz="2200" b="1" dirty="0" smtClean="0">
+              <a:rPr lang="en-US" sz="2200" b="1" dirty="0">
                 <a:solidFill>
                   <a:schemeClr val="tx1">
                     <a:lumMod val="75000"/>
@@ -31246,7 +30783,7 @@
               <a:defRPr/>
             </a:pPr>
             <a:r>
-              <a:rPr lang="en-US" sz="2200" dirty="0" err="1" smtClean="0">
+              <a:rPr lang="en-US" sz="2200" dirty="0" err="1">
                 <a:solidFill>
                   <a:schemeClr val="tx1">
                     <a:lumMod val="75000"/>
@@ -31257,7 +30794,7 @@
               <a:t>db.users.getIndexes</a:t>
             </a:r>
             <a:r>
-              <a:rPr lang="en-US" sz="2200" dirty="0" smtClean="0">
+              <a:rPr lang="en-US" sz="2200" dirty="0">
                 <a:solidFill>
                   <a:schemeClr val="tx1">
                     <a:lumMod val="75000"/>
@@ -31278,7 +30815,7 @@
               <a:defRPr/>
             </a:pPr>
             <a:r>
-              <a:rPr lang="en-US" sz="2200" b="1" dirty="0" smtClean="0">
+              <a:rPr lang="en-US" sz="2200" b="1" dirty="0">
                 <a:solidFill>
                   <a:schemeClr val="tx1">
                     <a:lumMod val="75000"/>
@@ -31299,7 +30836,7 @@
               <a:defRPr/>
             </a:pPr>
             <a:r>
-              <a:rPr lang="en-US" sz="2200" dirty="0" err="1" smtClean="0">
+              <a:rPr lang="en-US" sz="2200" dirty="0" err="1">
                 <a:solidFill>
                   <a:schemeClr val="tx1">
                     <a:lumMod val="75000"/>
@@ -31318,69 +30855,11 @@
                   </a:schemeClr>
                 </a:solidFill>
               </a:rPr>
-              <a:t>( </a:t>
-            </a:r>
-            <a:r>
-              <a:rPr lang="en-US" sz="2200" dirty="0" smtClean="0">
-                <a:solidFill>
-                  <a:schemeClr val="tx1">
-                    <a:lumMod val="75000"/>
-                    <a:lumOff val="25000"/>
-                  </a:schemeClr>
-                </a:solidFill>
-              </a:rPr>
-              <a:t>{score: 1} </a:t>
-            </a:r>
-            <a:r>
-              <a:rPr lang="en-US" sz="2200" dirty="0">
-                <a:solidFill>
-                  <a:schemeClr val="tx1">
-                    <a:lumMod val="75000"/>
-                    <a:lumOff val="25000"/>
-                  </a:schemeClr>
-                </a:solidFill>
-              </a:rPr>
-              <a:t>) </a:t>
+              <a:t>( {score: 1} ) </a:t>
             </a:r>
           </a:p>
           <a:p>
             <a:pPr lvl="1" fontAlgn="auto">
-              <a:spcAft>
-                <a:spcPts val="0"/>
-              </a:spcAft>
-              <a:buFont typeface="Wingdings 3" charset="2"/>
-              <a:buChar char=""/>
-              <a:defRPr/>
-            </a:pPr>
-            <a:endParaRPr lang="en-US" sz="2200" dirty="0" smtClean="0">
-              <a:solidFill>
-                <a:schemeClr val="tx1">
-                  <a:lumMod val="75000"/>
-                  <a:lumOff val="25000"/>
-                </a:schemeClr>
-              </a:solidFill>
-            </a:endParaRPr>
-          </a:p>
-          <a:p>
-            <a:pPr lvl="1" fontAlgn="auto">
-              <a:spcAft>
-                <a:spcPts val="0"/>
-              </a:spcAft>
-              <a:buFont typeface="Wingdings 3" charset="2"/>
-              <a:buChar char=""/>
-              <a:defRPr/>
-            </a:pPr>
-            <a:endParaRPr lang="en-US" sz="2200" b="1" dirty="0" smtClean="0">
-              <a:solidFill>
-                <a:schemeClr val="tx1">
-                  <a:lumMod val="75000"/>
-                  <a:lumOff val="25000"/>
-                </a:schemeClr>
-              </a:solidFill>
-            </a:endParaRPr>
-          </a:p>
-          <a:p>
-            <a:pPr fontAlgn="auto">
               <a:spcAft>
                 <a:spcPts val="0"/>
               </a:spcAft>
@@ -31398,6 +30877,24 @@
             </a:endParaRPr>
           </a:p>
           <a:p>
+            <a:pPr lvl="1" fontAlgn="auto">
+              <a:spcAft>
+                <a:spcPts val="0"/>
+              </a:spcAft>
+              <a:buFont typeface="Wingdings 3" charset="2"/>
+              <a:buChar char=""/>
+              <a:defRPr/>
+            </a:pPr>
+            <a:endParaRPr lang="en-US" sz="2200" b="1" dirty="0">
+              <a:solidFill>
+                <a:schemeClr val="tx1">
+                  <a:lumMod val="75000"/>
+                  <a:lumOff val="25000"/>
+                </a:schemeClr>
+              </a:solidFill>
+            </a:endParaRPr>
+          </a:p>
+          <a:p>
             <a:pPr fontAlgn="auto">
               <a:spcAft>
                 <a:spcPts val="0"/>
@@ -31406,7 +30903,25 @@
               <a:buChar char=""/>
               <a:defRPr/>
             </a:pPr>
-            <a:endParaRPr lang="en-US" sz="2200" dirty="0" smtClean="0">
+            <a:endParaRPr lang="en-US" sz="2200" dirty="0">
+              <a:solidFill>
+                <a:schemeClr val="tx1">
+                  <a:lumMod val="75000"/>
+                  <a:lumOff val="25000"/>
+                </a:schemeClr>
+              </a:solidFill>
+            </a:endParaRPr>
+          </a:p>
+          <a:p>
+            <a:pPr fontAlgn="auto">
+              <a:spcAft>
+                <a:spcPts val="0"/>
+              </a:spcAft>
+              <a:buFont typeface="Wingdings 3" charset="2"/>
+              <a:buChar char=""/>
+              <a:defRPr/>
+            </a:pPr>
+            <a:endParaRPr lang="en-US" sz="2200" dirty="0">
               <a:solidFill>
                 <a:schemeClr val="tx1">
                   <a:lumMod val="75000"/>
@@ -31427,13 +30942,6 @@
   <p:clrMapOvr>
     <a:masterClrMapping/>
   </p:clrMapOvr>
-  <p:timing>
-    <p:tnLst>
-      <p:par>
-        <p:cTn id="1" dur="indefinite" restart="never" nodeType="tmRoot"/>
-      </p:par>
-    </p:tnLst>
-  </p:timing>
 </p:sld>
 </file>
 
@@ -31470,7 +30978,7 @@
           <a:lstStyle/>
           <a:p>
             <a:r>
-              <a:rPr lang="en-US" dirty="0" smtClean="0"/>
+              <a:rPr lang="en-US" dirty="0"/>
               <a:t>Motivations</a:t>
             </a:r>
           </a:p>
@@ -31502,7 +31010,7 @@
               <a:defRPr/>
             </a:pPr>
             <a:r>
-              <a:rPr lang="en-US" sz="1900" dirty="0" smtClean="0">
+              <a:rPr lang="en-US" sz="1900" dirty="0">
                 <a:solidFill>
                   <a:schemeClr val="tx1">
                     <a:lumMod val="75000"/>
@@ -31523,7 +31031,7 @@
               <a:defRPr/>
             </a:pPr>
             <a:r>
-              <a:rPr lang="en-US" sz="2800" dirty="0" smtClean="0">
+              <a:rPr lang="en-US" sz="2800" dirty="0">
                 <a:solidFill>
                   <a:schemeClr val="tx1">
                     <a:lumMod val="75000"/>
@@ -31544,7 +31052,7 @@
               <a:defRPr/>
             </a:pPr>
             <a:r>
-              <a:rPr lang="en-US" sz="2800" dirty="0" smtClean="0">
+              <a:rPr lang="en-US" sz="2800" dirty="0">
                 <a:solidFill>
                   <a:schemeClr val="tx1">
                     <a:lumMod val="75000"/>
@@ -31565,7 +31073,7 @@
               <a:defRPr/>
             </a:pPr>
             <a:r>
-              <a:rPr lang="en-US" sz="2800" dirty="0" smtClean="0">
+              <a:rPr lang="en-US" sz="2800" dirty="0">
                 <a:solidFill>
                   <a:schemeClr val="tx1">
                     <a:lumMod val="75000"/>
@@ -31585,7 +31093,7 @@
               <a:buNone/>
               <a:defRPr/>
             </a:pPr>
-            <a:endParaRPr lang="en-US" sz="2800" dirty="0" smtClean="0">
+            <a:endParaRPr lang="en-US" sz="2800" dirty="0">
               <a:solidFill>
                 <a:schemeClr val="tx1">
                   <a:lumMod val="75000"/>
@@ -31604,7 +31112,7 @@
               <a:defRPr/>
             </a:pPr>
             <a:r>
-              <a:rPr lang="en-US" sz="1900" dirty="0" smtClean="0">
+              <a:rPr lang="en-US" sz="1900" dirty="0">
                 <a:solidFill>
                   <a:schemeClr val="tx1">
                     <a:lumMod val="75000"/>
@@ -31615,7 +31123,7 @@
               <a:t>Benefits of </a:t>
             </a:r>
             <a:r>
-              <a:rPr lang="en-US" sz="1900" dirty="0" err="1" smtClean="0">
+              <a:rPr lang="en-US" sz="1900" dirty="0" err="1">
                 <a:solidFill>
                   <a:schemeClr val="tx1">
                     <a:lumMod val="75000"/>
@@ -31625,7 +31133,7 @@
               </a:rPr>
               <a:t>mongoDB</a:t>
             </a:r>
-            <a:endParaRPr lang="en-US" sz="1900" dirty="0" smtClean="0">
+            <a:endParaRPr lang="en-US" sz="1900" dirty="0">
               <a:solidFill>
                 <a:schemeClr val="tx1">
                   <a:lumMod val="75000"/>
@@ -31644,7 +31152,7 @@
               <a:defRPr/>
             </a:pPr>
             <a:r>
-              <a:rPr lang="en-US" sz="2800" dirty="0" smtClean="0">
+              <a:rPr lang="en-US" sz="2800" dirty="0">
                 <a:solidFill>
                   <a:schemeClr val="tx1">
                     <a:lumMod val="75000"/>
@@ -31655,7 +31163,7 @@
               <a:t>Easy interface with common languages (Java, </a:t>
             </a:r>
             <a:r>
-              <a:rPr lang="en-US" sz="2800" dirty="0" err="1" smtClean="0">
+              <a:rPr lang="en-US" sz="2800" dirty="0" err="1">
                 <a:solidFill>
                   <a:schemeClr val="tx1">
                     <a:lumMod val="75000"/>
@@ -31666,7 +31174,7 @@
               <a:t>Javascript</a:t>
             </a:r>
             <a:r>
-              <a:rPr lang="en-US" sz="2800" dirty="0" smtClean="0">
+              <a:rPr lang="en-US" sz="2800" dirty="0">
                 <a:solidFill>
                   <a:schemeClr val="tx1">
                     <a:lumMod val="75000"/>
@@ -31687,7 +31195,7 @@
               <a:defRPr/>
             </a:pPr>
             <a:r>
-              <a:rPr lang="en-US" sz="2800" dirty="0" smtClean="0">
+              <a:rPr lang="en-US" sz="2800" dirty="0">
                 <a:solidFill>
                   <a:schemeClr val="tx1">
                     <a:lumMod val="75000"/>
@@ -31708,7 +31216,7 @@
               <a:defRPr/>
             </a:pPr>
             <a:r>
-              <a:rPr lang="en-US" sz="2800" dirty="0" smtClean="0">
+              <a:rPr lang="en-US" sz="2800" dirty="0">
                 <a:solidFill>
                   <a:schemeClr val="tx1">
                     <a:lumMod val="75000"/>
@@ -31719,7 +31227,7 @@
               <a:t>Keeps essential features of RDBMS’s while learning from key-value </a:t>
             </a:r>
             <a:r>
-              <a:rPr lang="en-US" sz="2800" dirty="0" err="1" smtClean="0">
+              <a:rPr lang="en-US" sz="2800" dirty="0" err="1">
                 <a:solidFill>
                   <a:schemeClr val="tx1">
                     <a:lumMod val="75000"/>
@@ -31730,7 +31238,7 @@
               <a:t>noSQL</a:t>
             </a:r>
             <a:r>
-              <a:rPr lang="en-US" sz="2800" dirty="0" smtClean="0">
+              <a:rPr lang="en-US" sz="2800" dirty="0">
                 <a:solidFill>
                   <a:schemeClr val="tx1">
                     <a:lumMod val="75000"/>
@@ -31750,7 +31258,7 @@
               <a:buNone/>
               <a:defRPr/>
             </a:pPr>
-            <a:endParaRPr lang="en-US" sz="2400" dirty="0" smtClean="0">
+            <a:endParaRPr lang="en-US" sz="2400" dirty="0">
               <a:solidFill>
                 <a:schemeClr val="tx1">
                   <a:lumMod val="75000"/>
@@ -31771,13 +31279,6 @@
   <p:clrMapOvr>
     <a:masterClrMapping/>
   </p:clrMapOvr>
-  <p:timing>
-    <p:tnLst>
-      <p:par>
-        <p:cTn id="1" dur="indefinite" restart="never" nodeType="tmRoot"/>
-      </p:par>
-    </p:tnLst>
-  </p:timing>
 </p:sld>
 </file>
 
@@ -31814,7 +31315,7 @@
           <a:lstStyle/>
           <a:p>
             <a:r>
-              <a:rPr lang="en-US" smtClean="0"/>
+              <a:rPr lang="en-US"/>
               <a:t>Index in MongoDB</a:t>
             </a:r>
           </a:p>
@@ -32080,7 +31581,7 @@
                 <a:defRPr/>
               </a:pPr>
               <a:r>
-                <a:rPr lang="en-US" b="1" kern="0" dirty="0" smtClean="0"/>
+                <a:rPr lang="en-US" b="1" kern="0" dirty="0"/>
                 <a:t>Single Field Indexes</a:t>
               </a:r>
               <a:endParaRPr lang="en-US" kern="0" dirty="0"/>
@@ -32090,7 +31591,7 @@
                 <a:defRPr/>
               </a:pPr>
               <a:r>
-                <a:rPr lang="en-US" sz="2400" dirty="0" err="1" smtClean="0"/>
+                <a:rPr lang="en-US" sz="2400" dirty="0" err="1"/>
                 <a:t>db.users</a:t>
               </a:r>
               <a:r>
@@ -32110,7 +31611,7 @@
               <a:pPr>
                 <a:defRPr/>
               </a:pPr>
-              <a:endParaRPr lang="en-US" b="1" kern="0" dirty="0" smtClean="0"/>
+              <a:endParaRPr lang="en-US" b="1" kern="0" dirty="0"/>
             </a:p>
             <a:p>
               <a:pPr>
@@ -32122,7 +31623,7 @@
               <a:pPr>
                 <a:defRPr/>
               </a:pPr>
-              <a:endParaRPr lang="en-US" b="1" kern="0" dirty="0" smtClean="0"/>
+              <a:endParaRPr lang="en-US" b="1" kern="0" dirty="0"/>
             </a:p>
             <a:p>
               <a:pPr>
@@ -32134,7 +31635,7 @@
               <a:pPr>
                 <a:defRPr/>
               </a:pPr>
-              <a:endParaRPr lang="en-US" b="1" kern="0" dirty="0" smtClean="0"/>
+              <a:endParaRPr lang="en-US" b="1" kern="0" dirty="0"/>
             </a:p>
             <a:p>
               <a:pPr marL="457200" lvl="1" indent="0">
@@ -32142,7 +31643,7 @@
                 <a:buNone/>
                 <a:defRPr/>
               </a:pPr>
-              <a:endParaRPr lang="en-US" sz="2400" b="1" kern="0" dirty="0" smtClean="0"/>
+              <a:endParaRPr lang="en-US" sz="2400" b="1" kern="0" dirty="0"/>
             </a:p>
             <a:p>
               <a:pPr lvl="1">
@@ -32154,7 +31655,7 @@
               <a:pPr>
                 <a:defRPr/>
               </a:pPr>
-              <a:endParaRPr lang="en-US" kern="0" dirty="0" smtClean="0"/>
+              <a:endParaRPr lang="en-US" kern="0" dirty="0"/>
             </a:p>
           </p:txBody>
         </p:sp>
@@ -32261,13 +31762,6 @@
   <p:clrMapOvr>
     <a:masterClrMapping/>
   </p:clrMapOvr>
-  <p:timing>
-    <p:tnLst>
-      <p:par>
-        <p:cTn id="1" dur="indefinite" restart="never" nodeType="tmRoot"/>
-      </p:par>
-    </p:tnLst>
-  </p:timing>
 </p:sld>
 </file>
 
@@ -32304,7 +31798,7 @@
           <a:lstStyle/>
           <a:p>
             <a:r>
-              <a:rPr lang="en-US" smtClean="0"/>
+              <a:rPr lang="en-US"/>
               <a:t>Index in MongoDB</a:t>
             </a:r>
           </a:p>
@@ -32563,7 +32057,7 @@
               <a:defRPr/>
             </a:pPr>
             <a:r>
-              <a:rPr lang="en-US" sz="2200" dirty="0" err="1" smtClean="0"/>
+              <a:rPr lang="en-US" sz="2200" dirty="0" err="1"/>
               <a:t>db.users</a:t>
             </a:r>
             <a:r>
@@ -32576,22 +32070,14 @@
             </a:r>
             <a:r>
               <a:rPr lang="en-US" sz="2200" dirty="0"/>
-              <a:t>( { </a:t>
-            </a:r>
-            <a:r>
-              <a:rPr lang="en-US" sz="2200" dirty="0" smtClean="0"/>
-              <a:t>userid:1, score: -1 </a:t>
-            </a:r>
-            <a:r>
-              <a:rPr lang="en-US" sz="2200" dirty="0"/>
-              <a:t>} ) </a:t>
+              <a:t>( { userid:1, score: -1 } ) </a:t>
             </a:r>
           </a:p>
           <a:p>
             <a:pPr>
               <a:defRPr/>
             </a:pPr>
-            <a:endParaRPr lang="en-US" sz="2200" b="1" kern="0" dirty="0" smtClean="0"/>
+            <a:endParaRPr lang="en-US" sz="2200" b="1" kern="0" dirty="0"/>
           </a:p>
           <a:p>
             <a:pPr>
@@ -32603,7 +32089,7 @@
             <a:pPr>
               <a:defRPr/>
             </a:pPr>
-            <a:endParaRPr lang="en-US" sz="2200" b="1" kern="0" dirty="0" smtClean="0"/>
+            <a:endParaRPr lang="en-US" sz="2200" b="1" kern="0" dirty="0"/>
           </a:p>
           <a:p>
             <a:pPr>
@@ -32615,7 +32101,7 @@
             <a:pPr>
               <a:defRPr/>
             </a:pPr>
-            <a:endParaRPr lang="en-US" sz="2200" b="1" kern="0" dirty="0" smtClean="0"/>
+            <a:endParaRPr lang="en-US" sz="2200" b="1" kern="0" dirty="0"/>
           </a:p>
           <a:p>
             <a:pPr marL="457200" lvl="1" indent="0">
@@ -32623,7 +32109,7 @@
               <a:buNone/>
               <a:defRPr/>
             </a:pPr>
-            <a:endParaRPr lang="en-US" sz="2200" b="1" kern="0" dirty="0" smtClean="0"/>
+            <a:endParaRPr lang="en-US" sz="2200" b="1" kern="0" dirty="0"/>
           </a:p>
           <a:p>
             <a:pPr lvl="1">
@@ -32635,7 +32121,7 @@
             <a:pPr>
               <a:defRPr/>
             </a:pPr>
-            <a:endParaRPr lang="en-US" sz="2200" kern="0" dirty="0" smtClean="0"/>
+            <a:endParaRPr lang="en-US" sz="2200" kern="0" dirty="0"/>
           </a:p>
         </p:txBody>
       </p:sp>
@@ -32741,13 +32227,6 @@
   <p:clrMapOvr>
     <a:masterClrMapping/>
   </p:clrMapOvr>
-  <p:timing>
-    <p:tnLst>
-      <p:par>
-        <p:cTn id="1" dur="indefinite" restart="never" nodeType="tmRoot"/>
-      </p:par>
-    </p:tnLst>
-  </p:timing>
 </p:sld>
 </file>
 
@@ -32816,7 +32295,7 @@
           <a:lstStyle/>
           <a:p>
             <a:r>
-              <a:rPr lang="en-US" smtClean="0"/>
+              <a:rPr lang="en-US"/>
               <a:t>Index in MongoDB</a:t>
             </a:r>
           </a:p>
@@ -33079,27 +32558,19 @@
               <a:defRPr/>
             </a:pPr>
             <a:r>
-              <a:rPr lang="en-US" sz="2200" dirty="0" err="1" smtClean="0"/>
+              <a:rPr lang="en-US" sz="2200" dirty="0" err="1"/>
               <a:t>db.users.createIndex</a:t>
             </a:r>
             <a:r>
               <a:rPr lang="en-US" sz="2200" dirty="0"/>
-              <a:t>( { </a:t>
-            </a:r>
-            <a:r>
-              <a:rPr lang="en-US" sz="2200" dirty="0" smtClean="0"/>
-              <a:t>addr.zip:1} </a:t>
-            </a:r>
-            <a:r>
-              <a:rPr lang="en-US" sz="2200" dirty="0"/>
-              <a:t>) </a:t>
+              <a:t>( { addr.zip:1} ) </a:t>
             </a:r>
           </a:p>
           <a:p>
             <a:pPr>
               <a:defRPr/>
             </a:pPr>
-            <a:endParaRPr lang="en-US" sz="2200" b="1" kern="0" dirty="0" smtClean="0"/>
+            <a:endParaRPr lang="en-US" sz="2200" b="1" kern="0" dirty="0"/>
           </a:p>
           <a:p>
             <a:pPr>
@@ -33111,7 +32582,7 @@
             <a:pPr>
               <a:defRPr/>
             </a:pPr>
-            <a:endParaRPr lang="en-US" sz="2200" b="1" kern="0" dirty="0" smtClean="0"/>
+            <a:endParaRPr lang="en-US" sz="2200" b="1" kern="0" dirty="0"/>
           </a:p>
           <a:p>
             <a:pPr>
@@ -33123,7 +32594,7 @@
             <a:pPr>
               <a:defRPr/>
             </a:pPr>
-            <a:endParaRPr lang="en-US" sz="2200" b="1" kern="0" dirty="0" smtClean="0"/>
+            <a:endParaRPr lang="en-US" sz="2200" b="1" kern="0" dirty="0"/>
           </a:p>
           <a:p>
             <a:pPr marL="457200" lvl="1" indent="0">
@@ -33131,7 +32602,7 @@
               <a:buNone/>
               <a:defRPr/>
             </a:pPr>
-            <a:endParaRPr lang="en-US" sz="2200" b="1" kern="0" dirty="0" smtClean="0"/>
+            <a:endParaRPr lang="en-US" sz="2200" b="1" kern="0" dirty="0"/>
           </a:p>
           <a:p>
             <a:pPr lvl="1">
@@ -33143,7 +32614,7 @@
             <a:pPr>
               <a:defRPr/>
             </a:pPr>
-            <a:endParaRPr lang="en-US" sz="2200" kern="0" dirty="0" smtClean="0"/>
+            <a:endParaRPr lang="en-US" sz="2200" kern="0" dirty="0"/>
           </a:p>
         </p:txBody>
       </p:sp>
@@ -33217,13 +32688,6 @@
   <p:clrMapOvr>
     <a:masterClrMapping/>
   </p:clrMapOvr>
-  <p:timing>
-    <p:tnLst>
-      <p:par>
-        <p:cTn id="1" dur="indefinite" restart="never" nodeType="tmRoot"/>
-      </p:par>
-    </p:tnLst>
-  </p:timing>
 </p:sld>
 </file>
 
@@ -33260,7 +32724,7 @@
           <a:lstStyle/>
           <a:p>
             <a:r>
-              <a:rPr lang="en-US" smtClean="0"/>
+              <a:rPr lang="en-US"/>
               <a:t>Aggregation</a:t>
             </a:r>
           </a:p>
@@ -33292,7 +32756,7 @@
               <a:defRPr/>
             </a:pPr>
             <a:r>
-              <a:rPr lang="en-US" sz="2400" dirty="0" smtClean="0">
+              <a:rPr lang="en-US" sz="2400" dirty="0">
                 <a:solidFill>
                   <a:schemeClr val="tx1">
                     <a:lumMod val="75000"/>
@@ -33300,27 +32764,8 @@
                   </a:schemeClr>
                 </a:solidFill>
               </a:rPr>
-              <a:t>Operations </a:t>
-            </a:r>
-            <a:r>
-              <a:rPr lang="en-US" sz="2400" dirty="0">
-                <a:solidFill>
-                  <a:schemeClr val="tx1">
-                    <a:lumMod val="75000"/>
-                    <a:lumOff val="25000"/>
-                  </a:schemeClr>
-                </a:solidFill>
-              </a:rPr>
-              <a:t>that process data records and return computed results. </a:t>
-            </a:r>
-            <a:endParaRPr lang="en-US" sz="2400" dirty="0" smtClean="0">
-              <a:solidFill>
-                <a:schemeClr val="tx1">
-                  <a:lumMod val="75000"/>
-                  <a:lumOff val="25000"/>
-                </a:schemeClr>
-              </a:solidFill>
-            </a:endParaRPr>
+              <a:t>Operations that process data records and return computed results. </a:t>
+            </a:r>
           </a:p>
           <a:p>
             <a:pPr fontAlgn="auto">
@@ -33332,7 +32777,7 @@
               <a:defRPr/>
             </a:pPr>
             <a:r>
-              <a:rPr lang="en-US" sz="2400" dirty="0" err="1" smtClean="0">
+              <a:rPr lang="en-US" sz="2400" dirty="0" err="1">
                 <a:solidFill>
                   <a:schemeClr val="tx1">
                     <a:lumMod val="75000"/>
@@ -33343,7 +32788,7 @@
               <a:t>MongoDB</a:t>
             </a:r>
             <a:r>
-              <a:rPr lang="en-US" sz="2400" dirty="0" smtClean="0">
+              <a:rPr lang="en-US" sz="2400" dirty="0">
                 <a:solidFill>
                   <a:schemeClr val="tx1">
                     <a:lumMod val="75000"/>
@@ -33351,29 +32796,7 @@
                   </a:schemeClr>
                 </a:solidFill>
               </a:rPr>
-              <a:t> </a:t>
-            </a:r>
-            <a:r>
-              <a:rPr lang="en-US" sz="2400" dirty="0">
-                <a:solidFill>
-                  <a:schemeClr val="tx1">
-                    <a:lumMod val="75000"/>
-                    <a:lumOff val="25000"/>
-                  </a:schemeClr>
-                </a:solidFill>
-              </a:rPr>
-              <a:t>provides </a:t>
-            </a:r>
-            <a:r>
-              <a:rPr lang="en-US" sz="2400" dirty="0" smtClean="0">
-                <a:solidFill>
-                  <a:schemeClr val="tx1">
-                    <a:lumMod val="75000"/>
-                    <a:lumOff val="25000"/>
-                  </a:schemeClr>
-                </a:solidFill>
-              </a:rPr>
-              <a:t>aggregation operations</a:t>
+              <a:t> provides aggregation operations</a:t>
             </a:r>
           </a:p>
           <a:p>
@@ -33386,7 +32809,7 @@
               <a:defRPr/>
             </a:pPr>
             <a:r>
-              <a:rPr lang="en-US" sz="2400" dirty="0" smtClean="0">
+              <a:rPr lang="en-US" sz="2400" dirty="0">
                 <a:solidFill>
                   <a:schemeClr val="tx1">
                     <a:lumMod val="75000"/>
@@ -33394,63 +32817,30 @@
                   </a:schemeClr>
                 </a:solidFill>
               </a:rPr>
-              <a:t>Running </a:t>
-            </a:r>
-            <a:r>
-              <a:rPr lang="en-US" sz="2400" dirty="0">
+              <a:t>Running data aggregation on the </a:t>
+            </a:r>
+            <a:r>
+              <a:rPr lang="en-US" sz="2400" dirty="0" err="1">
                 <a:solidFill>
                   <a:schemeClr val="tx1">
                     <a:lumMod val="75000"/>
                     <a:lumOff val="25000"/>
                   </a:schemeClr>
                 </a:solidFill>
+                <a:hlinkClick r:id="rId2" tooltip="mongod"/>
               </a:rPr>
-              <a:t>data aggregation on the </a:t>
-            </a:r>
-            <a:r>
-              <a:rPr lang="en-US" sz="2400" dirty="0" err="1" smtClean="0">
+              <a:t>mongod</a:t>
+            </a:r>
+            <a:r>
+              <a:rPr lang="en-US" sz="2400" dirty="0">
                 <a:solidFill>
                   <a:schemeClr val="tx1">
                     <a:lumMod val="75000"/>
                     <a:lumOff val="25000"/>
                   </a:schemeClr>
                 </a:solidFill>
-                <a:hlinkClick r:id="rId2" tooltip="mongod"/>
               </a:rPr>
-              <a:t>mongod</a:t>
-            </a:r>
-            <a:r>
-              <a:rPr lang="en-US" sz="2400" dirty="0" smtClean="0">
-                <a:solidFill>
-                  <a:schemeClr val="tx1">
-                    <a:lumMod val="75000"/>
-                    <a:lumOff val="25000"/>
-                  </a:schemeClr>
-                </a:solidFill>
-              </a:rPr>
-              <a:t> instance </a:t>
-            </a:r>
-            <a:r>
-              <a:rPr lang="en-US" sz="2400" dirty="0">
-                <a:solidFill>
-                  <a:schemeClr val="tx1">
-                    <a:lumMod val="75000"/>
-                    <a:lumOff val="25000"/>
-                  </a:schemeClr>
-                </a:solidFill>
-              </a:rPr>
-              <a:t>simplifies application code and limits resource requirements</a:t>
-            </a:r>
-            <a:r>
-              <a:rPr lang="en-US" sz="2400" dirty="0" smtClean="0">
-                <a:solidFill>
-                  <a:schemeClr val="tx1">
-                    <a:lumMod val="75000"/>
-                    <a:lumOff val="25000"/>
-                  </a:schemeClr>
-                </a:solidFill>
-              </a:rPr>
-              <a:t>.</a:t>
+              <a:t> instance simplifies application code and limits resource requirements.</a:t>
             </a:r>
           </a:p>
           <a:p>
@@ -33463,7 +32853,7 @@
               <a:defRPr/>
             </a:pPr>
             <a:r>
-              <a:rPr lang="en-US" sz="2400" dirty="0" smtClean="0">
+              <a:rPr lang="en-US" sz="2400" dirty="0">
                 <a:solidFill>
                   <a:schemeClr val="tx1">
                     <a:lumMod val="75000"/>
@@ -33484,7 +32874,7 @@
               <a:defRPr/>
             </a:pPr>
             <a:r>
-              <a:rPr lang="en-US" sz="2000" dirty="0" err="1" smtClean="0">
+              <a:rPr lang="en-US" sz="2000" dirty="0" err="1">
                 <a:solidFill>
                   <a:schemeClr val="tx1">
                     <a:lumMod val="75000"/>
@@ -33495,7 +32885,7 @@
               <a:t>Papeline</a:t>
             </a:r>
             <a:r>
-              <a:rPr lang="en-US" sz="2000" dirty="0" smtClean="0">
+              <a:rPr lang="en-US" sz="2000" dirty="0">
                 <a:solidFill>
                   <a:schemeClr val="tx1">
                     <a:lumMod val="75000"/>
@@ -33516,7 +32906,7 @@
               <a:defRPr/>
             </a:pPr>
             <a:r>
-              <a:rPr lang="en-US" sz="2000" dirty="0" err="1" smtClean="0">
+              <a:rPr lang="en-US" sz="2000" dirty="0" err="1">
                 <a:solidFill>
                   <a:schemeClr val="tx1">
                     <a:lumMod val="75000"/>
@@ -33547,13 +32937,6 @@
   <p:clrMapOvr>
     <a:masterClrMapping/>
   </p:clrMapOvr>
-  <p:timing>
-    <p:tnLst>
-      <p:par>
-        <p:cTn id="1" dur="indefinite" restart="never" nodeType="tmRoot"/>
-      </p:par>
-    </p:tnLst>
-  </p:timing>
 </p:sld>
 </file>
 
@@ -33590,7 +32973,7 @@
           <a:lstStyle/>
           <a:p>
             <a:r>
-              <a:rPr lang="en-US" smtClean="0"/>
+              <a:rPr lang="en-US"/>
               <a:t>Pipelines</a:t>
             </a:r>
           </a:p>
@@ -33666,21 +33049,13 @@
           <a:p>
             <a:r>
               <a:rPr lang="en-IE" sz="2000" dirty="0"/>
-              <a:t>Other pipeline operations provide tools for grouping and sorting documents by specific field or fields as well as tools for aggregating the contents of </a:t>
-            </a:r>
-            <a:r>
-              <a:rPr lang="en-IE" sz="2000" dirty="0" smtClean="0"/>
-              <a:t>arrays </a:t>
-            </a:r>
-          </a:p>
-          <a:p>
-            <a:r>
-              <a:rPr lang="en-IE" sz="2000" dirty="0" smtClean="0"/>
-              <a:t>Pipeline </a:t>
-            </a:r>
+              <a:t>Other pipeline operations provide tools for grouping and sorting documents by specific field or fields as well as tools for aggregating the contents of arrays </a:t>
+            </a:r>
+          </a:p>
+          <a:p>
             <a:r>
               <a:rPr lang="en-IE" sz="2000" dirty="0"/>
-              <a:t>stages can use </a:t>
+              <a:t>Pipeline stages can use </a:t>
             </a:r>
             <a:r>
               <a:rPr lang="en-IE" sz="2000" dirty="0">
@@ -33695,12 +33070,8 @@
           </a:p>
           <a:p>
             <a:r>
-              <a:rPr lang="en-IE" sz="2000" dirty="0" smtClean="0"/>
-              <a:t>Pipeline is the </a:t>
-            </a:r>
-            <a:r>
               <a:rPr lang="en-IE" sz="2000" dirty="0"/>
-              <a:t>preferred method for data aggregation in MongoDB.</a:t>
+              <a:t>Pipeline is the preferred method for data aggregation in MongoDB.</a:t>
             </a:r>
           </a:p>
           <a:p>
@@ -33732,13 +33103,6 @@
   <p:clrMapOvr>
     <a:masterClrMapping/>
   </p:clrMapOvr>
-  <p:timing>
-    <p:tnLst>
-      <p:par>
-        <p:cTn id="1" dur="indefinite" restart="never" nodeType="tmRoot"/>
-      </p:par>
-    </p:tnLst>
-  </p:timing>
 </p:sld>
 </file>
 
@@ -33775,10 +33139,9 @@
           <a:lstStyle/>
           <a:p>
             <a:r>
-              <a:rPr lang="en-IE" dirty="0" smtClean="0"/>
+              <a:rPr lang="en-IE" dirty="0"/>
               <a:t>Aggregation using pipeline</a:t>
             </a:r>
-            <a:endParaRPr lang="en-IE" dirty="0"/>
           </a:p>
         </p:txBody>
       </p:sp>
@@ -33801,7 +33164,7 @@
               <a:defRPr/>
             </a:pPr>
             <a:r>
-              <a:rPr lang="en-US" smtClean="0"/>
+              <a:rPr lang="en-US"/>
               <a:t>2012/2013 - DT228/4</a:t>
             </a:r>
             <a:endParaRPr lang="en-IE" dirty="0"/>
@@ -33888,13 +33251,6 @@
   <p:clrMapOvr>
     <a:masterClrMapping/>
   </p:clrMapOvr>
-  <p:timing>
-    <p:tnLst>
-      <p:par>
-        <p:cTn id="1" dur="indefinite" restart="never" nodeType="tmRoot"/>
-      </p:par>
-    </p:tnLst>
-  </p:timing>
 </p:sld>
 </file>
 
@@ -33931,10 +33287,9 @@
           <a:lstStyle/>
           <a:p>
             <a:r>
-              <a:rPr lang="en-IE" dirty="0" smtClean="0"/>
+              <a:rPr lang="en-IE" dirty="0"/>
               <a:t>Aggregator Operators</a:t>
             </a:r>
-            <a:endParaRPr lang="en-IE" dirty="0"/>
           </a:p>
         </p:txBody>
       </p:sp>
@@ -34251,17 +33606,8 @@
                         <a:rPr lang="en-IE" sz="1200" dirty="0">
                           <a:effectLst/>
                         </a:rPr>
-                        <a:t>Sums up the defined value from all </a:t>
+                        <a:t>Sums up the defined value from all documents in the collection.</a:t>
                       </a:r>
-                      <a:r>
-                        <a:rPr lang="en-IE" sz="1200" dirty="0" smtClean="0">
-                          <a:effectLst/>
-                        </a:rPr>
-                        <a:t>documents in the collection.</a:t>
-                      </a:r>
-                      <a:endParaRPr lang="en-IE" sz="1200" dirty="0">
-                        <a:effectLst/>
-                      </a:endParaRPr>
                     </a:p>
                   </a:txBody>
                   <a:tcPr marL="26051" marR="26051" marT="26051" marB="26051">
@@ -34539,17 +33885,8 @@
                         <a:rPr lang="en-IE" sz="1200" dirty="0">
                           <a:effectLst/>
                         </a:rPr>
-                        <a:t>$</a:t>
+                        <a:t>$min. $min</a:t>
                       </a:r>
-                      <a:r>
-                        <a:rPr lang="en-IE" sz="1200" dirty="0" smtClean="0">
-                          <a:effectLst/>
-                        </a:rPr>
-                        <a:t>min. $min</a:t>
-                      </a:r>
-                      <a:endParaRPr lang="en-IE" sz="1200" dirty="0">
-                        <a:effectLst/>
-                      </a:endParaRPr>
                     </a:p>
                   </a:txBody>
                   <a:tcPr marL="26051" marR="26051" marT="26051" marB="26051" anchor="ctr">
@@ -34767,19 +34104,7 @@
                         <a:rPr lang="en-IE" sz="1200" dirty="0">
                           <a:effectLst/>
                         </a:rPr>
-                        <a:t>Inserts the </a:t>
-                      </a:r>
-                      <a:r>
-                        <a:rPr lang="en-IE" sz="1200" dirty="0" smtClean="0">
-                          <a:effectLst/>
-                        </a:rPr>
-                        <a:t>values </a:t>
-                      </a:r>
-                      <a:r>
-                        <a:rPr lang="en-IE" sz="1200" dirty="0">
-                          <a:effectLst/>
-                        </a:rPr>
-                        <a:t>to an array in the resulting document.</a:t>
+                        <a:t>Inserts the values to an array in the resulting document.</a:t>
                       </a:r>
                     </a:p>
                   </a:txBody>
@@ -35435,13 +34760,6 @@
   <p:clrMapOvr>
     <a:masterClrMapping/>
   </p:clrMapOvr>
-  <p:timing>
-    <p:tnLst>
-      <p:par>
-        <p:cTn id="1" dur="indefinite" restart="never" nodeType="tmRoot"/>
-      </p:par>
-    </p:tnLst>
-  </p:timing>
 </p:sld>
 </file>
 
@@ -35478,10 +34796,9 @@
           <a:lstStyle/>
           <a:p>
             <a:r>
-              <a:rPr lang="en-IE" dirty="0" smtClean="0"/>
+              <a:rPr lang="en-IE" dirty="0"/>
               <a:t>Some examples</a:t>
             </a:r>
-            <a:endParaRPr lang="en-IE" dirty="0"/>
           </a:p>
         </p:txBody>
       </p:sp>
@@ -35509,7 +34826,7 @@
               <a:buNone/>
             </a:pPr>
             <a:r>
-              <a:rPr lang="en-IE" sz="1400" dirty="0" err="1" smtClean="0"/>
+              <a:rPr lang="en-IE" sz="1400" dirty="0" err="1"/>
               <a:t>db.test_db.find</a:t>
             </a:r>
             <a:r>
@@ -35828,7 +35145,7 @@
               <a:defRPr/>
             </a:pPr>
             <a:r>
-              <a:rPr lang="en-US" smtClean="0"/>
+              <a:rPr lang="en-US"/>
               <a:t>2012/2013 - DT228/4</a:t>
             </a:r>
             <a:endParaRPr lang="en-IE" dirty="0"/>
@@ -35874,13 +35191,6 @@
   <p:clrMapOvr>
     <a:masterClrMapping/>
   </p:clrMapOvr>
-  <p:timing>
-    <p:tnLst>
-      <p:par>
-        <p:cTn id="1" dur="indefinite" restart="never" nodeType="tmRoot"/>
-      </p:par>
-    </p:tnLst>
-  </p:timing>
 </p:sld>
 </file>
 
@@ -35917,10 +35227,9 @@
           <a:lstStyle/>
           <a:p>
             <a:r>
-              <a:rPr lang="en-IE" dirty="0" smtClean="0"/>
+              <a:rPr lang="en-IE" dirty="0"/>
               <a:t>Output from a shell</a:t>
             </a:r>
-            <a:endParaRPr lang="en-IE" dirty="0"/>
           </a:p>
         </p:txBody>
       </p:sp>
@@ -35940,20 +35249,20 @@
           <a:lstStyle/>
           <a:p>
             <a:r>
-              <a:rPr lang="en-IE" dirty="0" smtClean="0"/>
+              <a:rPr lang="en-IE" dirty="0"/>
               <a:t>Some practical tips</a:t>
             </a:r>
           </a:p>
           <a:p>
             <a:r>
-              <a:rPr lang="en-IE" dirty="0" smtClean="0"/>
+              <a:rPr lang="en-IE" dirty="0"/>
               <a:t>When running from a script:</a:t>
             </a:r>
           </a:p>
           <a:p>
             <a:pPr lvl="1"/>
             <a:r>
-              <a:rPr lang="en-IE" dirty="0" smtClean="0"/>
+              <a:rPr lang="en-IE" dirty="0"/>
               <a:t>Output of a query is not displayed by default, use the following function to display it.</a:t>
             </a:r>
           </a:p>
@@ -35961,14 +35270,14 @@
             <a:pPr marL="457200" lvl="1" indent="0">
               <a:buNone/>
             </a:pPr>
-            <a:endParaRPr lang="en-IE" dirty="0" smtClean="0"/>
+            <a:endParaRPr lang="en-IE" dirty="0"/>
           </a:p>
           <a:p>
             <a:pPr marL="457200" lvl="1" indent="0">
               <a:buNone/>
             </a:pPr>
             <a:r>
-              <a:rPr lang="en-IE" dirty="0" smtClean="0">
+              <a:rPr lang="en-IE" dirty="0">
                 <a:latin typeface="Courier" pitchFamily="49" charset="0"/>
               </a:rPr>
               <a:t>function </a:t>
@@ -35985,25 +35294,16 @@
               </a:rPr>
               <a:t> (result) </a:t>
             </a:r>
-            <a:endParaRPr lang="en-IE" dirty="0" smtClean="0">
-              <a:latin typeface="Courier" pitchFamily="49" charset="0"/>
-            </a:endParaRPr>
           </a:p>
           <a:p>
             <a:pPr marL="457200" lvl="1" indent="0">
               <a:buNone/>
             </a:pPr>
-            <a:r>
-              <a:rPr lang="en-IE" dirty="0" smtClean="0">
-                <a:latin typeface="Courier" pitchFamily="49" charset="0"/>
-              </a:rPr>
-              <a:t>	{ </a:t>
-            </a:r>
             <a:r>
               <a:rPr lang="en-IE" dirty="0">
                 <a:latin typeface="Courier" pitchFamily="49" charset="0"/>
               </a:rPr>
-              <a:t>print(</a:t>
+              <a:t>	{ print(</a:t>
             </a:r>
             <a:r>
               <a:rPr lang="en-IE" dirty="0" err="1">
@@ -36017,9 +35317,6 @@
               </a:rPr>
               <a:t>(result)); } </a:t>
             </a:r>
-            <a:endParaRPr lang="en-IE" dirty="0" smtClean="0">
-              <a:latin typeface="Courier" pitchFamily="49" charset="0"/>
-            </a:endParaRPr>
           </a:p>
           <a:p>
             <a:pPr marL="457200" lvl="1" indent="0">
@@ -36033,7 +35330,7 @@
             <a:pPr marL="457200" lvl="1" indent="0">
               <a:buNone/>
             </a:pPr>
-            <a:endParaRPr lang="en-IE" dirty="0" smtClean="0">
+            <a:endParaRPr lang="en-IE" dirty="0">
               <a:latin typeface="Courier" pitchFamily="49" charset="0"/>
             </a:endParaRPr>
           </a:p>
@@ -36042,37 +35339,37 @@
               <a:buNone/>
             </a:pPr>
             <a:r>
-              <a:rPr lang="en-IE" dirty="0" err="1" smtClean="0">
+              <a:rPr lang="en-IE" dirty="0" err="1">
                 <a:latin typeface="Courier" pitchFamily="49" charset="0"/>
               </a:rPr>
               <a:t>db.col.find</a:t>
             </a:r>
             <a:r>
-              <a:rPr lang="en-IE" dirty="0" smtClean="0">
+              <a:rPr lang="en-IE" dirty="0">
                 <a:latin typeface="Courier" pitchFamily="49" charset="0"/>
               </a:rPr>
               <a:t>(…).</a:t>
             </a:r>
             <a:r>
-              <a:rPr lang="en-IE" dirty="0" err="1" smtClean="0">
+              <a:rPr lang="en-IE" dirty="0" err="1">
                 <a:latin typeface="Courier" pitchFamily="49" charset="0"/>
               </a:rPr>
               <a:t>forEach</a:t>
             </a:r>
             <a:r>
-              <a:rPr lang="en-IE" dirty="0" smtClean="0">
+              <a:rPr lang="en-IE" dirty="0">
                 <a:latin typeface="Courier" pitchFamily="49" charset="0"/>
               </a:rPr>
               <a:t>(</a:t>
             </a:r>
             <a:r>
-              <a:rPr lang="en-IE" dirty="0" err="1" smtClean="0">
+              <a:rPr lang="en-IE" dirty="0" err="1">
                 <a:latin typeface="Courier" pitchFamily="49" charset="0"/>
               </a:rPr>
               <a:t>get_results</a:t>
             </a:r>
             <a:r>
-              <a:rPr lang="en-IE" dirty="0" smtClean="0">
+              <a:rPr lang="en-IE" dirty="0">
                 <a:latin typeface="Courier" pitchFamily="49" charset="0"/>
               </a:rPr>
               <a:t>…)</a:t>
@@ -36099,7 +35396,7 @@
               <a:defRPr/>
             </a:pPr>
             <a:r>
-              <a:rPr lang="en-US" smtClean="0"/>
+              <a:rPr lang="en-US"/>
               <a:t>2012/2013 - DT228/4</a:t>
             </a:r>
             <a:endParaRPr lang="en-IE" dirty="0"/>
@@ -36145,13 +35442,6 @@
   <p:clrMapOvr>
     <a:masterClrMapping/>
   </p:clrMapOvr>
-  <p:timing>
-    <p:tnLst>
-      <p:par>
-        <p:cTn id="1" dur="indefinite" restart="never" nodeType="tmRoot"/>
-      </p:par>
-    </p:tnLst>
-  </p:timing>
 </p:sld>
 </file>
 
@@ -36188,10 +35478,9 @@
           <a:lstStyle/>
           <a:p>
             <a:r>
-              <a:rPr lang="en-IE" dirty="0" smtClean="0"/>
+              <a:rPr lang="en-IE" dirty="0"/>
               <a:t>Documents Update</a:t>
             </a:r>
-            <a:endParaRPr lang="en-IE" dirty="0"/>
           </a:p>
         </p:txBody>
       </p:sp>
@@ -36216,56 +35505,56 @@
           <a:lstStyle/>
           <a:p>
             <a:r>
-              <a:rPr lang="en-IE" sz="2200" dirty="0" err="1" smtClean="0"/>
+              <a:rPr lang="en-IE" sz="2200" dirty="0" err="1"/>
               <a:t>MongoDB</a:t>
             </a:r>
             <a:r>
-              <a:rPr lang="en-IE" sz="2200" dirty="0" smtClean="0"/>
+              <a:rPr lang="en-IE" sz="2200" dirty="0"/>
               <a:t> does not allow to update a field by using an expression containing other fields of the collections</a:t>
             </a:r>
           </a:p>
           <a:p>
             <a:r>
-              <a:rPr lang="en-IE" sz="2200" dirty="0" smtClean="0"/>
+              <a:rPr lang="en-IE" sz="2200" dirty="0"/>
               <a:t>Therefore, you cannot write $field = $field + 1 or something similar (as we did for SQL)</a:t>
             </a:r>
           </a:p>
           <a:p>
             <a:r>
-              <a:rPr lang="en-IE" sz="2200" dirty="0" smtClean="0"/>
+              <a:rPr lang="en-IE" sz="2200" dirty="0"/>
               <a:t>For numeric update, use the $</a:t>
             </a:r>
             <a:r>
-              <a:rPr lang="en-IE" sz="2200" dirty="0" err="1" smtClean="0"/>
+              <a:rPr lang="en-IE" sz="2200" dirty="0" err="1"/>
               <a:t>inc</a:t>
             </a:r>
             <a:r>
-              <a:rPr lang="en-IE" sz="2200" dirty="0" smtClean="0"/>
+              <a:rPr lang="en-IE" sz="2200" dirty="0"/>
               <a:t> operator with </a:t>
             </a:r>
             <a:r>
-              <a:rPr lang="en-IE" sz="2200" dirty="0" err="1" smtClean="0"/>
+              <a:rPr lang="en-IE" sz="2200" dirty="0" err="1"/>
               <a:t>updatefunction</a:t>
             </a:r>
-            <a:endParaRPr lang="en-IE" sz="2200" dirty="0" smtClean="0"/>
-          </a:p>
-          <a:p>
-            <a:r>
-              <a:rPr lang="en-IE" sz="2200" dirty="0" smtClean="0"/>
+            <a:endParaRPr lang="en-IE" sz="2200" dirty="0"/>
+          </a:p>
+          <a:p>
+            <a:r>
+              <a:rPr lang="en-IE" sz="2200" dirty="0"/>
               <a:t>Or.. </a:t>
             </a:r>
             <a:r>
-              <a:rPr lang="en-IE" sz="2200" dirty="0" err="1" smtClean="0"/>
+              <a:rPr lang="en-IE" sz="2200" dirty="0" err="1"/>
               <a:t>Javascript</a:t>
             </a:r>
             <a:r>
-              <a:rPr lang="en-IE" sz="2200" dirty="0" smtClean="0"/>
+              <a:rPr lang="en-IE" sz="2200" dirty="0"/>
               <a:t> always an option!</a:t>
             </a:r>
           </a:p>
           <a:p>
             <a:r>
-              <a:rPr lang="en-IE" sz="2200" dirty="0" smtClean="0"/>
+              <a:rPr lang="en-IE" sz="2200" dirty="0"/>
               <a:t>Example:</a:t>
             </a:r>
           </a:p>
@@ -36277,25 +35566,7 @@
               <a:rPr lang="en-IE" sz="2200" dirty="0">
                 <a:latin typeface="Courier" pitchFamily="49" charset="0"/>
               </a:rPr>
-              <a:t>{ _id: 1, </a:t>
-            </a:r>
-            <a:r>
-              <a:rPr lang="en-IE" sz="2200" dirty="0" smtClean="0">
-                <a:latin typeface="Courier" pitchFamily="49" charset="0"/>
-              </a:rPr>
-              <a:t>item: </a:t>
-            </a:r>
-            <a:r>
-              <a:rPr lang="en-IE" sz="2200" dirty="0">
-                <a:latin typeface="Courier" pitchFamily="49" charset="0"/>
-              </a:rPr>
-              <a:t>"abc123", quantity: 10, metrics: { orders: 2, ratings: 3.5 } </a:t>
-            </a:r>
-            <a:r>
-              <a:rPr lang="en-IE" sz="2200" dirty="0" smtClean="0">
-                <a:latin typeface="Courier" pitchFamily="49" charset="0"/>
-              </a:rPr>
-              <a:t>}</a:t>
+              <a:t>{ _id: 1, item: "abc123", quantity: 10, metrics: { orders: 2, ratings: 3.5 } }</a:t>
             </a:r>
           </a:p>
           <a:p>
@@ -36317,31 +35588,7 @@
               <a:rPr lang="en-IE" sz="2200" dirty="0">
                 <a:latin typeface="Courier" pitchFamily="49" charset="0"/>
               </a:rPr>
-              <a:t>( { </a:t>
-            </a:r>
-            <a:r>
-              <a:rPr lang="en-IE" sz="2200" dirty="0" smtClean="0">
-                <a:latin typeface="Courier" pitchFamily="49" charset="0"/>
-              </a:rPr>
-              <a:t>item: </a:t>
-            </a:r>
-            <a:r>
-              <a:rPr lang="en-IE" sz="2200" dirty="0">
-                <a:latin typeface="Courier" pitchFamily="49" charset="0"/>
-              </a:rPr>
-              <a:t>"abc123" }, </a:t>
-            </a:r>
-            <a:r>
-              <a:rPr lang="en-IE" sz="2200" dirty="0" smtClean="0">
-                <a:latin typeface="Courier" pitchFamily="49" charset="0"/>
-              </a:rPr>
-              <a:t>{ </a:t>
-            </a:r>
-            <a:r>
-              <a:rPr lang="en-IE" sz="2200" dirty="0">
-                <a:latin typeface="Courier" pitchFamily="49" charset="0"/>
-              </a:rPr>
-              <a:t>$</a:t>
+              <a:t>( { item: "abc123" }, { $</a:t>
             </a:r>
             <a:r>
               <a:rPr lang="en-IE" sz="2200" dirty="0" err="1">
@@ -36389,7 +35636,7 @@
               <a:defRPr/>
             </a:pPr>
             <a:r>
-              <a:rPr lang="en-US" smtClean="0"/>
+              <a:rPr lang="en-US"/>
               <a:t>2012/2013 - DT228/4</a:t>
             </a:r>
             <a:endParaRPr lang="en-IE" dirty="0"/>
@@ -36435,13 +35682,6 @@
   <p:clrMapOvr>
     <a:masterClrMapping/>
   </p:clrMapOvr>
-  <p:timing>
-    <p:tnLst>
-      <p:par>
-        <p:cTn id="1" dur="indefinite" restart="never" nodeType="tmRoot"/>
-      </p:par>
-    </p:tnLst>
-  </p:timing>
 </p:sld>
 </file>
 
@@ -36478,7 +35718,7 @@
           <a:lstStyle/>
           <a:p>
             <a:r>
-              <a:rPr lang="en-US" smtClean="0"/>
+              <a:rPr lang="en-US"/>
               <a:t>Data Model</a:t>
             </a:r>
           </a:p>
@@ -36510,7 +35750,7 @@
               <a:defRPr/>
             </a:pPr>
             <a:r>
-              <a:rPr lang="en-US" sz="2800" dirty="0" smtClean="0">
+              <a:rPr lang="en-US" sz="2800" dirty="0">
                 <a:solidFill>
                   <a:schemeClr val="tx1">
                     <a:lumMod val="75000"/>
@@ -36531,7 +35771,7 @@
               <a:defRPr/>
             </a:pPr>
             <a:r>
-              <a:rPr lang="en-US" sz="2800" dirty="0" smtClean="0">
+              <a:rPr lang="en-US" sz="2800" dirty="0">
                 <a:solidFill>
                   <a:schemeClr val="tx1">
                     <a:lumMod val="75000"/>
@@ -36552,7 +35792,7 @@
               <a:defRPr/>
             </a:pPr>
             <a:r>
-              <a:rPr lang="en-US" sz="2800" dirty="0" smtClean="0">
+              <a:rPr lang="en-US" sz="2800" dirty="0">
                 <a:solidFill>
                   <a:schemeClr val="tx1">
                     <a:lumMod val="75000"/>
@@ -36573,7 +35813,7 @@
               <a:defRPr/>
             </a:pPr>
             <a:r>
-              <a:rPr lang="en-US" sz="2800" dirty="0" smtClean="0">
+              <a:rPr lang="en-US" sz="2800" dirty="0">
                 <a:solidFill>
                   <a:schemeClr val="tx1">
                     <a:lumMod val="75000"/>
@@ -36594,7 +35834,7 @@
               <a:defRPr/>
             </a:pPr>
             <a:r>
-              <a:rPr lang="en-US" sz="2400" dirty="0" smtClean="0">
+              <a:rPr lang="en-US" sz="2400" dirty="0">
                 <a:solidFill>
                   <a:schemeClr val="tx1">
                     <a:lumMod val="75000"/>
@@ -36615,7 +35855,7 @@
               <a:defRPr/>
             </a:pPr>
             <a:r>
-              <a:rPr lang="en-US" sz="2400" dirty="0" smtClean="0">
+              <a:rPr lang="en-US" sz="2400" dirty="0">
                 <a:solidFill>
                   <a:schemeClr val="tx1">
                     <a:lumMod val="75000"/>
@@ -36626,7 +35866,7 @@
               <a:t>Like tables of relational </a:t>
             </a:r>
             <a:r>
-              <a:rPr lang="en-US" sz="2400" dirty="0" err="1" smtClean="0">
+              <a:rPr lang="en-US" sz="2400" dirty="0" err="1">
                 <a:solidFill>
                   <a:schemeClr val="tx1">
                     <a:lumMod val="75000"/>
@@ -36637,7 +35877,7 @@
               <a:t>db’s</a:t>
             </a:r>
             <a:r>
-              <a:rPr lang="en-US" sz="2400" dirty="0" smtClean="0">
+              <a:rPr lang="en-US" sz="2400" dirty="0">
                 <a:solidFill>
                   <a:schemeClr val="tx1">
                     <a:lumMod val="75000"/>
@@ -36658,7 +35898,7 @@
               <a:defRPr/>
             </a:pPr>
             <a:r>
-              <a:rPr lang="en-US" sz="2400" dirty="0" smtClean="0">
+              <a:rPr lang="en-US" sz="2400" dirty="0">
                 <a:solidFill>
                   <a:schemeClr val="tx1">
                     <a:lumMod val="75000"/>
@@ -36699,13 +35939,6 @@
   <p:clrMapOvr>
     <a:masterClrMapping/>
   </p:clrMapOvr>
-  <p:timing>
-    <p:tnLst>
-      <p:par>
-        <p:cTn id="1" dur="indefinite" restart="never" nodeType="tmRoot"/>
-      </p:par>
-    </p:tnLst>
-  </p:timing>
 </p:sld>
 </file>
 
@@ -36742,10 +35975,9 @@
           <a:lstStyle/>
           <a:p>
             <a:r>
-              <a:rPr lang="en-IE" dirty="0" smtClean="0"/>
+              <a:rPr lang="en-IE" dirty="0"/>
               <a:t>Multiple Updates</a:t>
             </a:r>
-            <a:endParaRPr lang="en-IE" dirty="0"/>
           </a:p>
         </p:txBody>
       </p:sp>
@@ -36770,21 +36002,21 @@
           <a:lstStyle/>
           <a:p>
             <a:r>
-              <a:rPr lang="en-IE" sz="2400" dirty="0" smtClean="0"/>
+              <a:rPr lang="en-IE" sz="2400" dirty="0"/>
               <a:t>Add {multi: true). It controls the ability of </a:t>
             </a:r>
             <a:r>
-              <a:rPr lang="en-IE" sz="2400" dirty="0" err="1" smtClean="0"/>
+              <a:rPr lang="en-IE" sz="2400" dirty="0" err="1"/>
               <a:t>mongoDB</a:t>
             </a:r>
             <a:r>
-              <a:rPr lang="en-IE" sz="2400" dirty="0" smtClean="0"/>
+              <a:rPr lang="en-IE" sz="2400" dirty="0"/>
               <a:t> to update more than one field in a single query</a:t>
             </a:r>
           </a:p>
           <a:p>
             <a:r>
-              <a:rPr lang="en-IE" sz="2400" dirty="0" smtClean="0"/>
+              <a:rPr lang="en-IE" sz="2400" dirty="0"/>
               <a:t>Try:</a:t>
             </a:r>
           </a:p>
@@ -36792,7 +36024,7 @@
             <a:pPr marL="0" indent="0">
               <a:buNone/>
             </a:pPr>
-            <a:endParaRPr lang="en-IE" sz="1200" dirty="0" smtClean="0"/>
+            <a:endParaRPr lang="en-IE" sz="1200" dirty="0"/>
           </a:p>
           <a:p>
             <a:pPr marL="0" indent="0">
@@ -36938,17 +36170,8 @@
               <a:rPr lang="en-IE" sz="2200" dirty="0">
                 <a:latin typeface="Courier" pitchFamily="49" charset="0"/>
               </a:rPr>
-              <a:t>: {age : 2</a:t>
-            </a:r>
-            <a:r>
-              <a:rPr lang="en-IE" sz="2200" dirty="0" smtClean="0">
-                <a:latin typeface="Courier" pitchFamily="49" charset="0"/>
-              </a:rPr>
-              <a:t>}},{multi: true})</a:t>
-            </a:r>
-            <a:endParaRPr lang="en-IE" sz="2200" dirty="0">
-              <a:latin typeface="Courier" pitchFamily="49" charset="0"/>
-            </a:endParaRPr>
+              <a:t>: {age : 2}},{multi: true})</a:t>
+            </a:r>
           </a:p>
           <a:p>
             <a:pPr marL="0" indent="0">
@@ -37027,7 +36250,7 @@
               <a:defRPr/>
             </a:pPr>
             <a:r>
-              <a:rPr lang="en-US" smtClean="0"/>
+              <a:rPr lang="en-US"/>
               <a:t>2012/2013 - DT228/4</a:t>
             </a:r>
             <a:endParaRPr lang="en-IE" dirty="0"/>
@@ -37073,13 +36296,6 @@
   <p:clrMapOvr>
     <a:masterClrMapping/>
   </p:clrMapOvr>
-  <p:timing>
-    <p:tnLst>
-      <p:par>
-        <p:cTn id="1" dur="indefinite" restart="never" nodeType="tmRoot"/>
-      </p:par>
-    </p:tnLst>
-  </p:timing>
 </p:sld>
 </file>
 
@@ -37116,11 +36332,11 @@
           <a:lstStyle/>
           <a:p>
             <a:r>
-              <a:rPr lang="en-IE" dirty="0" smtClean="0"/>
+              <a:rPr lang="en-IE" dirty="0"/>
               <a:t>Mongo &amp; </a:t>
             </a:r>
             <a:r>
-              <a:rPr lang="en-IE" dirty="0" err="1" smtClean="0"/>
+              <a:rPr lang="en-IE" dirty="0" err="1"/>
               <a:t>Javascript</a:t>
             </a:r>
             <a:endParaRPr lang="en-IE" dirty="0"/>
@@ -37143,15 +36359,15 @@
           <a:lstStyle/>
           <a:p>
             <a:r>
-              <a:rPr lang="en-IE" dirty="0" smtClean="0"/>
+              <a:rPr lang="en-IE" dirty="0"/>
               <a:t>You can store your commands in a </a:t>
             </a:r>
             <a:r>
-              <a:rPr lang="en-IE" dirty="0" err="1" smtClean="0"/>
+              <a:rPr lang="en-IE" dirty="0" err="1"/>
               <a:t>js</a:t>
             </a:r>
             <a:r>
-              <a:rPr lang="en-IE" dirty="0" smtClean="0"/>
+              <a:rPr lang="en-IE" dirty="0"/>
               <a:t> script and execute them with</a:t>
             </a:r>
           </a:p>
@@ -37160,7 +36376,7 @@
               <a:buNone/>
             </a:pPr>
             <a:r>
-              <a:rPr lang="en-IE" dirty="0" smtClean="0"/>
+              <a:rPr lang="en-IE" dirty="0"/>
               <a:t>	mongo js_file.js</a:t>
             </a:r>
           </a:p>
@@ -37191,7 +36407,7 @@
               <a:defRPr/>
             </a:pPr>
             <a:r>
-              <a:rPr lang="en-US" smtClean="0"/>
+              <a:rPr lang="en-US"/>
               <a:t>2012/2013 - DT228/4</a:t>
             </a:r>
             <a:endParaRPr lang="en-IE" dirty="0"/>
@@ -37237,13 +36453,6 @@
   <p:clrMapOvr>
     <a:masterClrMapping/>
   </p:clrMapOvr>
-  <p:timing>
-    <p:tnLst>
-      <p:par>
-        <p:cTn id="1" dur="indefinite" restart="never" nodeType="tmRoot"/>
-      </p:par>
-    </p:tnLst>
-  </p:timing>
 </p:sld>
 </file>
 
@@ -37280,10 +36489,9 @@
           <a:lstStyle/>
           <a:p>
             <a:r>
-              <a:rPr lang="en-IE" dirty="0" smtClean="0"/>
+              <a:rPr lang="en-IE" dirty="0"/>
               <a:t>Shell – Script Commands</a:t>
             </a:r>
-            <a:endParaRPr lang="en-IE" dirty="0"/>
           </a:p>
         </p:txBody>
       </p:sp>
@@ -37330,7 +36538,7 @@
                     <a:p>
                       <a:pPr algn="ctr"/>
                       <a:r>
-                        <a:rPr lang="en-IE" sz="2000" b="1" dirty="0" smtClean="0">
+                        <a:rPr lang="en-IE" sz="2000" b="1" dirty="0">
                           <a:effectLst/>
                           <a:latin typeface="Source Code Pro"/>
                         </a:rPr>
@@ -37339,7 +36547,7 @@
                     </a:p>
                     <a:p>
                       <a:pPr algn="l"/>
-                      <a:endParaRPr lang="en-IE" dirty="0" smtClean="0">
+                      <a:endParaRPr lang="en-IE" dirty="0">
                         <a:effectLst/>
                         <a:latin typeface="Source Code Pro"/>
                       </a:endParaRPr>
@@ -37347,7 +36555,7 @@
                     <a:p>
                       <a:pPr algn="l"/>
                       <a:r>
-                        <a:rPr lang="en-IE" dirty="0" smtClean="0">
+                        <a:rPr lang="en-IE" dirty="0">
                           <a:effectLst/>
                           <a:latin typeface="Source Code Pro"/>
                         </a:rPr>
@@ -37428,7 +36636,7 @@
                     <a:p>
                       <a:pPr algn="ctr"/>
                       <a:r>
-                        <a:rPr lang="en-IE" sz="2000" b="1" dirty="0" smtClean="0">
+                        <a:rPr lang="en-IE" sz="2000" b="1" dirty="0">
                           <a:effectLst/>
                         </a:rPr>
                         <a:t>JS SCRIPT</a:t>
@@ -37436,14 +36644,14 @@
                     </a:p>
                     <a:p>
                       <a:pPr algn="l"/>
-                      <a:endParaRPr lang="en-IE" dirty="0" smtClean="0">
+                      <a:endParaRPr lang="en-IE" dirty="0">
                         <a:effectLst/>
                       </a:endParaRPr>
                     </a:p>
                     <a:p>
                       <a:pPr algn="l"/>
                       <a:r>
-                        <a:rPr lang="en-IE" dirty="0" err="1" smtClean="0">
+                        <a:rPr lang="en-IE" dirty="0" err="1">
                           <a:effectLst/>
                         </a:rPr>
                         <a:t>db.adminCommand</a:t>
@@ -37802,7 +37010,7 @@
               <a:defRPr/>
             </a:pPr>
             <a:r>
-              <a:rPr lang="en-US" smtClean="0"/>
+              <a:rPr lang="en-US"/>
               <a:t>2012/2013 - DT228/4</a:t>
             </a:r>
             <a:endParaRPr lang="en-IE" dirty="0"/>
@@ -37848,13 +37056,6 @@
   <p:clrMapOvr>
     <a:masterClrMapping/>
   </p:clrMapOvr>
-  <p:timing>
-    <p:tnLst>
-      <p:par>
-        <p:cTn id="1" dur="indefinite" restart="never" nodeType="tmRoot"/>
-      </p:par>
-    </p:tnLst>
-  </p:timing>
 </p:sld>
 </file>
 
@@ -37891,10 +37092,9 @@
           <a:lstStyle/>
           <a:p>
             <a:r>
-              <a:rPr lang="en-IE" dirty="0" smtClean="0"/>
+              <a:rPr lang="en-IE" dirty="0"/>
               <a:t>Cursors</a:t>
             </a:r>
-            <a:endParaRPr lang="en-IE" dirty="0"/>
           </a:p>
         </p:txBody>
       </p:sp>
@@ -37955,20 +37155,14 @@
               <a:rPr lang="en-IE" sz="2000" dirty="0">
                 <a:latin typeface="Courier" pitchFamily="49" charset="0"/>
               </a:rPr>
-              <a:t>( { type: 'food' } </a:t>
-            </a:r>
-            <a:r>
-              <a:rPr lang="en-IE" sz="2000" dirty="0" smtClean="0">
-                <a:latin typeface="Courier" pitchFamily="49" charset="0"/>
-              </a:rPr>
-              <a:t>);</a:t>
+              <a:t>( { type: 'food' } );</a:t>
             </a:r>
           </a:p>
           <a:p>
             <a:pPr marL="0" indent="0">
               <a:buNone/>
             </a:pPr>
-            <a:endParaRPr lang="en-IE" sz="2000" b="1" dirty="0" smtClean="0">
+            <a:endParaRPr lang="en-IE" sz="2000" b="1" dirty="0">
               <a:latin typeface="Courier" pitchFamily="49" charset="0"/>
             </a:endParaRPr>
           </a:p>
@@ -37977,16 +37171,34 @@
               <a:buNone/>
             </a:pPr>
             <a:r>
-              <a:rPr lang="en-IE" sz="2000" b="1" dirty="0" smtClean="0">
+              <a:rPr lang="en-IE" sz="2000" b="1" dirty="0">
                 <a:latin typeface="Courier" pitchFamily="49" charset="0"/>
               </a:rPr>
               <a:t>while</a:t>
             </a:r>
             <a:r>
-              <a:rPr lang="en-IE" sz="2000" dirty="0" smtClean="0">
+              <a:rPr lang="en-IE" sz="2000" dirty="0">
                 <a:latin typeface="Courier" pitchFamily="49" charset="0"/>
               </a:rPr>
-              <a:t> </a:t>
+              <a:t> (</a:t>
+            </a:r>
+            <a:r>
+              <a:rPr lang="en-IE" sz="2000" dirty="0" err="1">
+                <a:latin typeface="Courier" pitchFamily="49" charset="0"/>
+              </a:rPr>
+              <a:t>myCursor.hasNext</a:t>
+            </a:r>
+            <a:r>
+              <a:rPr lang="en-IE" sz="2000" dirty="0">
+                <a:latin typeface="Courier" pitchFamily="49" charset="0"/>
+              </a:rPr>
+              <a:t>()) { 	print(</a:t>
+            </a:r>
+            <a:r>
+              <a:rPr lang="en-IE" sz="2000" dirty="0" err="1">
+                <a:latin typeface="Courier" pitchFamily="49" charset="0"/>
+              </a:rPr>
+              <a:t>tojson</a:t>
             </a:r>
             <a:r>
               <a:rPr lang="en-IE" sz="2000" dirty="0">
@@ -37998,56 +37210,57 @@
               <a:rPr lang="en-IE" sz="2000" dirty="0" err="1">
                 <a:latin typeface="Courier" pitchFamily="49" charset="0"/>
               </a:rPr>
-              <a:t>myCursor.hasNext</a:t>
+              <a:t>myCursor.next</a:t>
             </a:r>
             <a:r>
               <a:rPr lang="en-IE" sz="2000" dirty="0">
                 <a:latin typeface="Courier" pitchFamily="49" charset="0"/>
               </a:rPr>
-              <a:t>()) { </a:t>
-            </a:r>
-            <a:r>
-              <a:rPr lang="en-IE" sz="2000" dirty="0" smtClean="0">
+              <a:t>())); }</a:t>
+            </a:r>
+          </a:p>
+          <a:p>
+            <a:pPr marL="0" indent="0">
+              <a:buNone/>
+            </a:pPr>
+            <a:endParaRPr lang="en-IE" sz="2000" dirty="0">
+              <a:latin typeface="Courier" pitchFamily="49" charset="0"/>
+            </a:endParaRPr>
+          </a:p>
+          <a:p>
+            <a:pPr marL="0" indent="0">
+              <a:buNone/>
+            </a:pPr>
+            <a:r>
+              <a:rPr lang="en-IE" sz="2000" dirty="0" err="1">
                 <a:latin typeface="Courier" pitchFamily="49" charset="0"/>
               </a:rPr>
-              <a:t>	print(</a:t>
-            </a:r>
-            <a:r>
-              <a:rPr lang="en-IE" sz="2000" dirty="0" err="1" smtClean="0">
-                <a:latin typeface="Courier" pitchFamily="49" charset="0"/>
-              </a:rPr>
-              <a:t>tojson</a:t>
-            </a:r>
-            <a:r>
-              <a:rPr lang="en-IE" sz="2000" dirty="0" smtClean="0">
+              <a:t>myCursor.forEach</a:t>
+            </a:r>
+            <a:r>
+              <a:rPr lang="en-IE" sz="2000" dirty="0">
                 <a:latin typeface="Courier" pitchFamily="49" charset="0"/>
               </a:rPr>
               <a:t>(</a:t>
             </a:r>
             <a:r>
-              <a:rPr lang="en-IE" sz="2000" dirty="0" err="1" smtClean="0">
+              <a:rPr lang="en-IE" sz="2000" dirty="0" err="1">
                 <a:latin typeface="Courier" pitchFamily="49" charset="0"/>
               </a:rPr>
-              <a:t>myCursor.next</a:t>
+              <a:t>printjson</a:t>
             </a:r>
             <a:r>
               <a:rPr lang="en-IE" sz="2000" dirty="0">
                 <a:latin typeface="Courier" pitchFamily="49" charset="0"/>
               </a:rPr>
-              <a:t>())); </a:t>
-            </a:r>
-            <a:r>
-              <a:rPr lang="en-IE" sz="2000" dirty="0" smtClean="0">
-                <a:latin typeface="Courier" pitchFamily="49" charset="0"/>
-              </a:rPr>
-              <a:t>}</a:t>
+              <a:t>);</a:t>
             </a:r>
           </a:p>
           <a:p>
             <a:pPr marL="0" indent="0">
               <a:buNone/>
             </a:pPr>
-            <a:endParaRPr lang="en-IE" sz="2000" dirty="0" smtClean="0">
+            <a:endParaRPr lang="en-IE" sz="2000" b="1" dirty="0">
               <a:latin typeface="Courier" pitchFamily="49" charset="0"/>
             </a:endParaRPr>
           </a:p>
@@ -38056,50 +37269,13 @@
               <a:buNone/>
             </a:pPr>
             <a:r>
-              <a:rPr lang="en-IE" sz="2000" dirty="0" err="1" smtClean="0">
-                <a:latin typeface="Courier" pitchFamily="49" charset="0"/>
-              </a:rPr>
-              <a:t>myCursor.forEach</a:t>
-            </a:r>
-            <a:r>
-              <a:rPr lang="en-IE" sz="2000" dirty="0" smtClean="0">
-                <a:latin typeface="Courier" pitchFamily="49" charset="0"/>
-              </a:rPr>
-              <a:t>(</a:t>
-            </a:r>
-            <a:r>
-              <a:rPr lang="en-IE" sz="2000" dirty="0" err="1" smtClean="0">
-                <a:latin typeface="Courier" pitchFamily="49" charset="0"/>
-              </a:rPr>
-              <a:t>printjson</a:t>
-            </a:r>
-            <a:r>
-              <a:rPr lang="en-IE" sz="2000" dirty="0" smtClean="0">
-                <a:latin typeface="Courier" pitchFamily="49" charset="0"/>
-              </a:rPr>
-              <a:t>);</a:t>
-            </a:r>
-          </a:p>
-          <a:p>
-            <a:pPr marL="0" indent="0">
-              <a:buNone/>
-            </a:pPr>
-            <a:endParaRPr lang="en-IE" sz="2000" b="1" dirty="0" smtClean="0">
-              <a:latin typeface="Courier" pitchFamily="49" charset="0"/>
-            </a:endParaRPr>
-          </a:p>
-          <a:p>
-            <a:pPr marL="0" indent="0">
-              <a:buNone/>
-            </a:pPr>
-            <a:r>
-              <a:rPr lang="en-IE" sz="2000" b="1" dirty="0" err="1" smtClean="0">
+              <a:rPr lang="en-IE" sz="2000" b="1" dirty="0" err="1">
                 <a:latin typeface="Courier" pitchFamily="49" charset="0"/>
               </a:rPr>
               <a:t>var</a:t>
             </a:r>
             <a:r>
-              <a:rPr lang="en-IE" sz="2000" dirty="0" smtClean="0">
+              <a:rPr lang="en-IE" sz="2000" dirty="0">
                 <a:latin typeface="Courier" pitchFamily="49" charset="0"/>
               </a:rPr>
               <a:t> </a:t>
@@ -38128,22 +37304,19 @@
               </a:rPr>
               <a:t>(); </a:t>
             </a:r>
-            <a:endParaRPr lang="en-IE" sz="2000" dirty="0" smtClean="0">
-              <a:latin typeface="Courier" pitchFamily="49" charset="0"/>
-            </a:endParaRPr>
           </a:p>
           <a:p>
             <a:pPr marL="0" indent="0">
               <a:buNone/>
             </a:pPr>
             <a:r>
-              <a:rPr lang="en-IE" sz="2000" b="1" dirty="0" err="1" smtClean="0">
+              <a:rPr lang="en-IE" sz="2000" b="1" dirty="0" err="1">
                 <a:latin typeface="Courier" pitchFamily="49" charset="0"/>
               </a:rPr>
               <a:t>var</a:t>
             </a:r>
             <a:r>
-              <a:rPr lang="en-IE" sz="2000" dirty="0" smtClean="0">
+              <a:rPr lang="en-IE" sz="2000" dirty="0">
                 <a:latin typeface="Courier" pitchFamily="49" charset="0"/>
               </a:rPr>
               <a:t> </a:t>
@@ -38170,20 +37343,14 @@
               <a:rPr lang="en-IE" sz="2000" dirty="0">
                 <a:latin typeface="Courier" pitchFamily="49" charset="0"/>
               </a:rPr>
-              <a:t>[3</a:t>
-            </a:r>
-            <a:r>
-              <a:rPr lang="en-IE" sz="2000" dirty="0" smtClean="0">
-                <a:latin typeface="Courier" pitchFamily="49" charset="0"/>
-              </a:rPr>
-              <a:t>];</a:t>
+              <a:t>[3];</a:t>
             </a:r>
           </a:p>
           <a:p>
             <a:pPr marL="0" indent="0">
               <a:buNone/>
             </a:pPr>
-            <a:endParaRPr lang="en-IE" sz="2000" b="1" dirty="0" smtClean="0">
+            <a:endParaRPr lang="en-IE" sz="2000" b="1" dirty="0">
               <a:latin typeface="Courier" pitchFamily="49" charset="0"/>
             </a:endParaRPr>
           </a:p>
@@ -38192,13 +37359,13 @@
               <a:buNone/>
             </a:pPr>
             <a:r>
-              <a:rPr lang="en-IE" sz="2000" b="1" dirty="0" err="1" smtClean="0">
+              <a:rPr lang="en-IE" sz="2000" b="1" dirty="0" err="1">
                 <a:latin typeface="Courier" pitchFamily="49" charset="0"/>
               </a:rPr>
               <a:t>var</a:t>
             </a:r>
             <a:r>
-              <a:rPr lang="en-IE" sz="2000" dirty="0" smtClean="0">
+              <a:rPr lang="en-IE" sz="2000" dirty="0">
                 <a:latin typeface="Courier" pitchFamily="49" charset="0"/>
               </a:rPr>
               <a:t> </a:t>
@@ -38249,7 +37416,7 @@
               <a:defRPr/>
             </a:pPr>
             <a:r>
-              <a:rPr lang="en-US" smtClean="0"/>
+              <a:rPr lang="en-US"/>
               <a:t>2012/2013 - DT228/4</a:t>
             </a:r>
             <a:endParaRPr lang="en-IE" dirty="0"/>
@@ -38295,13 +37462,6 @@
   <p:clrMapOvr>
     <a:masterClrMapping/>
   </p:clrMapOvr>
-  <p:timing>
-    <p:tnLst>
-      <p:par>
-        <p:cTn id="1" dur="indefinite" restart="never" nodeType="tmRoot"/>
-      </p:par>
-    </p:tnLst>
-  </p:timing>
 </p:sld>
 </file>
 
@@ -38338,10 +37498,9 @@
           <a:lstStyle/>
           <a:p>
             <a:r>
-              <a:rPr lang="en-IE" dirty="0" smtClean="0"/>
+              <a:rPr lang="en-IE" dirty="0"/>
               <a:t>Map Reduce</a:t>
             </a:r>
-            <a:endParaRPr lang="en-IE" dirty="0"/>
           </a:p>
         </p:txBody>
       </p:sp>
@@ -38366,37 +37525,37 @@
           <a:lstStyle/>
           <a:p>
             <a:r>
-              <a:rPr lang="en-IE" sz="2400" dirty="0" smtClean="0"/>
+              <a:rPr lang="en-IE" sz="2400" dirty="0"/>
               <a:t>Algorithm (“template”) to perform distributed parallel computation</a:t>
             </a:r>
           </a:p>
           <a:p>
             <a:r>
-              <a:rPr lang="en-IE" sz="2400" dirty="0" smtClean="0"/>
+              <a:rPr lang="en-IE" sz="2400" dirty="0"/>
               <a:t>Used in </a:t>
             </a:r>
             <a:r>
-              <a:rPr lang="en-IE" sz="2400" dirty="0" err="1" smtClean="0"/>
+              <a:rPr lang="en-IE" sz="2400" dirty="0" err="1"/>
               <a:t>MongoDB</a:t>
             </a:r>
             <a:r>
-              <a:rPr lang="en-IE" sz="2400" dirty="0" smtClean="0"/>
+              <a:rPr lang="en-IE" sz="2400" dirty="0"/>
               <a:t> for performing distributed queries, for instance aggregated queries</a:t>
             </a:r>
           </a:p>
           <a:p>
             <a:r>
-              <a:rPr lang="en-IE" sz="2400" dirty="0" err="1" smtClean="0"/>
+              <a:rPr lang="en-IE" sz="2400" dirty="0" err="1"/>
               <a:t>MongoDB</a:t>
             </a:r>
             <a:r>
-              <a:rPr lang="en-IE" sz="2400" dirty="0" smtClean="0"/>
+              <a:rPr lang="en-IE" sz="2400" dirty="0"/>
               <a:t> provides the function map-reduce</a:t>
             </a:r>
           </a:p>
           <a:p>
             <a:r>
-              <a:rPr lang="en-IE" sz="2400" dirty="0" smtClean="0"/>
+              <a:rPr lang="en-IE" sz="2400" dirty="0"/>
               <a:t>Map reduce is a concept from functional programming</a:t>
             </a:r>
           </a:p>
@@ -38405,16 +37564,12 @@
               <a:buNone/>
             </a:pPr>
             <a:r>
-              <a:rPr lang="en-IE" sz="2400" dirty="0" smtClean="0">
+              <a:rPr lang="en-IE" sz="2400" dirty="0">
                 <a:latin typeface="Courier New" pitchFamily="49" charset="0"/>
                 <a:cs typeface="Courier New" pitchFamily="49" charset="0"/>
               </a:rPr>
               <a:t>map even [3,4,5,6,7,9] = [4,6] </a:t>
             </a:r>
-            <a:endParaRPr lang="en-IE" sz="2400" dirty="0">
-              <a:latin typeface="Courier New" pitchFamily="49" charset="0"/>
-              <a:cs typeface="Courier New" pitchFamily="49" charset="0"/>
-            </a:endParaRPr>
           </a:p>
         </p:txBody>
       </p:sp>
@@ -38457,13 +37612,6 @@
   <p:clrMapOvr>
     <a:masterClrMapping/>
   </p:clrMapOvr>
-  <p:timing>
-    <p:tnLst>
-      <p:par>
-        <p:cTn id="1" dur="indefinite" restart="never" nodeType="tmRoot"/>
-      </p:par>
-    </p:tnLst>
-  </p:timing>
 </p:sld>
 </file>
 
@@ -38500,7 +37648,7 @@
           <a:lstStyle/>
           <a:p>
             <a:r>
-              <a:rPr lang="en-US" smtClean="0"/>
+              <a:rPr lang="en-US"/>
               <a:t>Map-Reduce</a:t>
             </a:r>
           </a:p>
@@ -38532,7 +37680,7 @@
               <a:defRPr/>
             </a:pPr>
             <a:r>
-              <a:rPr lang="en-US" sz="2700" dirty="0" smtClean="0">
+              <a:rPr lang="en-US" sz="2700" dirty="0">
                 <a:solidFill>
                   <a:schemeClr val="tx1">
                     <a:lumMod val="75000"/>
@@ -38540,27 +37688,8 @@
                   </a:schemeClr>
                 </a:solidFill>
               </a:rPr>
-              <a:t>Has two </a:t>
-            </a:r>
-            <a:r>
-              <a:rPr lang="en-US" sz="2700" dirty="0">
-                <a:solidFill>
-                  <a:schemeClr val="tx1">
-                    <a:lumMod val="75000"/>
-                    <a:lumOff val="25000"/>
-                  </a:schemeClr>
-                </a:solidFill>
-              </a:rPr>
-              <a:t>phases: </a:t>
-            </a:r>
-            <a:endParaRPr lang="en-US" sz="2700" dirty="0" smtClean="0">
-              <a:solidFill>
-                <a:schemeClr val="tx1">
-                  <a:lumMod val="75000"/>
-                  <a:lumOff val="25000"/>
-                </a:schemeClr>
-              </a:solidFill>
-            </a:endParaRPr>
+              <a:t>Has two phases: </a:t>
+            </a:r>
           </a:p>
           <a:p>
             <a:pPr lvl="1" fontAlgn="auto">
@@ -38572,7 +37701,7 @@
               <a:defRPr/>
             </a:pPr>
             <a:r>
-              <a:rPr lang="en-US" sz="2400" dirty="0" smtClean="0">
+              <a:rPr lang="en-US" sz="2400" dirty="0">
                 <a:solidFill>
                   <a:schemeClr val="tx1">
                     <a:lumMod val="75000"/>
@@ -38580,10 +37709,10 @@
                   </a:schemeClr>
                 </a:solidFill>
               </a:rPr>
-              <a:t>A</a:t>
-            </a:r>
-            <a:r>
-              <a:rPr lang="en-US" sz="2400" dirty="0">
+              <a:t>A </a:t>
+            </a:r>
+            <a:r>
+              <a:rPr lang="en-US" sz="2400" i="1" dirty="0">
                 <a:solidFill>
                   <a:schemeClr val="tx1">
                     <a:lumMod val="75000"/>
@@ -38591,10 +37720,10 @@
                   </a:schemeClr>
                 </a:solidFill>
               </a:rPr>
-              <a:t> </a:t>
-            </a:r>
-            <a:r>
-              <a:rPr lang="en-US" sz="2400" i="1" dirty="0">
+              <a:t>map</a:t>
+            </a:r>
+            <a:r>
+              <a:rPr lang="en-US" sz="2400" dirty="0">
                 <a:solidFill>
                   <a:schemeClr val="tx1">
                     <a:lumMod val="75000"/>
@@ -38602,10 +37731,10 @@
                   </a:schemeClr>
                 </a:solidFill>
               </a:rPr>
-              <a:t>map</a:t>
-            </a:r>
-            <a:r>
-              <a:rPr lang="en-US" sz="2400" dirty="0">
+              <a:t> stage that processes each document and </a:t>
+            </a:r>
+            <a:r>
+              <a:rPr lang="en-US" sz="2400" i="1" dirty="0">
                 <a:solidFill>
                   <a:schemeClr val="tx1">
                     <a:lumMod val="75000"/>
@@ -38613,10 +37742,10 @@
                   </a:schemeClr>
                 </a:solidFill>
               </a:rPr>
-              <a:t> stage that processes each document and </a:t>
-            </a:r>
-            <a:r>
-              <a:rPr lang="en-US" sz="2400" i="1" dirty="0">
+              <a:t>emits</a:t>
+            </a:r>
+            <a:r>
+              <a:rPr lang="en-US" sz="2400" dirty="0">
                 <a:solidFill>
                   <a:schemeClr val="tx1">
                     <a:lumMod val="75000"/>
@@ -38624,29 +37753,7 @@
                   </a:schemeClr>
                 </a:solidFill>
               </a:rPr>
-              <a:t>emits</a:t>
-            </a:r>
-            <a:r>
-              <a:rPr lang="en-US" sz="2400" dirty="0">
-                <a:solidFill>
-                  <a:schemeClr val="tx1">
-                    <a:lumMod val="75000"/>
-                    <a:lumOff val="25000"/>
-                  </a:schemeClr>
-                </a:solidFill>
-              </a:rPr>
-              <a:t> one or more objects for each input </a:t>
-            </a:r>
-            <a:r>
-              <a:rPr lang="en-US" sz="2400" dirty="0" smtClean="0">
-                <a:solidFill>
-                  <a:schemeClr val="tx1">
-                    <a:lumMod val="75000"/>
-                    <a:lumOff val="25000"/>
-                  </a:schemeClr>
-                </a:solidFill>
-              </a:rPr>
-              <a:t>document</a:t>
+              <a:t> one or more objects for each input document</a:t>
             </a:r>
           </a:p>
           <a:p>
@@ -38659,7 +37766,7 @@
               <a:defRPr/>
             </a:pPr>
             <a:r>
-              <a:rPr lang="en-US" sz="2400" dirty="0" smtClean="0">
+              <a:rPr lang="en-US" sz="2400" dirty="0">
                 <a:solidFill>
                   <a:schemeClr val="tx1">
                     <a:lumMod val="75000"/>
@@ -38670,7 +37777,7 @@
               <a:t>A</a:t>
             </a:r>
             <a:r>
-              <a:rPr lang="en-US" sz="2400" i="1" dirty="0" smtClean="0">
+              <a:rPr lang="en-US" sz="2400" i="1" dirty="0">
                 <a:solidFill>
                   <a:schemeClr val="tx1">
                     <a:lumMod val="75000"/>
@@ -38689,18 +37796,7 @@
                   </a:schemeClr>
                 </a:solidFill>
               </a:rPr>
-              <a:t> phase that combines the output of the map operation</a:t>
-            </a:r>
-            <a:r>
-              <a:rPr lang="en-US" sz="2400" dirty="0" smtClean="0">
-                <a:solidFill>
-                  <a:schemeClr val="tx1">
-                    <a:lumMod val="75000"/>
-                    <a:lumOff val="25000"/>
-                  </a:schemeClr>
-                </a:solidFill>
-              </a:rPr>
-              <a:t>.</a:t>
+              <a:t> phase that combines the output of the map operation.</a:t>
             </a:r>
           </a:p>
           <a:p>
@@ -38713,7 +37809,7 @@
               <a:defRPr/>
             </a:pPr>
             <a:r>
-              <a:rPr lang="en-US" sz="2400" dirty="0" smtClean="0">
+              <a:rPr lang="en-US" sz="2400" dirty="0">
                 <a:solidFill>
                   <a:schemeClr val="tx1">
                     <a:lumMod val="75000"/>
@@ -38721,10 +37817,10 @@
                   </a:schemeClr>
                 </a:solidFill>
               </a:rPr>
-              <a:t>An optional</a:t>
-            </a:r>
-            <a:r>
-              <a:rPr lang="en-US" sz="2400" dirty="0">
+              <a:t>An optional </a:t>
+            </a:r>
+            <a:r>
+              <a:rPr lang="en-US" sz="2400" i="1" dirty="0">
                 <a:solidFill>
                   <a:schemeClr val="tx1">
                     <a:lumMod val="75000"/>
@@ -38732,10 +37828,10 @@
                   </a:schemeClr>
                 </a:solidFill>
               </a:rPr>
-              <a:t> </a:t>
-            </a:r>
-            <a:r>
-              <a:rPr lang="en-US" sz="2400" i="1" dirty="0">
+              <a:t>finalize</a:t>
+            </a:r>
+            <a:r>
+              <a:rPr lang="en-US" sz="2400" dirty="0">
                 <a:solidFill>
                   <a:schemeClr val="tx1">
                     <a:lumMod val="75000"/>
@@ -38743,60 +37839,8 @@
                   </a:schemeClr>
                 </a:solidFill>
               </a:rPr>
-              <a:t>finalize</a:t>
-            </a:r>
-            <a:r>
-              <a:rPr lang="en-US" sz="2400" dirty="0">
-                <a:solidFill>
-                  <a:schemeClr val="tx1">
-                    <a:lumMod val="75000"/>
-                    <a:lumOff val="25000"/>
-                  </a:schemeClr>
-                </a:solidFill>
-              </a:rPr>
-              <a:t> stage </a:t>
-            </a:r>
-            <a:r>
-              <a:rPr lang="en-US" sz="2400" dirty="0" smtClean="0">
-                <a:solidFill>
-                  <a:schemeClr val="tx1">
-                    <a:lumMod val="75000"/>
-                    <a:lumOff val="25000"/>
-                  </a:schemeClr>
-                </a:solidFill>
-              </a:rPr>
-              <a:t>for final </a:t>
-            </a:r>
-            <a:r>
-              <a:rPr lang="en-US" sz="2400" dirty="0">
-                <a:solidFill>
-                  <a:schemeClr val="tx1">
-                    <a:lumMod val="75000"/>
-                    <a:lumOff val="25000"/>
-                  </a:schemeClr>
-                </a:solidFill>
-              </a:rPr>
-              <a:t>modifications to the </a:t>
-            </a:r>
-            <a:r>
-              <a:rPr lang="en-US" sz="2400" dirty="0" smtClean="0">
-                <a:solidFill>
-                  <a:schemeClr val="tx1">
-                    <a:lumMod val="75000"/>
-                    <a:lumOff val="25000"/>
-                  </a:schemeClr>
-                </a:solidFill>
-              </a:rPr>
-              <a:t>result</a:t>
-            </a:r>
-            <a:endParaRPr lang="en-US" sz="2400" dirty="0">
-              <a:solidFill>
-                <a:schemeClr val="tx1">
-                  <a:lumMod val="75000"/>
-                  <a:lumOff val="25000"/>
-                </a:schemeClr>
-              </a:solidFill>
-            </a:endParaRPr>
+              <a:t> stage for final modifications to the result</a:t>
+            </a:r>
           </a:p>
           <a:p>
             <a:pPr fontAlgn="auto">
@@ -38808,7 +37852,7 @@
               <a:defRPr/>
             </a:pPr>
             <a:r>
-              <a:rPr lang="en-US" sz="2700" dirty="0" smtClean="0">
+              <a:rPr lang="en-US" sz="2700" dirty="0">
                 <a:solidFill>
                   <a:schemeClr val="tx1">
                     <a:lumMod val="75000"/>
@@ -38829,7 +37873,7 @@
               <a:defRPr/>
             </a:pPr>
             <a:r>
-              <a:rPr lang="en-US" sz="2600" dirty="0" smtClean="0">
+              <a:rPr lang="en-US" sz="2600" dirty="0">
                 <a:solidFill>
                   <a:schemeClr val="tx1">
                     <a:lumMod val="75000"/>
@@ -38850,7 +37894,7 @@
               <a:defRPr/>
             </a:pPr>
             <a:r>
-              <a:rPr lang="en-US" sz="2700" dirty="0" smtClean="0">
+              <a:rPr lang="en-US" sz="2700" dirty="0">
                 <a:solidFill>
                   <a:schemeClr val="tx1">
                     <a:lumMod val="75000"/>
@@ -38858,18 +37902,7 @@
                   </a:schemeClr>
                 </a:solidFill>
               </a:rPr>
-              <a:t>Can </a:t>
-            </a:r>
-            <a:r>
-              <a:rPr lang="en-US" sz="2700" dirty="0">
-                <a:solidFill>
-                  <a:schemeClr val="tx1">
-                    <a:lumMod val="75000"/>
-                    <a:lumOff val="25000"/>
-                  </a:schemeClr>
-                </a:solidFill>
-              </a:rPr>
-              <a:t>have output sets that exceed the 16 megabyte output limitation of the aggregation pipeline.</a:t>
+              <a:t>Can have output sets that exceed the 16 megabyte output limitation of the aggregation pipeline.</a:t>
             </a:r>
           </a:p>
           <a:p>
@@ -38902,13 +37935,6 @@
   <p:clrMapOvr>
     <a:masterClrMapping/>
   </p:clrMapOvr>
-  <p:timing>
-    <p:tnLst>
-      <p:par>
-        <p:cTn id="1" dur="indefinite" restart="never" nodeType="tmRoot"/>
-      </p:par>
-    </p:tnLst>
-  </p:timing>
 </p:sld>
 </file>
 
@@ -38945,11 +37971,11 @@
           <a:lstStyle/>
           <a:p>
             <a:r>
-              <a:rPr lang="en-IE" dirty="0" smtClean="0"/>
+              <a:rPr lang="en-IE" dirty="0"/>
               <a:t>Map reduce in </a:t>
             </a:r>
             <a:r>
-              <a:rPr lang="en-IE" dirty="0" err="1" smtClean="0"/>
+              <a:rPr lang="en-IE" dirty="0" err="1"/>
               <a:t>MongoDB</a:t>
             </a:r>
             <a:endParaRPr lang="en-IE" dirty="0"/>
@@ -38982,33 +38008,27 @@
               <a:rPr lang="en-IE" sz="2400" dirty="0"/>
               <a:t>( { </a:t>
             </a:r>
-            <a:endParaRPr lang="en-IE" sz="2400" dirty="0" smtClean="0"/>
           </a:p>
           <a:p>
             <a:pPr marL="400050" lvl="1" indent="0">
               <a:buNone/>
             </a:pPr>
             <a:r>
-              <a:rPr lang="en-IE" sz="2000" dirty="0" err="1" smtClean="0"/>
+              <a:rPr lang="en-IE" sz="2000" dirty="0" err="1"/>
               <a:t>mapReduce</a:t>
             </a:r>
             <a:r>
               <a:rPr lang="en-IE" sz="2000" dirty="0"/>
               <a:t>: &lt;collection&gt;, </a:t>
             </a:r>
-            <a:endParaRPr lang="en-IE" sz="2000" dirty="0" smtClean="0"/>
           </a:p>
           <a:p>
             <a:pPr marL="400050" lvl="1" indent="0">
               <a:buNone/>
             </a:pPr>
             <a:r>
-              <a:rPr lang="en-IE" sz="2000" dirty="0" smtClean="0"/>
-              <a:t>map</a:t>
-            </a:r>
-            <a:r>
               <a:rPr lang="en-IE" sz="2000" dirty="0"/>
-              <a:t>: &lt;</a:t>
+              <a:t>map: &lt;</a:t>
             </a:r>
             <a:r>
               <a:rPr lang="en-IE" sz="2000" b="1" dirty="0"/>
@@ -39018,19 +38038,14 @@
               <a:rPr lang="en-IE" sz="2000" dirty="0"/>
               <a:t>&gt;, </a:t>
             </a:r>
-            <a:endParaRPr lang="en-IE" sz="2000" dirty="0" smtClean="0"/>
           </a:p>
           <a:p>
             <a:pPr marL="400050" lvl="1" indent="0">
               <a:buNone/>
             </a:pPr>
             <a:r>
-              <a:rPr lang="en-IE" sz="2000" dirty="0" smtClean="0"/>
-              <a:t>reduce</a:t>
-            </a:r>
-            <a:r>
               <a:rPr lang="en-IE" sz="2000" dirty="0"/>
-              <a:t>: &lt;</a:t>
+              <a:t>reduce: &lt;</a:t>
             </a:r>
             <a:r>
               <a:rPr lang="en-IE" sz="2000" b="1" dirty="0"/>
@@ -39040,14 +38055,13 @@
               <a:rPr lang="en-IE" sz="2000" dirty="0"/>
               <a:t>&gt;, </a:t>
             </a:r>
-            <a:endParaRPr lang="en-IE" sz="2000" dirty="0" smtClean="0"/>
           </a:p>
           <a:p>
             <a:pPr marL="400050" lvl="1" indent="0">
               <a:buNone/>
             </a:pPr>
             <a:r>
-              <a:rPr lang="en-IE" sz="2000" dirty="0" smtClean="0"/>
+              <a:rPr lang="en-IE" sz="2000" dirty="0"/>
               <a:t>{</a:t>
             </a:r>
           </a:p>
@@ -39056,63 +38070,43 @@
               <a:buNone/>
             </a:pPr>
             <a:r>
-              <a:rPr lang="en-IE" sz="2000" dirty="0" smtClean="0"/>
-              <a:t>	out</a:t>
-            </a:r>
-            <a:r>
               <a:rPr lang="en-IE" sz="2000" dirty="0"/>
-              <a:t>: &lt;output&gt;, </a:t>
-            </a:r>
-            <a:endParaRPr lang="en-IE" sz="2000" dirty="0" smtClean="0"/>
+              <a:t>	out: &lt;output&gt;, </a:t>
+            </a:r>
           </a:p>
           <a:p>
             <a:pPr marL="400050" lvl="1" indent="0">
               <a:buNone/>
             </a:pPr>
             <a:r>
-              <a:rPr lang="en-IE" sz="2000" dirty="0" smtClean="0"/>
-              <a:t>	query</a:t>
-            </a:r>
-            <a:r>
               <a:rPr lang="en-IE" sz="2000" dirty="0"/>
-              <a:t>: &lt;document&gt;, </a:t>
-            </a:r>
-            <a:endParaRPr lang="en-IE" sz="2000" dirty="0" smtClean="0"/>
+              <a:t>	query: &lt;document&gt;, </a:t>
+            </a:r>
           </a:p>
           <a:p>
             <a:pPr marL="400050" lvl="1" indent="0">
               <a:buNone/>
             </a:pPr>
             <a:r>
-              <a:rPr lang="en-IE" sz="2000" dirty="0" smtClean="0"/>
-              <a:t>	sort</a:t>
-            </a:r>
-            <a:r>
               <a:rPr lang="en-IE" sz="2000" dirty="0"/>
-              <a:t>: &lt;document&gt;, </a:t>
-            </a:r>
-            <a:endParaRPr lang="en-IE" sz="2000" dirty="0" smtClean="0"/>
+              <a:t>	sort: &lt;document&gt;, </a:t>
+            </a:r>
           </a:p>
           <a:p>
             <a:pPr marL="400050" lvl="1" indent="0">
               <a:buNone/>
             </a:pPr>
             <a:r>
-              <a:rPr lang="en-IE" sz="2000" dirty="0" smtClean="0"/>
-              <a:t>	limit</a:t>
-            </a:r>
-            <a:r>
               <a:rPr lang="en-IE" sz="2000" dirty="0"/>
-              <a:t>: &lt;number&gt;, </a:t>
-            </a:r>
-            <a:endParaRPr lang="en-IE" sz="2000" dirty="0" smtClean="0"/>
+              <a:t>	limit: &lt;number&gt;, </a:t>
+            </a:r>
           </a:p>
           <a:p>
             <a:pPr marL="400050" lvl="1" indent="0">
               <a:buNone/>
             </a:pPr>
             <a:r>
-              <a:rPr lang="en-IE" sz="2000" dirty="0" smtClean="0"/>
+              <a:rPr lang="en-IE" sz="2000" dirty="0"/>
               <a:t>}</a:t>
             </a:r>
           </a:p>
@@ -39121,12 +38115,8 @@
               <a:buNone/>
             </a:pPr>
             <a:r>
-              <a:rPr lang="en-IE" sz="2000" dirty="0" smtClean="0"/>
-              <a:t>finalize</a:t>
-            </a:r>
-            <a:r>
               <a:rPr lang="en-IE" sz="2000" dirty="0"/>
-              <a:t>: &lt;</a:t>
+              <a:t>finalize: &lt;</a:t>
             </a:r>
             <a:r>
               <a:rPr lang="en-IE" sz="2000" b="1" dirty="0"/>
@@ -39136,19 +38126,14 @@
               <a:rPr lang="en-IE" sz="2000" dirty="0"/>
               <a:t>&gt;, </a:t>
             </a:r>
-            <a:endParaRPr lang="en-IE" sz="2000" dirty="0" smtClean="0"/>
           </a:p>
           <a:p>
             <a:pPr marL="400050" lvl="1" indent="0">
               <a:buNone/>
             </a:pPr>
             <a:r>
-              <a:rPr lang="en-IE" sz="2000" dirty="0" smtClean="0"/>
-              <a:t>verbose</a:t>
-            </a:r>
-            <a:r>
               <a:rPr lang="en-IE" sz="2000" dirty="0"/>
-              <a:t>: &lt;</a:t>
+              <a:t>verbose: &lt;</a:t>
             </a:r>
             <a:r>
               <a:rPr lang="en-IE" sz="2000" b="1" dirty="0" err="1"/>
@@ -39180,7 +38165,7 @@
               <a:defRPr/>
             </a:pPr>
             <a:r>
-              <a:rPr lang="en-US" smtClean="0"/>
+              <a:rPr lang="en-US"/>
               <a:t>2012/2013 - DT228/4</a:t>
             </a:r>
             <a:endParaRPr lang="en-IE" dirty="0"/>
@@ -39226,13 +38211,6 @@
   <p:clrMapOvr>
     <a:masterClrMapping/>
   </p:clrMapOvr>
-  <p:timing>
-    <p:tnLst>
-      <p:par>
-        <p:cTn id="1" dur="indefinite" restart="never" nodeType="tmRoot"/>
-      </p:par>
-    </p:tnLst>
-  </p:timing>
 </p:sld>
 </file>
 
@@ -39269,10 +38247,9 @@
           <a:lstStyle/>
           <a:p>
             <a:r>
-              <a:rPr lang="en-IE" dirty="0" smtClean="0"/>
+              <a:rPr lang="en-IE" dirty="0"/>
               <a:t>Map Reduce</a:t>
             </a:r>
-            <a:endParaRPr lang="en-IE" dirty="0"/>
           </a:p>
         </p:txBody>
       </p:sp>
@@ -39324,7 +38301,7 @@
               <a:defRPr/>
             </a:pPr>
             <a:r>
-              <a:rPr lang="en-US" smtClean="0"/>
+              <a:rPr lang="en-US"/>
               <a:t>2012/2013 - DT228/4</a:t>
             </a:r>
             <a:endParaRPr lang="en-IE" dirty="0"/>
@@ -39370,13 +38347,6 @@
   <p:clrMapOvr>
     <a:masterClrMapping/>
   </p:clrMapOvr>
-  <p:timing>
-    <p:tnLst>
-      <p:par>
-        <p:cTn id="1" dur="indefinite" restart="never" nodeType="tmRoot"/>
-      </p:par>
-    </p:tnLst>
-  </p:timing>
 </p:sld>
 </file>
 
@@ -39413,10 +38383,9 @@
           <a:lstStyle/>
           <a:p>
             <a:r>
-              <a:rPr lang="en-IE" dirty="0" smtClean="0"/>
+              <a:rPr lang="en-IE" dirty="0"/>
               <a:t>Map-Reduce Example</a:t>
             </a:r>
-            <a:endParaRPr lang="en-IE" dirty="0"/>
           </a:p>
         </p:txBody>
       </p:sp>
@@ -39439,7 +38408,7 @@
               <a:defRPr/>
             </a:pPr>
             <a:r>
-              <a:rPr lang="en-US" smtClean="0"/>
+              <a:rPr lang="en-US"/>
               <a:t>2012/2013 - DT228/4</a:t>
             </a:r>
             <a:endParaRPr lang="en-IE" dirty="0"/>
@@ -39526,13 +38495,6 @@
   <p:clrMapOvr>
     <a:masterClrMapping/>
   </p:clrMapOvr>
-  <p:timing>
-    <p:tnLst>
-      <p:par>
-        <p:cTn id="1" dur="indefinite" restart="never" nodeType="tmRoot"/>
-      </p:par>
-    </p:tnLst>
-  </p:timing>
 </p:sld>
 </file>
 
@@ -39594,7 +38556,7 @@
           <a:lstStyle/>
           <a:p>
             <a:r>
-              <a:rPr lang="hu-HU" smtClean="0"/>
+              <a:rPr lang="hu-HU"/>
               <a:t>Map/Reduce</a:t>
             </a:r>
           </a:p>
@@ -39741,40 +38703,16 @@
               <a:rPr lang="hu-HU" sz="2000" dirty="0">
                 <a:latin typeface="Calibri" pitchFamily="34" charset="0"/>
               </a:rPr>
-              <a:t>		</a:t>
-            </a:r>
-            <a:r>
-              <a:rPr lang="hu-HU" sz="2000" dirty="0" smtClean="0">
-                <a:latin typeface="Calibri" pitchFamily="34" charset="0"/>
-              </a:rPr>
-              <a:t>verbose</a:t>
-            </a:r>
+              <a:t>		verbose: &lt;boolean&gt; </a:t>
+            </a:r>
+          </a:p>
+          <a:p>
+            <a:pPr lvl="1"/>
             <a:r>
               <a:rPr lang="hu-HU" sz="2000" dirty="0">
                 <a:latin typeface="Calibri" pitchFamily="34" charset="0"/>
               </a:rPr>
-              <a:t>: &lt;boolean&gt; </a:t>
-            </a:r>
-          </a:p>
-          <a:p>
-            <a:pPr lvl="1"/>
-            <a:r>
-              <a:rPr lang="hu-HU" sz="2000" dirty="0">
-                <a:latin typeface="Calibri" pitchFamily="34" charset="0"/>
-              </a:rPr>
-              <a:t>	</a:t>
-            </a:r>
-            <a:r>
-              <a:rPr lang="hu-HU" sz="2000" dirty="0" smtClean="0">
-                <a:latin typeface="Calibri" pitchFamily="34" charset="0"/>
-              </a:rPr>
-              <a:t>} </a:t>
-            </a:r>
-            <a:r>
-              <a:rPr lang="hu-HU" sz="2000" dirty="0">
-                <a:latin typeface="Calibri" pitchFamily="34" charset="0"/>
-              </a:rPr>
-              <a:t>)</a:t>
+              <a:t>	} )</a:t>
             </a:r>
           </a:p>
         </p:txBody>
@@ -39973,13 +38911,6 @@
   <p:clrMapOvr>
     <a:masterClrMapping/>
   </p:clrMapOvr>
-  <p:timing>
-    <p:tnLst>
-      <p:par>
-        <p:cTn id="1" dur="indefinite" restart="never" nodeType="tmRoot"/>
-      </p:par>
-    </p:tnLst>
-  </p:timing>
 </p:sld>
 </file>
 
@@ -40016,7 +38947,7 @@
           <a:lstStyle/>
           <a:p>
             <a:r>
-              <a:rPr lang="en-US" smtClean="0"/>
+              <a:rPr lang="en-US"/>
               <a:t>JSON</a:t>
             </a:r>
           </a:p>
@@ -40048,7 +38979,7 @@
               <a:defRPr/>
             </a:pPr>
             <a:r>
-              <a:rPr lang="en-US" sz="2800" dirty="0" smtClean="0">
+              <a:rPr lang="en-US" sz="2800" dirty="0">
                 <a:solidFill>
                   <a:schemeClr val="tx1">
                     <a:lumMod val="75000"/>
@@ -40069,7 +39000,7 @@
               <a:defRPr/>
             </a:pPr>
             <a:r>
-              <a:rPr lang="en-US" sz="2800" dirty="0" smtClean="0">
+              <a:rPr lang="en-US" sz="2800" dirty="0">
                 <a:solidFill>
                   <a:schemeClr val="tx1">
                     <a:lumMod val="75000"/>
@@ -40090,7 +39021,7 @@
               <a:defRPr/>
             </a:pPr>
             <a:r>
-              <a:rPr lang="en-US" sz="2800" dirty="0" smtClean="0">
+              <a:rPr lang="en-US" sz="2800" dirty="0">
                 <a:solidFill>
                   <a:schemeClr val="tx1">
                     <a:lumMod val="75000"/>
@@ -40111,7 +39042,7 @@
               <a:defRPr/>
             </a:pPr>
             <a:r>
-              <a:rPr lang="en-US" sz="2800" dirty="0" smtClean="0">
+              <a:rPr lang="en-US" sz="2800" dirty="0">
                 <a:solidFill>
                   <a:schemeClr val="tx1">
                     <a:lumMod val="75000"/>
@@ -40132,7 +39063,7 @@
               <a:defRPr/>
             </a:pPr>
             <a:r>
-              <a:rPr lang="en-US" sz="2400" dirty="0" smtClean="0">
+              <a:rPr lang="en-US" sz="2400" dirty="0">
                 <a:solidFill>
                   <a:schemeClr val="tx1">
                     <a:lumMod val="75000"/>
@@ -40153,7 +39084,7 @@
               <a:defRPr/>
             </a:pPr>
             <a:r>
-              <a:rPr lang="en-US" sz="2400" dirty="0" smtClean="0">
+              <a:rPr lang="en-US" sz="2400" dirty="0">
                 <a:solidFill>
                   <a:schemeClr val="tx1">
                     <a:lumMod val="75000"/>
@@ -40163,24 +39094,6 @@
               </a:rPr>
               <a:t>Ordered list of values</a:t>
             </a:r>
-          </a:p>
-          <a:p>
-            <a:pPr lvl="1" fontAlgn="auto">
-              <a:spcAft>
-                <a:spcPts val="0"/>
-              </a:spcAft>
-              <a:buFont typeface="Wingdings 3" charset="2"/>
-              <a:buChar char=""/>
-              <a:defRPr/>
-            </a:pPr>
-            <a:endParaRPr lang="en-US" dirty="0" smtClean="0">
-              <a:solidFill>
-                <a:schemeClr val="tx1">
-                  <a:lumMod val="75000"/>
-                  <a:lumOff val="25000"/>
-                </a:schemeClr>
-              </a:solidFill>
-            </a:endParaRPr>
           </a:p>
           <a:p>
             <a:pPr lvl="1" fontAlgn="auto">
@@ -40201,6 +39114,24 @@
             </a:endParaRPr>
           </a:p>
           <a:p>
+            <a:pPr lvl="1" fontAlgn="auto">
+              <a:spcAft>
+                <a:spcPts val="0"/>
+              </a:spcAft>
+              <a:buFont typeface="Wingdings 3" charset="2"/>
+              <a:buChar char=""/>
+              <a:defRPr/>
+            </a:pPr>
+            <a:endParaRPr lang="en-US" dirty="0">
+              <a:solidFill>
+                <a:schemeClr val="tx1">
+                  <a:lumMod val="75000"/>
+                  <a:lumOff val="25000"/>
+                </a:schemeClr>
+              </a:solidFill>
+            </a:endParaRPr>
+          </a:p>
+          <a:p>
             <a:pPr marL="0" indent="0" fontAlgn="auto">
               <a:spcAft>
                 <a:spcPts val="0"/>
@@ -40220,14 +39151,6 @@
               </a:rPr>
               <a:t>http://json.org/</a:t>
             </a:r>
-            <a:endParaRPr lang="en-US" sz="1600" dirty="0" smtClean="0">
-              <a:solidFill>
-                <a:schemeClr val="tx1">
-                  <a:lumMod val="75000"/>
-                  <a:lumOff val="25000"/>
-                </a:schemeClr>
-              </a:solidFill>
-            </a:endParaRPr>
           </a:p>
         </p:txBody>
       </p:sp>
@@ -40241,13 +39164,6 @@
   <p:clrMapOvr>
     <a:masterClrMapping/>
   </p:clrMapOvr>
-  <p:timing>
-    <p:tnLst>
-      <p:par>
-        <p:cTn id="1" dur="indefinite" restart="never" nodeType="tmRoot"/>
-      </p:par>
-    </p:tnLst>
-  </p:timing>
 </p:sld>
 </file>
 
@@ -40284,10 +39200,9 @@
           <a:lstStyle/>
           <a:p>
             <a:r>
-              <a:rPr lang="en-IE" dirty="0" smtClean="0"/>
+              <a:rPr lang="en-IE" dirty="0"/>
               <a:t>Map-reduce as JavaScript</a:t>
             </a:r>
-            <a:endParaRPr lang="en-IE" dirty="0"/>
           </a:p>
         </p:txBody>
       </p:sp>
@@ -40356,7 +39271,7 @@
               <a:defRPr/>
             </a:pPr>
             <a:r>
-              <a:rPr lang="en-US" smtClean="0"/>
+              <a:rPr lang="en-US"/>
               <a:t>2012/2013 - DT228/4</a:t>
             </a:r>
             <a:endParaRPr lang="en-IE" dirty="0"/>
@@ -40402,13 +39317,6 @@
   <p:clrMapOvr>
     <a:masterClrMapping/>
   </p:clrMapOvr>
-  <p:timing>
-    <p:tnLst>
-      <p:par>
-        <p:cTn id="1" dur="indefinite" restart="never" nodeType="tmRoot"/>
-      </p:par>
-    </p:tnLst>
-  </p:timing>
 </p:sld>
 </file>
 
@@ -40445,10 +39353,9 @@
           <a:lstStyle/>
           <a:p>
             <a:r>
-              <a:rPr lang="en-IE" dirty="0" smtClean="0"/>
+              <a:rPr lang="en-IE" dirty="0"/>
               <a:t>Map function</a:t>
             </a:r>
-            <a:endParaRPr lang="en-IE" dirty="0"/>
           </a:p>
         </p:txBody>
       </p:sp>
@@ -40471,7 +39378,7 @@
               <a:buNone/>
             </a:pPr>
             <a:r>
-              <a:rPr lang="en-IE" b="1" dirty="0" smtClean="0"/>
+              <a:rPr lang="en-IE" b="1" dirty="0"/>
               <a:t>function</a:t>
             </a:r>
             <a:r>
@@ -40521,12 +39428,8 @@
           </a:p>
           <a:p>
             <a:r>
-              <a:rPr lang="en-IE" sz="2200" dirty="0" smtClean="0"/>
-              <a:t>The</a:t>
-            </a:r>
-            <a:r>
               <a:rPr lang="en-IE" sz="2200" dirty="0"/>
-              <a:t> map function may optionally call emit(</a:t>
+              <a:t>The map function may optionally call emit(</a:t>
             </a:r>
             <a:r>
               <a:rPr lang="en-IE" sz="2200" dirty="0" err="1"/>
@@ -40561,7 +39464,7 @@
               <a:defRPr/>
             </a:pPr>
             <a:r>
-              <a:rPr lang="en-US" smtClean="0"/>
+              <a:rPr lang="en-US"/>
               <a:t>2012/2013 - DT228/4</a:t>
             </a:r>
             <a:endParaRPr lang="en-IE" dirty="0"/>
@@ -40607,13 +39510,6 @@
   <p:clrMapOvr>
     <a:masterClrMapping/>
   </p:clrMapOvr>
-  <p:timing>
-    <p:tnLst>
-      <p:par>
-        <p:cTn id="1" dur="indefinite" restart="never" nodeType="tmRoot"/>
-      </p:par>
-    </p:tnLst>
-  </p:timing>
 </p:sld>
 </file>
 
@@ -40650,7 +39546,7 @@
           <a:lstStyle/>
           <a:p>
             <a:r>
-              <a:rPr lang="en-US" smtClean="0"/>
+              <a:rPr lang="en-US"/>
               <a:t>BSON</a:t>
             </a:r>
           </a:p>
@@ -40682,7 +39578,7 @@
               <a:defRPr/>
             </a:pPr>
             <a:r>
-              <a:rPr lang="en-US" sz="2800" dirty="0" smtClean="0">
+              <a:rPr lang="en-US" sz="2800" dirty="0">
                 <a:solidFill>
                   <a:schemeClr val="tx1">
                     <a:lumMod val="75000"/>
@@ -40703,7 +39599,7 @@
               <a:defRPr/>
             </a:pPr>
             <a:r>
-              <a:rPr lang="en-US" sz="2800" dirty="0" smtClean="0">
+              <a:rPr lang="en-US" sz="2800" dirty="0">
                 <a:solidFill>
                   <a:schemeClr val="tx1">
                     <a:lumMod val="75000"/>
@@ -40724,7 +39620,7 @@
               <a:defRPr/>
             </a:pPr>
             <a:r>
-              <a:rPr lang="en-US" sz="2800" dirty="0" smtClean="0">
+              <a:rPr lang="en-US" sz="2800" dirty="0">
                 <a:solidFill>
                   <a:schemeClr val="tx1">
                     <a:lumMod val="75000"/>
@@ -40745,7 +39641,7 @@
               <a:defRPr/>
             </a:pPr>
             <a:r>
-              <a:rPr lang="en-US" sz="2800" dirty="0" smtClean="0">
+              <a:rPr lang="en-US" sz="2800" dirty="0">
                 <a:solidFill>
                   <a:schemeClr val="tx1">
                     <a:lumMod val="75000"/>
@@ -40766,7 +39662,7 @@
               <a:defRPr/>
             </a:pPr>
             <a:r>
-              <a:rPr lang="en-US" sz="2800" dirty="0" smtClean="0">
+              <a:rPr lang="en-US" sz="2800" dirty="0">
                 <a:solidFill>
                   <a:schemeClr val="tx1">
                     <a:lumMod val="75000"/>
@@ -40787,7 +39683,7 @@
               <a:defRPr/>
             </a:pPr>
             <a:r>
-              <a:rPr lang="en-US" sz="2400" dirty="0" smtClean="0">
+              <a:rPr lang="en-US" sz="2400" dirty="0">
                 <a:solidFill>
                   <a:schemeClr val="tx1">
                     <a:lumMod val="75000"/>
@@ -40808,7 +39704,7 @@
               <a:defRPr/>
             </a:pPr>
             <a:r>
-              <a:rPr lang="en-US" sz="2400" dirty="0" smtClean="0">
+              <a:rPr lang="en-US" sz="2400" dirty="0">
                 <a:solidFill>
                   <a:schemeClr val="tx1">
                     <a:lumMod val="75000"/>
@@ -40829,7 +39725,7 @@
               <a:defRPr/>
             </a:pPr>
             <a:r>
-              <a:rPr lang="en-US" sz="2400" dirty="0" smtClean="0">
+              <a:rPr lang="en-US" sz="2400" dirty="0">
                 <a:solidFill>
                   <a:schemeClr val="tx1">
                     <a:lumMod val="75000"/>
@@ -40839,14 +39735,6 @@
               </a:rPr>
               <a:t>Efficient (decoding and encoding)</a:t>
             </a:r>
-            <a:endParaRPr lang="en-US" sz="2400" dirty="0">
-              <a:solidFill>
-                <a:schemeClr val="tx1">
-                  <a:lumMod val="75000"/>
-                  <a:lumOff val="25000"/>
-                </a:schemeClr>
-              </a:solidFill>
-            </a:endParaRPr>
           </a:p>
           <a:p>
             <a:pPr marL="457200" lvl="1" indent="0" fontAlgn="auto">
@@ -40876,7 +39764,7 @@
               <a:defRPr/>
             </a:pPr>
             <a:r>
-              <a:rPr lang="en-US" sz="1700" dirty="0" smtClean="0">
+              <a:rPr lang="en-US" sz="1700" dirty="0">
                 <a:solidFill>
                   <a:schemeClr val="tx1">
                     <a:lumMod val="75000"/>
@@ -40884,18 +39772,7 @@
                   </a:schemeClr>
                 </a:solidFill>
               </a:rPr>
-              <a:t>http</a:t>
-            </a:r>
-            <a:r>
-              <a:rPr lang="en-US" sz="1700" dirty="0">
-                <a:solidFill>
-                  <a:schemeClr val="tx1">
-                    <a:lumMod val="75000"/>
-                    <a:lumOff val="25000"/>
-                  </a:schemeClr>
-                </a:solidFill>
-              </a:rPr>
-              <a:t>://bsonspec.org/</a:t>
+              <a:t>http://bsonspec.org/</a:t>
             </a:r>
           </a:p>
         </p:txBody>
@@ -40910,13 +39787,6 @@
   <p:clrMapOvr>
     <a:masterClrMapping/>
   </p:clrMapOvr>
-  <p:timing>
-    <p:tnLst>
-      <p:par>
-        <p:cTn id="1" dur="indefinite" restart="never" nodeType="tmRoot"/>
-      </p:par>
-    </p:tnLst>
-  </p:timing>
 </p:sld>
 </file>
 
@@ -40953,7 +39823,7 @@
           <a:lstStyle/>
           <a:p>
             <a:r>
-              <a:rPr lang="en-US" smtClean="0"/>
+              <a:rPr lang="en-US"/>
               <a:t>BSON Example</a:t>
             </a:r>
           </a:p>
@@ -40984,7 +39854,7 @@
               <a:buNone/>
             </a:pPr>
             <a:r>
-              <a:rPr lang="en-US" sz="2600" smtClean="0"/>
+              <a:rPr lang="en-US" sz="2600"/>
               <a:t>{</a:t>
             </a:r>
           </a:p>
@@ -40997,11 +39867,11 @@
               <a:buNone/>
             </a:pPr>
             <a:r>
-              <a:rPr lang="en-US" sz="2600" b="1" smtClean="0"/>
+              <a:rPr lang="en-US" sz="2600" b="1"/>
               <a:t>"_id"</a:t>
             </a:r>
             <a:r>
-              <a:rPr lang="en-US" sz="2600" smtClean="0"/>
+              <a:rPr lang="en-US" sz="2600"/>
               <a:t> : 	"37010"</a:t>
             </a:r>
           </a:p>
@@ -41014,11 +39884,11 @@
               <a:buNone/>
             </a:pPr>
             <a:r>
-              <a:rPr lang="en-US" sz="2600" b="1" smtClean="0"/>
+              <a:rPr lang="en-US" sz="2600" b="1"/>
               <a:t>"city"</a:t>
             </a:r>
             <a:r>
-              <a:rPr lang="en-US" sz="2600" smtClean="0"/>
+              <a:rPr lang="en-US" sz="2600"/>
               <a:t> : 	"ADAMS",</a:t>
             </a:r>
           </a:p>
@@ -41031,11 +39901,11 @@
               <a:buNone/>
             </a:pPr>
             <a:r>
-              <a:rPr lang="en-US" sz="2600" b="1" smtClean="0"/>
+              <a:rPr lang="en-US" sz="2600" b="1"/>
               <a:t>"pop"</a:t>
             </a:r>
             <a:r>
-              <a:rPr lang="en-US" sz="2600" smtClean="0"/>
+              <a:rPr lang="en-US" sz="2600"/>
               <a:t> : 	2660,</a:t>
             </a:r>
           </a:p>
@@ -41048,11 +39918,11 @@
               <a:buNone/>
             </a:pPr>
             <a:r>
-              <a:rPr lang="en-US" sz="2600" b="1" smtClean="0"/>
+              <a:rPr lang="en-US" sz="2600" b="1"/>
               <a:t>"state"</a:t>
             </a:r>
             <a:r>
-              <a:rPr lang="en-US" sz="2600" smtClean="0"/>
+              <a:rPr lang="en-US" sz="2600"/>
               <a:t> : 	"TN",</a:t>
             </a:r>
           </a:p>
@@ -41065,11 +39935,11 @@
               <a:buNone/>
             </a:pPr>
             <a:r>
-              <a:rPr lang="en-US" sz="2600" b="1" smtClean="0"/>
+              <a:rPr lang="en-US" sz="2600" b="1"/>
               <a:t>“councilman”</a:t>
             </a:r>
             <a:r>
-              <a:rPr lang="en-US" sz="2600" smtClean="0"/>
+              <a:rPr lang="en-US" sz="2600"/>
               <a:t> : {</a:t>
             </a:r>
           </a:p>
@@ -41082,15 +39952,15 @@
               <a:buNone/>
             </a:pPr>
             <a:r>
-              <a:rPr lang="en-US" sz="2600" smtClean="0"/>
+              <a:rPr lang="en-US" sz="2600"/>
               <a:t>		      </a:t>
             </a:r>
             <a:r>
-              <a:rPr lang="en-US" sz="2600" b="1" smtClean="0"/>
+              <a:rPr lang="en-US" sz="2600" b="1"/>
               <a:t>name:</a:t>
             </a:r>
             <a:r>
-              <a:rPr lang="en-US" sz="2600" smtClean="0"/>
+              <a:rPr lang="en-US" sz="2600"/>
               <a:t> “John Smith”</a:t>
             </a:r>
           </a:p>
@@ -41103,15 +39973,15 @@
               <a:buNone/>
             </a:pPr>
             <a:r>
-              <a:rPr lang="en-US" sz="2600" smtClean="0"/>
+              <a:rPr lang="en-US" sz="2600"/>
               <a:t>		      </a:t>
             </a:r>
             <a:r>
-              <a:rPr lang="en-US" sz="2600" b="1" smtClean="0"/>
+              <a:rPr lang="en-US" sz="2600" b="1"/>
               <a:t>address:</a:t>
             </a:r>
             <a:r>
-              <a:rPr lang="en-US" sz="2600" smtClean="0"/>
+              <a:rPr lang="en-US" sz="2600"/>
               <a:t> “13 Scenic Way”</a:t>
             </a:r>
           </a:p>
@@ -41124,7 +39994,7 @@
               <a:buNone/>
             </a:pPr>
             <a:r>
-              <a:rPr lang="en-US" sz="2600" smtClean="0"/>
+              <a:rPr lang="en-US" sz="2600"/>
               <a:t>		   }</a:t>
             </a:r>
           </a:p>
@@ -41137,7 +40007,7 @@
               <a:buNone/>
             </a:pPr>
             <a:r>
-              <a:rPr lang="en-US" sz="2600" smtClean="0"/>
+              <a:rPr lang="en-US" sz="2600"/>
               <a:t>}</a:t>
             </a:r>
           </a:p>
@@ -41149,7 +40019,7 @@
               <a:buFont typeface="Arial" charset="0"/>
               <a:buNone/>
             </a:pPr>
-            <a:endParaRPr lang="en-US" smtClean="0"/>
+            <a:endParaRPr lang="en-US"/>
           </a:p>
           <a:p>
             <a:pPr marL="0" indent="0">
@@ -41159,7 +40029,7 @@
               <a:buFont typeface="Arial" charset="0"/>
               <a:buChar char="•"/>
             </a:pPr>
-            <a:endParaRPr lang="en-US" smtClean="0"/>
+            <a:endParaRPr lang="en-US"/>
           </a:p>
           <a:p>
             <a:pPr marL="0" indent="0">
@@ -41169,7 +40039,7 @@
               <a:buFont typeface="Arial" charset="0"/>
               <a:buChar char="•"/>
             </a:pPr>
-            <a:endParaRPr lang="en-US" smtClean="0"/>
+            <a:endParaRPr lang="en-US"/>
           </a:p>
           <a:p>
             <a:pPr marL="0" indent="0">
@@ -41179,7 +40049,7 @@
               <a:buFont typeface="Arial" charset="0"/>
               <a:buChar char="•"/>
             </a:pPr>
-            <a:endParaRPr lang="en-US" smtClean="0"/>
+            <a:endParaRPr lang="en-US"/>
           </a:p>
           <a:p>
             <a:pPr marL="0" indent="0">
@@ -41189,7 +40059,7 @@
               <a:buFont typeface="Arial" charset="0"/>
               <a:buChar char="•"/>
             </a:pPr>
-            <a:endParaRPr lang="en-US" smtClean="0"/>
+            <a:endParaRPr lang="en-US"/>
           </a:p>
           <a:p>
             <a:pPr marL="0" indent="0">
@@ -41199,7 +40069,7 @@
               <a:buFont typeface="Arial" charset="0"/>
               <a:buChar char="•"/>
             </a:pPr>
-            <a:endParaRPr lang="en-US" smtClean="0"/>
+            <a:endParaRPr lang="en-US"/>
           </a:p>
           <a:p>
             <a:pPr marL="0" indent="0">
@@ -41209,7 +40079,7 @@
               <a:buFont typeface="Arial" charset="0"/>
               <a:buChar char="•"/>
             </a:pPr>
-            <a:endParaRPr lang="en-US" smtClean="0"/>
+            <a:endParaRPr lang="en-US"/>
           </a:p>
           <a:p>
             <a:pPr marL="0" indent="0">
@@ -41219,7 +40089,7 @@
               <a:buFont typeface="Arial" charset="0"/>
               <a:buChar char="•"/>
             </a:pPr>
-            <a:endParaRPr lang="en-US" smtClean="0"/>
+            <a:endParaRPr lang="en-US"/>
           </a:p>
         </p:txBody>
       </p:sp>
@@ -41233,13 +40103,6 @@
   <p:clrMapOvr>
     <a:masterClrMapping/>
   </p:clrMapOvr>
-  <p:timing>
-    <p:tnLst>
-      <p:par>
-        <p:cTn id="1" dur="indefinite" restart="never" nodeType="tmRoot"/>
-      </p:par>
-    </p:tnLst>
-  </p:timing>
 </p:sld>
 </file>
 
@@ -41276,7 +40139,7 @@
           <a:lstStyle/>
           <a:p>
             <a:r>
-              <a:rPr lang="en-US" smtClean="0"/>
+              <a:rPr lang="en-US"/>
               <a:t>The _id Field</a:t>
             </a:r>
           </a:p>
@@ -41308,7 +40171,7 @@
               <a:defRPr/>
             </a:pPr>
             <a:r>
-              <a:rPr lang="en-US" sz="2800" dirty="0" smtClean="0">
+              <a:rPr lang="en-US" sz="2800" dirty="0">
                 <a:solidFill>
                   <a:schemeClr val="tx1">
                     <a:lumMod val="75000"/>
@@ -41329,7 +40192,7 @@
               <a:defRPr/>
             </a:pPr>
             <a:r>
-              <a:rPr lang="en-US" sz="2400" dirty="0" smtClean="0">
+              <a:rPr lang="en-US" sz="2400" dirty="0">
                 <a:solidFill>
                   <a:schemeClr val="tx1">
                     <a:lumMod val="75000"/>
@@ -41350,7 +40213,7 @@
               <a:defRPr/>
             </a:pPr>
             <a:r>
-              <a:rPr lang="en-US" sz="2400" dirty="0" smtClean="0">
+              <a:rPr lang="en-US" sz="2400" dirty="0">
                 <a:solidFill>
                   <a:schemeClr val="tx1">
                     <a:lumMod val="75000"/>
@@ -41371,7 +40234,7 @@
               <a:defRPr/>
             </a:pPr>
             <a:r>
-              <a:rPr lang="en-US" sz="2400" dirty="0" smtClean="0">
+              <a:rPr lang="en-US" sz="2400" dirty="0">
                 <a:solidFill>
                   <a:schemeClr val="tx1">
                     <a:lumMod val="75000"/>
@@ -41382,7 +40245,7 @@
               <a:t>Default data type is </a:t>
             </a:r>
             <a:r>
-              <a:rPr lang="en-US" sz="2400" dirty="0" err="1" smtClean="0">
+              <a:rPr lang="en-US" sz="2400" dirty="0" err="1">
                 <a:solidFill>
                   <a:schemeClr val="tx1">
                     <a:lumMod val="75000"/>
@@ -41393,7 +40256,7 @@
               <a:t>ObjectId</a:t>
             </a:r>
             <a:r>
-              <a:rPr lang="en-US" sz="2400" dirty="0" smtClean="0">
+              <a:rPr lang="en-US" sz="2400" dirty="0">
                 <a:solidFill>
                   <a:schemeClr val="tx1">
                     <a:lumMod val="75000"/>
@@ -41404,7 +40267,7 @@
               <a:t>, which is “small, likely unique, fast to generate, and ordered.” Sorting on an </a:t>
             </a:r>
             <a:r>
-              <a:rPr lang="en-US" sz="2400" dirty="0" err="1" smtClean="0">
+              <a:rPr lang="en-US" sz="2400" dirty="0" err="1">
                 <a:solidFill>
                   <a:schemeClr val="tx1">
                     <a:lumMod val="75000"/>
@@ -41415,7 +40278,7 @@
               <a:t>ObjectId</a:t>
             </a:r>
             <a:r>
-              <a:rPr lang="en-US" sz="2400" dirty="0" smtClean="0">
+              <a:rPr lang="en-US" sz="2400" dirty="0">
                 <a:solidFill>
                   <a:schemeClr val="tx1">
                     <a:lumMod val="75000"/>
@@ -41425,14 +40288,6 @@
               </a:rPr>
               <a:t> value is roughly equivalent to sorting on creation time.</a:t>
             </a:r>
-            <a:endParaRPr lang="en-US" sz="2400" dirty="0">
-              <a:solidFill>
-                <a:schemeClr val="tx1">
-                  <a:lumMod val="75000"/>
-                  <a:lumOff val="25000"/>
-                </a:schemeClr>
-              </a:solidFill>
-            </a:endParaRPr>
           </a:p>
         </p:txBody>
       </p:sp>
@@ -41483,13 +40338,6 @@
   <p:clrMapOvr>
     <a:masterClrMapping/>
   </p:clrMapOvr>
-  <p:timing>
-    <p:tnLst>
-      <p:par>
-        <p:cTn id="1" dur="indefinite" restart="never" nodeType="tmRoot"/>
-      </p:par>
-    </p:tnLst>
-  </p:timing>
 </p:sld>
 </file>
 
@@ -43069,6 +41917,15 @@
 </file>
 
 <file path=customXml/item1.xml><?xml version="1.0" encoding="utf-8"?>
+<?mso-contentType ?>
+<FormTemplates xmlns="http://schemas.microsoft.com/sharepoint/v3/contenttype/forms">
+  <Display>DocumentLibraryForm</Display>
+  <Edit>DocumentLibraryForm</Edit>
+  <New>DocumentLibraryForm</New>
+</FormTemplates>
+</file>
+
+<file path=customXml/item2.xml><?xml version="1.0" encoding="utf-8"?>
 <ct:contentTypeSchema xmlns:ct="http://schemas.microsoft.com/office/2006/metadata/contentType" xmlns:ma="http://schemas.microsoft.com/office/2006/metadata/properties/metaAttributes" ct:_="" ma:_="" ma:contentTypeName="NDRC Document" ma:contentTypeID="0x01010067DD71A3E2A05543A829DA82727911F90077C82967715ED94B96AD0B60EC67406A" ma:contentTypeVersion="25" ma:contentTypeDescription="This is the default template for NDRC document." ma:contentTypeScope="" ma:versionID="975fd59ca4815150fd9994aab2aebd8d">
   <xsd:schema xmlns:xsd="http://www.w3.org/2001/XMLSchema" xmlns:p="http://schemas.microsoft.com/office/2006/metadata/properties" targetNamespace="http://schemas.microsoft.com/office/2006/metadata/properties" ma:root="true" ma:fieldsID="ddd02c06f875442d2d8e0c0357ce4144">
     <xsd:element name="properties">
@@ -43117,15 +41974,6 @@
 </ct:contentTypeSchema>
 </file>
 
-<file path=customXml/item2.xml><?xml version="1.0" encoding="utf-8"?>
-<?mso-contentType ?>
-<FormTemplates xmlns="http://schemas.microsoft.com/sharepoint/v3/contenttype/forms">
-  <Display>DocumentLibraryForm</Display>
-  <Edit>DocumentLibraryForm</Edit>
-  <New>DocumentLibraryForm</New>
-</FormTemplates>
-</file>
-
 <file path=customXml/item3.xml><?xml version="1.0" encoding="utf-8"?>
 <p:properties xmlns:p="http://schemas.microsoft.com/office/2006/metadata/properties" xmlns:xsi="http://www.w3.org/2001/XMLSchema-instance">
   <documentManagement/>
@@ -43133,6 +41981,14 @@
 </file>
 
 <file path=customXml/itemProps1.xml><?xml version="1.0" encoding="utf-8"?>
+<ds:datastoreItem xmlns:ds="http://schemas.openxmlformats.org/officeDocument/2006/customXml" ds:itemID="{359CE32C-DA76-40C8-A133-90BBA7D7558F}">
+  <ds:schemaRefs>
+    <ds:schemaRef ds:uri="http://schemas.microsoft.com/sharepoint/v3/contenttype/forms"/>
+  </ds:schemaRefs>
+</ds:datastoreItem>
+</file>
+
+<file path=customXml/itemProps2.xml><?xml version="1.0" encoding="utf-8"?>
 <ds:datastoreItem xmlns:ds="http://schemas.openxmlformats.org/officeDocument/2006/customXml" ds:itemID="{2EFA0D13-7183-4503-AA10-815D0BE33460}">
   <ds:schemaRefs>
     <ds:schemaRef ds:uri="http://schemas.microsoft.com/office/2006/metadata/contentType"/>
@@ -43143,14 +41999,6 @@
     <ds:schemaRef ds:uri="http://purl.org/dc/elements/1.1/"/>
     <ds:schemaRef ds:uri="http://purl.org/dc/terms/"/>
     <ds:schemaRef ds:uri="http://schemas.microsoft.com/office/internal/2005/internalDocumentation"/>
-  </ds:schemaRefs>
-</ds:datastoreItem>
-</file>
-
-<file path=customXml/itemProps2.xml><?xml version="1.0" encoding="utf-8"?>
-<ds:datastoreItem xmlns:ds="http://schemas.openxmlformats.org/officeDocument/2006/customXml" ds:itemID="{359CE32C-DA76-40C8-A133-90BBA7D7558F}">
-  <ds:schemaRefs>
-    <ds:schemaRef ds:uri="http://schemas.microsoft.com/sharepoint/v3/contenttype/forms"/>
   </ds:schemaRefs>
 </ds:datastoreItem>
 </file>
